--- a/Training-master/Full-Stack_DPP_JavaScript.pptx
+++ b/Training-master/Full-Stack_DPP_JavaScript.pptx
@@ -5,7 +5,7 @@
     <p:sldMasterId id="2147483708" r:id="rId1"/>
   </p:sldMasterIdLst>
   <p:notesMasterIdLst>
-    <p:notesMasterId r:id="rId41"/>
+    <p:notesMasterId r:id="rId48"/>
   </p:notesMasterIdLst>
   <p:sldIdLst>
     <p:sldId id="256" r:id="rId2"/>
@@ -46,7 +46,14 @@
     <p:sldId id="343" r:id="rId37"/>
     <p:sldId id="344" r:id="rId38"/>
     <p:sldId id="352" r:id="rId39"/>
-    <p:sldId id="353" r:id="rId40"/>
+    <p:sldId id="354" r:id="rId40"/>
+    <p:sldId id="355" r:id="rId41"/>
+    <p:sldId id="357" r:id="rId42"/>
+    <p:sldId id="356" r:id="rId43"/>
+    <p:sldId id="358" r:id="rId44"/>
+    <p:sldId id="359" r:id="rId45"/>
+    <p:sldId id="360" r:id="rId46"/>
+    <p:sldId id="353" r:id="rId47"/>
   </p:sldIdLst>
   <p:sldSz cx="9144000" cy="6858000" type="screen4x3"/>
   <p:notesSz cx="6858000" cy="9144000"/>
@@ -246,7 +253,7 @@
           <a:p>
             <a:fld id="{4A8D2E54-9AB0-435E-8E56-40E630100C2F}" type="datetimeFigureOut">
               <a:rPr lang="en-GB" smtClean="0"/>
-              <a:t>29/01/2017</a:t>
+              <a:t>01/02/2017</a:t>
             </a:fld>
             <a:endParaRPr lang="en-GB" dirty="0"/>
           </a:p>
@@ -3276,7 +3283,7 @@
     </p:spTree>
     <p:extLst>
       <p:ext uri="{BB962C8B-B14F-4D97-AF65-F5344CB8AC3E}">
-        <p14:creationId xmlns:p14="http://schemas.microsoft.com/office/powerpoint/2010/main" val="2302523424"/>
+        <p14:creationId xmlns:p14="http://schemas.microsoft.com/office/powerpoint/2010/main" val="1819141776"/>
       </p:ext>
     </p:extLst>
   </p:cSld>
@@ -3361,6 +3368,594 @@
     <p:extLst>
       <p:ext uri="{BB962C8B-B14F-4D97-AF65-F5344CB8AC3E}">
         <p14:creationId xmlns:p14="http://schemas.microsoft.com/office/powerpoint/2010/main" val="3338936717"/>
+      </p:ext>
+    </p:extLst>
+  </p:cSld>
+  <p:clrMapOvr>
+    <a:masterClrMapping/>
+  </p:clrMapOvr>
+</p:notes>
+</file>
+
+<file path=ppt/notesSlides/notesSlide40.xml><?xml version="1.0" encoding="utf-8"?>
+<p:notes xmlns:a="http://schemas.openxmlformats.org/drawingml/2006/main" xmlns:r="http://schemas.openxmlformats.org/officeDocument/2006/relationships" xmlns:p="http://schemas.openxmlformats.org/presentationml/2006/main">
+  <p:cSld>
+    <p:spTree>
+      <p:nvGrpSpPr>
+        <p:cNvPr id="1" name=""/>
+        <p:cNvGrpSpPr/>
+        <p:nvPr/>
+      </p:nvGrpSpPr>
+      <p:grpSpPr>
+        <a:xfrm>
+          <a:off x="0" y="0"/>
+          <a:ext cx="0" cy="0"/>
+          <a:chOff x="0" y="0"/>
+          <a:chExt cx="0" cy="0"/>
+        </a:xfrm>
+      </p:grpSpPr>
+      <p:sp>
+        <p:nvSpPr>
+          <p:cNvPr id="2" name="Slide Image Placeholder 1"/>
+          <p:cNvSpPr>
+            <a:spLocks noGrp="1" noRot="1" noChangeAspect="1"/>
+          </p:cNvSpPr>
+          <p:nvPr>
+            <p:ph type="sldImg"/>
+          </p:nvPr>
+        </p:nvSpPr>
+        <p:spPr/>
+      </p:sp>
+      <p:sp>
+        <p:nvSpPr>
+          <p:cNvPr id="3" name="Notes Placeholder 2"/>
+          <p:cNvSpPr>
+            <a:spLocks noGrp="1"/>
+          </p:cNvSpPr>
+          <p:nvPr>
+            <p:ph type="body" idx="1"/>
+          </p:nvPr>
+        </p:nvSpPr>
+        <p:spPr/>
+        <p:txBody>
+          <a:bodyPr/>
+          <a:lstStyle/>
+          <a:p>
+            <a:endParaRPr lang="en-GB" dirty="0"/>
+          </a:p>
+        </p:txBody>
+      </p:sp>
+      <p:sp>
+        <p:nvSpPr>
+          <p:cNvPr id="4" name="Slide Number Placeholder 3"/>
+          <p:cNvSpPr>
+            <a:spLocks noGrp="1"/>
+          </p:cNvSpPr>
+          <p:nvPr>
+            <p:ph type="sldNum" sz="quarter" idx="10"/>
+          </p:nvPr>
+        </p:nvSpPr>
+        <p:spPr/>
+        <p:txBody>
+          <a:bodyPr/>
+          <a:lstStyle/>
+          <a:p>
+            <a:fld id="{CC97E1CB-F4CB-43AB-8AA0-D58C90F3A584}" type="slidenum">
+              <a:rPr lang="en-GB" smtClean="0"/>
+              <a:t>40</a:t>
+            </a:fld>
+            <a:endParaRPr lang="en-GB" dirty="0"/>
+          </a:p>
+        </p:txBody>
+      </p:sp>
+    </p:spTree>
+    <p:extLst>
+      <p:ext uri="{BB962C8B-B14F-4D97-AF65-F5344CB8AC3E}">
+        <p14:creationId xmlns:p14="http://schemas.microsoft.com/office/powerpoint/2010/main" val="3116539586"/>
+      </p:ext>
+    </p:extLst>
+  </p:cSld>
+  <p:clrMapOvr>
+    <a:masterClrMapping/>
+  </p:clrMapOvr>
+</p:notes>
+</file>
+
+<file path=ppt/notesSlides/notesSlide41.xml><?xml version="1.0" encoding="utf-8"?>
+<p:notes xmlns:a="http://schemas.openxmlformats.org/drawingml/2006/main" xmlns:r="http://schemas.openxmlformats.org/officeDocument/2006/relationships" xmlns:p="http://schemas.openxmlformats.org/presentationml/2006/main">
+  <p:cSld>
+    <p:spTree>
+      <p:nvGrpSpPr>
+        <p:cNvPr id="1" name=""/>
+        <p:cNvGrpSpPr/>
+        <p:nvPr/>
+      </p:nvGrpSpPr>
+      <p:grpSpPr>
+        <a:xfrm>
+          <a:off x="0" y="0"/>
+          <a:ext cx="0" cy="0"/>
+          <a:chOff x="0" y="0"/>
+          <a:chExt cx="0" cy="0"/>
+        </a:xfrm>
+      </p:grpSpPr>
+      <p:sp>
+        <p:nvSpPr>
+          <p:cNvPr id="2" name="Slide Image Placeholder 1"/>
+          <p:cNvSpPr>
+            <a:spLocks noGrp="1" noRot="1" noChangeAspect="1"/>
+          </p:cNvSpPr>
+          <p:nvPr>
+            <p:ph type="sldImg"/>
+          </p:nvPr>
+        </p:nvSpPr>
+        <p:spPr/>
+      </p:sp>
+      <p:sp>
+        <p:nvSpPr>
+          <p:cNvPr id="3" name="Notes Placeholder 2"/>
+          <p:cNvSpPr>
+            <a:spLocks noGrp="1"/>
+          </p:cNvSpPr>
+          <p:nvPr>
+            <p:ph type="body" idx="1"/>
+          </p:nvPr>
+        </p:nvSpPr>
+        <p:spPr/>
+        <p:txBody>
+          <a:bodyPr/>
+          <a:lstStyle/>
+          <a:p>
+            <a:endParaRPr lang="en-GB" dirty="0"/>
+          </a:p>
+        </p:txBody>
+      </p:sp>
+      <p:sp>
+        <p:nvSpPr>
+          <p:cNvPr id="4" name="Slide Number Placeholder 3"/>
+          <p:cNvSpPr>
+            <a:spLocks noGrp="1"/>
+          </p:cNvSpPr>
+          <p:nvPr>
+            <p:ph type="sldNum" sz="quarter" idx="10"/>
+          </p:nvPr>
+        </p:nvSpPr>
+        <p:spPr/>
+        <p:txBody>
+          <a:bodyPr/>
+          <a:lstStyle/>
+          <a:p>
+            <a:fld id="{CC97E1CB-F4CB-43AB-8AA0-D58C90F3A584}" type="slidenum">
+              <a:rPr lang="en-GB" smtClean="0"/>
+              <a:t>41</a:t>
+            </a:fld>
+            <a:endParaRPr lang="en-GB" dirty="0"/>
+          </a:p>
+        </p:txBody>
+      </p:sp>
+    </p:spTree>
+    <p:extLst>
+      <p:ext uri="{BB962C8B-B14F-4D97-AF65-F5344CB8AC3E}">
+        <p14:creationId xmlns:p14="http://schemas.microsoft.com/office/powerpoint/2010/main" val="3841447267"/>
+      </p:ext>
+    </p:extLst>
+  </p:cSld>
+  <p:clrMapOvr>
+    <a:masterClrMapping/>
+  </p:clrMapOvr>
+</p:notes>
+</file>
+
+<file path=ppt/notesSlides/notesSlide42.xml><?xml version="1.0" encoding="utf-8"?>
+<p:notes xmlns:a="http://schemas.openxmlformats.org/drawingml/2006/main" xmlns:r="http://schemas.openxmlformats.org/officeDocument/2006/relationships" xmlns:p="http://schemas.openxmlformats.org/presentationml/2006/main">
+  <p:cSld>
+    <p:spTree>
+      <p:nvGrpSpPr>
+        <p:cNvPr id="1" name=""/>
+        <p:cNvGrpSpPr/>
+        <p:nvPr/>
+      </p:nvGrpSpPr>
+      <p:grpSpPr>
+        <a:xfrm>
+          <a:off x="0" y="0"/>
+          <a:ext cx="0" cy="0"/>
+          <a:chOff x="0" y="0"/>
+          <a:chExt cx="0" cy="0"/>
+        </a:xfrm>
+      </p:grpSpPr>
+      <p:sp>
+        <p:nvSpPr>
+          <p:cNvPr id="2" name="Slide Image Placeholder 1"/>
+          <p:cNvSpPr>
+            <a:spLocks noGrp="1" noRot="1" noChangeAspect="1"/>
+          </p:cNvSpPr>
+          <p:nvPr>
+            <p:ph type="sldImg"/>
+          </p:nvPr>
+        </p:nvSpPr>
+        <p:spPr/>
+      </p:sp>
+      <p:sp>
+        <p:nvSpPr>
+          <p:cNvPr id="3" name="Notes Placeholder 2"/>
+          <p:cNvSpPr>
+            <a:spLocks noGrp="1"/>
+          </p:cNvSpPr>
+          <p:nvPr>
+            <p:ph type="body" idx="1"/>
+          </p:nvPr>
+        </p:nvSpPr>
+        <p:spPr/>
+        <p:txBody>
+          <a:bodyPr/>
+          <a:lstStyle/>
+          <a:p>
+            <a:endParaRPr lang="en-GB" dirty="0"/>
+          </a:p>
+        </p:txBody>
+      </p:sp>
+      <p:sp>
+        <p:nvSpPr>
+          <p:cNvPr id="4" name="Slide Number Placeholder 3"/>
+          <p:cNvSpPr>
+            <a:spLocks noGrp="1"/>
+          </p:cNvSpPr>
+          <p:nvPr>
+            <p:ph type="sldNum" sz="quarter" idx="10"/>
+          </p:nvPr>
+        </p:nvSpPr>
+        <p:spPr/>
+        <p:txBody>
+          <a:bodyPr/>
+          <a:lstStyle/>
+          <a:p>
+            <a:fld id="{CC97E1CB-F4CB-43AB-8AA0-D58C90F3A584}" type="slidenum">
+              <a:rPr lang="en-GB" smtClean="0"/>
+              <a:t>42</a:t>
+            </a:fld>
+            <a:endParaRPr lang="en-GB" dirty="0"/>
+          </a:p>
+        </p:txBody>
+      </p:sp>
+    </p:spTree>
+    <p:extLst>
+      <p:ext uri="{BB962C8B-B14F-4D97-AF65-F5344CB8AC3E}">
+        <p14:creationId xmlns:p14="http://schemas.microsoft.com/office/powerpoint/2010/main" val="147667781"/>
+      </p:ext>
+    </p:extLst>
+  </p:cSld>
+  <p:clrMapOvr>
+    <a:masterClrMapping/>
+  </p:clrMapOvr>
+</p:notes>
+</file>
+
+<file path=ppt/notesSlides/notesSlide43.xml><?xml version="1.0" encoding="utf-8"?>
+<p:notes xmlns:a="http://schemas.openxmlformats.org/drawingml/2006/main" xmlns:r="http://schemas.openxmlformats.org/officeDocument/2006/relationships" xmlns:p="http://schemas.openxmlformats.org/presentationml/2006/main">
+  <p:cSld>
+    <p:spTree>
+      <p:nvGrpSpPr>
+        <p:cNvPr id="1" name=""/>
+        <p:cNvGrpSpPr/>
+        <p:nvPr/>
+      </p:nvGrpSpPr>
+      <p:grpSpPr>
+        <a:xfrm>
+          <a:off x="0" y="0"/>
+          <a:ext cx="0" cy="0"/>
+          <a:chOff x="0" y="0"/>
+          <a:chExt cx="0" cy="0"/>
+        </a:xfrm>
+      </p:grpSpPr>
+      <p:sp>
+        <p:nvSpPr>
+          <p:cNvPr id="2" name="Slide Image Placeholder 1"/>
+          <p:cNvSpPr>
+            <a:spLocks noGrp="1" noRot="1" noChangeAspect="1"/>
+          </p:cNvSpPr>
+          <p:nvPr>
+            <p:ph type="sldImg"/>
+          </p:nvPr>
+        </p:nvSpPr>
+        <p:spPr/>
+      </p:sp>
+      <p:sp>
+        <p:nvSpPr>
+          <p:cNvPr id="3" name="Notes Placeholder 2"/>
+          <p:cNvSpPr>
+            <a:spLocks noGrp="1"/>
+          </p:cNvSpPr>
+          <p:nvPr>
+            <p:ph type="body" idx="1"/>
+          </p:nvPr>
+        </p:nvSpPr>
+        <p:spPr/>
+        <p:txBody>
+          <a:bodyPr/>
+          <a:lstStyle/>
+          <a:p>
+            <a:endParaRPr lang="en-GB" dirty="0"/>
+          </a:p>
+        </p:txBody>
+      </p:sp>
+      <p:sp>
+        <p:nvSpPr>
+          <p:cNvPr id="4" name="Slide Number Placeholder 3"/>
+          <p:cNvSpPr>
+            <a:spLocks noGrp="1"/>
+          </p:cNvSpPr>
+          <p:nvPr>
+            <p:ph type="sldNum" sz="quarter" idx="10"/>
+          </p:nvPr>
+        </p:nvSpPr>
+        <p:spPr/>
+        <p:txBody>
+          <a:bodyPr/>
+          <a:lstStyle/>
+          <a:p>
+            <a:fld id="{CC97E1CB-F4CB-43AB-8AA0-D58C90F3A584}" type="slidenum">
+              <a:rPr lang="en-GB" smtClean="0"/>
+              <a:t>43</a:t>
+            </a:fld>
+            <a:endParaRPr lang="en-GB" dirty="0"/>
+          </a:p>
+        </p:txBody>
+      </p:sp>
+    </p:spTree>
+    <p:extLst>
+      <p:ext uri="{BB962C8B-B14F-4D97-AF65-F5344CB8AC3E}">
+        <p14:creationId xmlns:p14="http://schemas.microsoft.com/office/powerpoint/2010/main" val="1737710580"/>
+      </p:ext>
+    </p:extLst>
+  </p:cSld>
+  <p:clrMapOvr>
+    <a:masterClrMapping/>
+  </p:clrMapOvr>
+</p:notes>
+</file>
+
+<file path=ppt/notesSlides/notesSlide44.xml><?xml version="1.0" encoding="utf-8"?>
+<p:notes xmlns:a="http://schemas.openxmlformats.org/drawingml/2006/main" xmlns:r="http://schemas.openxmlformats.org/officeDocument/2006/relationships" xmlns:p="http://schemas.openxmlformats.org/presentationml/2006/main">
+  <p:cSld>
+    <p:spTree>
+      <p:nvGrpSpPr>
+        <p:cNvPr id="1" name=""/>
+        <p:cNvGrpSpPr/>
+        <p:nvPr/>
+      </p:nvGrpSpPr>
+      <p:grpSpPr>
+        <a:xfrm>
+          <a:off x="0" y="0"/>
+          <a:ext cx="0" cy="0"/>
+          <a:chOff x="0" y="0"/>
+          <a:chExt cx="0" cy="0"/>
+        </a:xfrm>
+      </p:grpSpPr>
+      <p:sp>
+        <p:nvSpPr>
+          <p:cNvPr id="2" name="Slide Image Placeholder 1"/>
+          <p:cNvSpPr>
+            <a:spLocks noGrp="1" noRot="1" noChangeAspect="1"/>
+          </p:cNvSpPr>
+          <p:nvPr>
+            <p:ph type="sldImg"/>
+          </p:nvPr>
+        </p:nvSpPr>
+        <p:spPr/>
+      </p:sp>
+      <p:sp>
+        <p:nvSpPr>
+          <p:cNvPr id="3" name="Notes Placeholder 2"/>
+          <p:cNvSpPr>
+            <a:spLocks noGrp="1"/>
+          </p:cNvSpPr>
+          <p:nvPr>
+            <p:ph type="body" idx="1"/>
+          </p:nvPr>
+        </p:nvSpPr>
+        <p:spPr/>
+        <p:txBody>
+          <a:bodyPr/>
+          <a:lstStyle/>
+          <a:p>
+            <a:endParaRPr lang="en-GB" dirty="0"/>
+          </a:p>
+        </p:txBody>
+      </p:sp>
+      <p:sp>
+        <p:nvSpPr>
+          <p:cNvPr id="4" name="Slide Number Placeholder 3"/>
+          <p:cNvSpPr>
+            <a:spLocks noGrp="1"/>
+          </p:cNvSpPr>
+          <p:nvPr>
+            <p:ph type="sldNum" sz="quarter" idx="10"/>
+          </p:nvPr>
+        </p:nvSpPr>
+        <p:spPr/>
+        <p:txBody>
+          <a:bodyPr/>
+          <a:lstStyle/>
+          <a:p>
+            <a:fld id="{CC97E1CB-F4CB-43AB-8AA0-D58C90F3A584}" type="slidenum">
+              <a:rPr lang="en-GB" smtClean="0"/>
+              <a:t>44</a:t>
+            </a:fld>
+            <a:endParaRPr lang="en-GB" dirty="0"/>
+          </a:p>
+        </p:txBody>
+      </p:sp>
+    </p:spTree>
+    <p:extLst>
+      <p:ext uri="{BB962C8B-B14F-4D97-AF65-F5344CB8AC3E}">
+        <p14:creationId xmlns:p14="http://schemas.microsoft.com/office/powerpoint/2010/main" val="1557476085"/>
+      </p:ext>
+    </p:extLst>
+  </p:cSld>
+  <p:clrMapOvr>
+    <a:masterClrMapping/>
+  </p:clrMapOvr>
+</p:notes>
+</file>
+
+<file path=ppt/notesSlides/notesSlide45.xml><?xml version="1.0" encoding="utf-8"?>
+<p:notes xmlns:a="http://schemas.openxmlformats.org/drawingml/2006/main" xmlns:r="http://schemas.openxmlformats.org/officeDocument/2006/relationships" xmlns:p="http://schemas.openxmlformats.org/presentationml/2006/main">
+  <p:cSld>
+    <p:spTree>
+      <p:nvGrpSpPr>
+        <p:cNvPr id="1" name=""/>
+        <p:cNvGrpSpPr/>
+        <p:nvPr/>
+      </p:nvGrpSpPr>
+      <p:grpSpPr>
+        <a:xfrm>
+          <a:off x="0" y="0"/>
+          <a:ext cx="0" cy="0"/>
+          <a:chOff x="0" y="0"/>
+          <a:chExt cx="0" cy="0"/>
+        </a:xfrm>
+      </p:grpSpPr>
+      <p:sp>
+        <p:nvSpPr>
+          <p:cNvPr id="2" name="Slide Image Placeholder 1"/>
+          <p:cNvSpPr>
+            <a:spLocks noGrp="1" noRot="1" noChangeAspect="1"/>
+          </p:cNvSpPr>
+          <p:nvPr>
+            <p:ph type="sldImg"/>
+          </p:nvPr>
+        </p:nvSpPr>
+        <p:spPr/>
+      </p:sp>
+      <p:sp>
+        <p:nvSpPr>
+          <p:cNvPr id="3" name="Notes Placeholder 2"/>
+          <p:cNvSpPr>
+            <a:spLocks noGrp="1"/>
+          </p:cNvSpPr>
+          <p:nvPr>
+            <p:ph type="body" idx="1"/>
+          </p:nvPr>
+        </p:nvSpPr>
+        <p:spPr/>
+        <p:txBody>
+          <a:bodyPr/>
+          <a:lstStyle/>
+          <a:p>
+            <a:endParaRPr lang="en-GB" dirty="0"/>
+          </a:p>
+        </p:txBody>
+      </p:sp>
+      <p:sp>
+        <p:nvSpPr>
+          <p:cNvPr id="4" name="Slide Number Placeholder 3"/>
+          <p:cNvSpPr>
+            <a:spLocks noGrp="1"/>
+          </p:cNvSpPr>
+          <p:nvPr>
+            <p:ph type="sldNum" sz="quarter" idx="10"/>
+          </p:nvPr>
+        </p:nvSpPr>
+        <p:spPr/>
+        <p:txBody>
+          <a:bodyPr/>
+          <a:lstStyle/>
+          <a:p>
+            <a:fld id="{CC97E1CB-F4CB-43AB-8AA0-D58C90F3A584}" type="slidenum">
+              <a:rPr lang="en-GB" smtClean="0"/>
+              <a:t>45</a:t>
+            </a:fld>
+            <a:endParaRPr lang="en-GB" dirty="0"/>
+          </a:p>
+        </p:txBody>
+      </p:sp>
+    </p:spTree>
+    <p:extLst>
+      <p:ext uri="{BB962C8B-B14F-4D97-AF65-F5344CB8AC3E}">
+        <p14:creationId xmlns:p14="http://schemas.microsoft.com/office/powerpoint/2010/main" val="3527786798"/>
+      </p:ext>
+    </p:extLst>
+  </p:cSld>
+  <p:clrMapOvr>
+    <a:masterClrMapping/>
+  </p:clrMapOvr>
+</p:notes>
+</file>
+
+<file path=ppt/notesSlides/notesSlide46.xml><?xml version="1.0" encoding="utf-8"?>
+<p:notes xmlns:a="http://schemas.openxmlformats.org/drawingml/2006/main" xmlns:r="http://schemas.openxmlformats.org/officeDocument/2006/relationships" xmlns:p="http://schemas.openxmlformats.org/presentationml/2006/main">
+  <p:cSld>
+    <p:spTree>
+      <p:nvGrpSpPr>
+        <p:cNvPr id="1" name=""/>
+        <p:cNvGrpSpPr/>
+        <p:nvPr/>
+      </p:nvGrpSpPr>
+      <p:grpSpPr>
+        <a:xfrm>
+          <a:off x="0" y="0"/>
+          <a:ext cx="0" cy="0"/>
+          <a:chOff x="0" y="0"/>
+          <a:chExt cx="0" cy="0"/>
+        </a:xfrm>
+      </p:grpSpPr>
+      <p:sp>
+        <p:nvSpPr>
+          <p:cNvPr id="2" name="Slide Image Placeholder 1"/>
+          <p:cNvSpPr>
+            <a:spLocks noGrp="1" noRot="1" noChangeAspect="1"/>
+          </p:cNvSpPr>
+          <p:nvPr>
+            <p:ph type="sldImg"/>
+          </p:nvPr>
+        </p:nvSpPr>
+        <p:spPr/>
+      </p:sp>
+      <p:sp>
+        <p:nvSpPr>
+          <p:cNvPr id="3" name="Notes Placeholder 2"/>
+          <p:cNvSpPr>
+            <a:spLocks noGrp="1"/>
+          </p:cNvSpPr>
+          <p:nvPr>
+            <p:ph type="body" idx="1"/>
+          </p:nvPr>
+        </p:nvSpPr>
+        <p:spPr/>
+        <p:txBody>
+          <a:bodyPr/>
+          <a:lstStyle/>
+          <a:p>
+            <a:endParaRPr lang="en-GB" dirty="0"/>
+          </a:p>
+        </p:txBody>
+      </p:sp>
+      <p:sp>
+        <p:nvSpPr>
+          <p:cNvPr id="4" name="Slide Number Placeholder 3"/>
+          <p:cNvSpPr>
+            <a:spLocks noGrp="1"/>
+          </p:cNvSpPr>
+          <p:nvPr>
+            <p:ph type="sldNum" sz="quarter" idx="10"/>
+          </p:nvPr>
+        </p:nvSpPr>
+        <p:spPr/>
+        <p:txBody>
+          <a:bodyPr/>
+          <a:lstStyle/>
+          <a:p>
+            <a:fld id="{CC97E1CB-F4CB-43AB-8AA0-D58C90F3A584}" type="slidenum">
+              <a:rPr lang="en-GB" smtClean="0"/>
+              <a:t>46</a:t>
+            </a:fld>
+            <a:endParaRPr lang="en-GB" dirty="0"/>
+          </a:p>
+        </p:txBody>
+      </p:sp>
+    </p:spTree>
+    <p:extLst>
+      <p:ext uri="{BB962C8B-B14F-4D97-AF65-F5344CB8AC3E}">
+        <p14:creationId xmlns:p14="http://schemas.microsoft.com/office/powerpoint/2010/main" val="2302523424"/>
       </p:ext>
     </p:extLst>
   </p:cSld>
@@ -4195,7 +4790,7 @@
           <a:p>
             <a:fld id="{CE75D37B-86E7-4D70-84C0-C26EA605271D}" type="datetimeFigureOut">
               <a:rPr lang="en-GB" smtClean="0"/>
-              <a:t>29/01/2017</a:t>
+              <a:t>01/02/2017</a:t>
             </a:fld>
             <a:endParaRPr lang="en-GB" dirty="0"/>
           </a:p>
@@ -4396,7 +4991,7 @@
           <a:p>
             <a:fld id="{CE75D37B-86E7-4D70-84C0-C26EA605271D}" type="datetimeFigureOut">
               <a:rPr lang="en-GB" smtClean="0"/>
-              <a:t>29/01/2017</a:t>
+              <a:t>01/02/2017</a:t>
             </a:fld>
             <a:endParaRPr lang="en-GB" dirty="0"/>
           </a:p>
@@ -4588,7 +5183,7 @@
           <a:p>
             <a:fld id="{CE75D37B-86E7-4D70-84C0-C26EA605271D}" type="datetimeFigureOut">
               <a:rPr lang="en-GB" smtClean="0"/>
-              <a:t>29/01/2017</a:t>
+              <a:t>01/02/2017</a:t>
             </a:fld>
             <a:endParaRPr lang="en-GB" dirty="0"/>
           </a:p>
@@ -4775,7 +5370,7 @@
           <a:p>
             <a:fld id="{CE75D37B-86E7-4D70-84C0-C26EA605271D}" type="datetimeFigureOut">
               <a:rPr lang="en-GB" smtClean="0"/>
-              <a:t>29/01/2017</a:t>
+              <a:t>01/02/2017</a:t>
             </a:fld>
             <a:endParaRPr lang="en-GB" dirty="0"/>
           </a:p>
@@ -5112,7 +5707,7 @@
           <a:p>
             <a:fld id="{CE75D37B-86E7-4D70-84C0-C26EA605271D}" type="datetimeFigureOut">
               <a:rPr lang="en-GB" smtClean="0"/>
-              <a:t>29/01/2017</a:t>
+              <a:t>01/02/2017</a:t>
             </a:fld>
             <a:endParaRPr lang="en-GB" dirty="0"/>
           </a:p>
@@ -5522,7 +6117,7 @@
           <a:p>
             <a:fld id="{CE75D37B-86E7-4D70-84C0-C26EA605271D}" type="datetimeFigureOut">
               <a:rPr lang="en-GB" smtClean="0"/>
-              <a:t>29/01/2017</a:t>
+              <a:t>01/02/2017</a:t>
             </a:fld>
             <a:endParaRPr lang="en-GB" dirty="0"/>
           </a:p>
@@ -5968,7 +6563,7 @@
           <a:p>
             <a:fld id="{CE75D37B-86E7-4D70-84C0-C26EA605271D}" type="datetimeFigureOut">
               <a:rPr lang="en-GB" smtClean="0"/>
-              <a:t>29/01/2017</a:t>
+              <a:t>01/02/2017</a:t>
             </a:fld>
             <a:endParaRPr lang="en-GB" dirty="0"/>
           </a:p>
@@ -6108,7 +6703,7 @@
           <a:p>
             <a:fld id="{CE75D37B-86E7-4D70-84C0-C26EA605271D}" type="datetimeFigureOut">
               <a:rPr lang="en-GB" smtClean="0"/>
-              <a:t>29/01/2017</a:t>
+              <a:t>01/02/2017</a:t>
             </a:fld>
             <a:endParaRPr lang="en-GB" dirty="0"/>
           </a:p>
@@ -6225,7 +6820,7 @@
           <a:p>
             <a:fld id="{CE75D37B-86E7-4D70-84C0-C26EA605271D}" type="datetimeFigureOut">
               <a:rPr lang="en-GB" smtClean="0"/>
-              <a:t>29/01/2017</a:t>
+              <a:t>01/02/2017</a:t>
             </a:fld>
             <a:endParaRPr lang="en-GB" dirty="0"/>
           </a:p>
@@ -6683,7 +7278,7 @@
           <a:p>
             <a:fld id="{CE75D37B-86E7-4D70-84C0-C26EA605271D}" type="datetimeFigureOut">
               <a:rPr lang="en-GB" smtClean="0"/>
-              <a:t>29/01/2017</a:t>
+              <a:t>01/02/2017</a:t>
             </a:fld>
             <a:endParaRPr lang="en-GB" dirty="0"/>
           </a:p>
@@ -7126,7 +7721,7 @@
           <a:p>
             <a:fld id="{CE75D37B-86E7-4D70-84C0-C26EA605271D}" type="datetimeFigureOut">
               <a:rPr lang="en-GB" smtClean="0"/>
-              <a:t>29/01/2017</a:t>
+              <a:t>01/02/2017</a:t>
             </a:fld>
             <a:endParaRPr lang="en-GB" dirty="0"/>
           </a:p>
@@ -7400,7 +7995,7 @@
           <a:p>
             <a:fld id="{CE75D37B-86E7-4D70-84C0-C26EA605271D}" type="datetimeFigureOut">
               <a:rPr lang="en-GB" smtClean="0"/>
-              <a:t>29/01/2017</a:t>
+              <a:t>01/02/2017</a:t>
             </a:fld>
             <a:endParaRPr lang="en-GB" dirty="0"/>
           </a:p>
@@ -12526,7 +13121,6 @@
               <a:rPr lang="en-GB" sz="2400" b="1" dirty="0"/>
               <a:t>WHAT DO YOU KNOW ABOUT JAVASCRIPT?</a:t>
             </a:r>
-            <a:endParaRPr lang="en-GB" sz="2400" b="1" dirty="0"/>
           </a:p>
         </p:txBody>
       </p:sp>
@@ -22278,12 +22872,12 @@
               <a:buNone/>
             </a:pPr>
             <a:r>
-              <a:rPr lang="en-GB" sz="2500" dirty="0">
+              <a:rPr lang="en-GB" sz="2500" dirty="0" err="1">
                 <a:solidFill>
                   <a:srgbClr val="0070C0"/>
                 </a:solidFill>
               </a:rPr>
-              <a:t>Document.addEventListener</a:t>
+              <a:t>document.addEventListener</a:t>
             </a:r>
             <a:r>
               <a:rPr lang="en-GB" sz="2500" dirty="0"/>
@@ -22397,6 +22991,5450 @@
 </file>
 
 <file path=ppt/slides/slide39.xml><?xml version="1.0" encoding="utf-8"?>
+<p:sld xmlns:a="http://schemas.openxmlformats.org/drawingml/2006/main" xmlns:r="http://schemas.openxmlformats.org/officeDocument/2006/relationships" xmlns:p="http://schemas.openxmlformats.org/presentationml/2006/main">
+  <p:cSld>
+    <p:spTree>
+      <p:nvGrpSpPr>
+        <p:cNvPr id="1" name=""/>
+        <p:cNvGrpSpPr/>
+        <p:nvPr/>
+      </p:nvGrpSpPr>
+      <p:grpSpPr>
+        <a:xfrm>
+          <a:off x="0" y="0"/>
+          <a:ext cx="0" cy="0"/>
+          <a:chOff x="0" y="0"/>
+          <a:chExt cx="0" cy="0"/>
+        </a:xfrm>
+      </p:grpSpPr>
+      <p:sp>
+        <p:nvSpPr>
+          <p:cNvPr id="4" name="Title 3"/>
+          <p:cNvSpPr>
+            <a:spLocks noGrp="1"/>
+          </p:cNvSpPr>
+          <p:nvPr>
+            <p:ph type="title"/>
+          </p:nvPr>
+        </p:nvSpPr>
+        <p:spPr>
+          <a:xfrm>
+            <a:off x="457200" y="728135"/>
+            <a:ext cx="8229600" cy="1143000"/>
+          </a:xfrm>
+        </p:spPr>
+        <p:txBody>
+          <a:bodyPr>
+            <a:noAutofit/>
+          </a:bodyPr>
+          <a:lstStyle/>
+          <a:p>
+            <a:pPr algn="ctr"/>
+            <a:r>
+              <a:rPr lang="en-US" sz="4400" dirty="0">
+                <a:latin typeface="Tahoma" panose="020B0604030504040204" pitchFamily="34" charset="0"/>
+                <a:ea typeface="Tahoma" panose="020B0604030504040204" pitchFamily="34" charset="0"/>
+                <a:cs typeface="Tahoma" panose="020B0604030504040204" pitchFamily="34" charset="0"/>
+              </a:rPr>
+              <a:t>What is JSON</a:t>
+            </a:r>
+            <a:endParaRPr lang="en-GB" sz="2400" dirty="0">
+              <a:latin typeface="Tahoma" panose="020B0604030504040204" pitchFamily="34" charset="0"/>
+              <a:ea typeface="Tahoma" panose="020B0604030504040204" pitchFamily="34" charset="0"/>
+              <a:cs typeface="Tahoma" panose="020B0604030504040204" pitchFamily="34" charset="0"/>
+            </a:endParaRPr>
+          </a:p>
+        </p:txBody>
+      </p:sp>
+      <p:pic>
+        <p:nvPicPr>
+          <p:cNvPr id="6" name="Content Placeholder 3"/>
+          <p:cNvPicPr>
+            <a:picLocks noChangeAspect="1"/>
+          </p:cNvPicPr>
+          <p:nvPr/>
+        </p:nvPicPr>
+        <p:blipFill>
+          <a:blip r:embed="rId3" cstate="print">
+            <a:extLst>
+              <a:ext uri="{28A0092B-C50C-407E-A947-70E740481C1C}">
+                <a14:useLocalDpi xmlns:a14="http://schemas.microsoft.com/office/drawing/2010/main" val="0"/>
+              </a:ext>
+            </a:extLst>
+          </a:blip>
+          <a:stretch>
+            <a:fillRect/>
+          </a:stretch>
+        </p:blipFill>
+        <p:spPr>
+          <a:xfrm>
+            <a:off x="8153542" y="0"/>
+            <a:ext cx="980209" cy="977292"/>
+          </a:xfrm>
+          <a:prstGeom prst="rect">
+            <a:avLst/>
+          </a:prstGeom>
+        </p:spPr>
+      </p:pic>
+      <p:cxnSp>
+        <p:nvCxnSpPr>
+          <p:cNvPr id="3" name="Straight Connector 2"/>
+          <p:cNvCxnSpPr/>
+          <p:nvPr/>
+        </p:nvCxnSpPr>
+        <p:spPr>
+          <a:xfrm>
+            <a:off x="1066800" y="1871135"/>
+            <a:ext cx="7010400" cy="0"/>
+          </a:xfrm>
+          <a:prstGeom prst="line">
+            <a:avLst/>
+          </a:prstGeom>
+          <a:ln>
+            <a:solidFill>
+              <a:srgbClr val="5D2F5D"/>
+            </a:solidFill>
+          </a:ln>
+        </p:spPr>
+        <p:style>
+          <a:lnRef idx="1">
+            <a:schemeClr val="accent1"/>
+          </a:lnRef>
+          <a:fillRef idx="0">
+            <a:schemeClr val="accent1"/>
+          </a:fillRef>
+          <a:effectRef idx="0">
+            <a:schemeClr val="accent1"/>
+          </a:effectRef>
+          <a:fontRef idx="minor">
+            <a:schemeClr val="tx1"/>
+          </a:fontRef>
+        </p:style>
+      </p:cxnSp>
+      <p:sp>
+        <p:nvSpPr>
+          <p:cNvPr id="7" name="Content Placeholder 4"/>
+          <p:cNvSpPr>
+            <a:spLocks noGrp="1"/>
+          </p:cNvSpPr>
+          <p:nvPr>
+            <p:ph idx="1"/>
+          </p:nvPr>
+        </p:nvSpPr>
+        <p:spPr>
+          <a:xfrm>
+            <a:off x="457200" y="2286000"/>
+            <a:ext cx="8229600" cy="4343400"/>
+          </a:xfrm>
+        </p:spPr>
+        <p:txBody>
+          <a:bodyPr>
+            <a:normAutofit fontScale="92500" lnSpcReduction="10000"/>
+          </a:bodyPr>
+          <a:lstStyle/>
+          <a:p>
+            <a:pPr marL="274320" lvl="1" indent="0">
+              <a:buNone/>
+            </a:pPr>
+            <a:r>
+              <a:rPr lang="en-GB" sz="2400" b="1" dirty="0"/>
+              <a:t>JSON</a:t>
+            </a:r>
+            <a:r>
+              <a:rPr lang="en-GB" sz="2400" dirty="0"/>
+              <a:t> stands for </a:t>
+            </a:r>
+            <a:r>
+              <a:rPr lang="en-GB" sz="2400" b="1" dirty="0">
+                <a:solidFill>
+                  <a:srgbClr val="FF0000"/>
+                </a:solidFill>
+              </a:rPr>
+              <a:t>J</a:t>
+            </a:r>
+            <a:r>
+              <a:rPr lang="en-GB" sz="2400" dirty="0"/>
+              <a:t>ava</a:t>
+            </a:r>
+            <a:r>
+              <a:rPr lang="en-GB" sz="2400" b="1" dirty="0">
+                <a:solidFill>
+                  <a:srgbClr val="FF0000"/>
+                </a:solidFill>
+              </a:rPr>
+              <a:t>S</a:t>
+            </a:r>
+            <a:r>
+              <a:rPr lang="en-GB" sz="2400" dirty="0"/>
+              <a:t>cript </a:t>
+            </a:r>
+            <a:r>
+              <a:rPr lang="en-GB" sz="2400" b="1" dirty="0">
+                <a:solidFill>
+                  <a:srgbClr val="FF0000"/>
+                </a:solidFill>
+              </a:rPr>
+              <a:t>O</a:t>
+            </a:r>
+            <a:r>
+              <a:rPr lang="en-GB" sz="2400" dirty="0"/>
+              <a:t>bject </a:t>
+            </a:r>
+            <a:r>
+              <a:rPr lang="en-GB" sz="2400" b="1" dirty="0">
+                <a:solidFill>
+                  <a:srgbClr val="FF0000"/>
+                </a:solidFill>
+              </a:rPr>
+              <a:t>N</a:t>
+            </a:r>
+            <a:r>
+              <a:rPr lang="en-GB" sz="2400" dirty="0"/>
+              <a:t>otation</a:t>
+            </a:r>
+          </a:p>
+          <a:p>
+            <a:pPr marL="274320" lvl="1" indent="0">
+              <a:buNone/>
+            </a:pPr>
+            <a:endParaRPr lang="en-GB" sz="2400" dirty="0"/>
+          </a:p>
+          <a:p>
+            <a:pPr marL="274320" lvl="1" indent="0">
+              <a:buNone/>
+            </a:pPr>
+            <a:r>
+              <a:rPr lang="en-GB" sz="2400" b="1" dirty="0"/>
+              <a:t>THE MOST POPULAR DATA TYPE ON THE WEB</a:t>
+            </a:r>
+          </a:p>
+          <a:p>
+            <a:pPr marL="274320" lvl="1" indent="0">
+              <a:buNone/>
+            </a:pPr>
+            <a:endParaRPr lang="en-GB" sz="2400" dirty="0"/>
+          </a:p>
+          <a:p>
+            <a:pPr marL="274320" lvl="1" indent="0">
+              <a:buNone/>
+            </a:pPr>
+            <a:r>
+              <a:rPr lang="en-GB" sz="2400" dirty="0">
+                <a:solidFill>
+                  <a:srgbClr val="0070C0"/>
+                </a:solidFill>
+              </a:rPr>
+              <a:t>The JSON syntax is very similar to JavaScript object notation but it is not an </a:t>
+            </a:r>
+            <a:r>
+              <a:rPr lang="en-GB" sz="2400" b="1" dirty="0"/>
+              <a:t>object.</a:t>
+            </a:r>
+          </a:p>
+          <a:p>
+            <a:pPr marL="274320" lvl="1" indent="0">
+              <a:buNone/>
+            </a:pPr>
+            <a:endParaRPr lang="en-GB" sz="2400" b="1" dirty="0"/>
+          </a:p>
+          <a:p>
+            <a:pPr lvl="1"/>
+            <a:r>
+              <a:rPr lang="en-GB" sz="2400" dirty="0"/>
+              <a:t>JSON format is just plain text often used to send data from a server to a web page</a:t>
+            </a:r>
+          </a:p>
+          <a:p>
+            <a:pPr lvl="1"/>
+            <a:r>
+              <a:rPr lang="en-GB" sz="2400" dirty="0"/>
+              <a:t>JSON is a format for sending, receiving and storing data</a:t>
+            </a:r>
+          </a:p>
+          <a:p>
+            <a:pPr lvl="1"/>
+            <a:r>
+              <a:rPr lang="en-GB" sz="2400" dirty="0"/>
+              <a:t>JSON is language independent, code to read and generate JSON data can be written in any language</a:t>
+            </a:r>
+            <a:endParaRPr lang="en-GB" sz="2700" dirty="0"/>
+          </a:p>
+          <a:p>
+            <a:pPr marL="457200" lvl="1" indent="0">
+              <a:buNone/>
+            </a:pPr>
+            <a:endParaRPr lang="en-GB" dirty="0"/>
+          </a:p>
+          <a:p>
+            <a:pPr marL="457200" lvl="1" indent="0">
+              <a:buNone/>
+            </a:pPr>
+            <a:endParaRPr lang="en-GB" dirty="0"/>
+          </a:p>
+          <a:p>
+            <a:pPr lvl="1"/>
+            <a:endParaRPr lang="en-US" sz="1800" dirty="0"/>
+          </a:p>
+        </p:txBody>
+      </p:sp>
+    </p:spTree>
+    <p:extLst>
+      <p:ext uri="{BB962C8B-B14F-4D97-AF65-F5344CB8AC3E}">
+        <p14:creationId xmlns:p14="http://schemas.microsoft.com/office/powerpoint/2010/main" val="73606395"/>
+      </p:ext>
+    </p:extLst>
+  </p:cSld>
+  <p:clrMapOvr>
+    <a:masterClrMapping/>
+  </p:clrMapOvr>
+  <mc:AlternateContent xmlns:mc="http://schemas.openxmlformats.org/markup-compatibility/2006" xmlns:p15="http://schemas.microsoft.com/office/powerpoint/2012/main">
+    <mc:Choice Requires="p15">
+      <p:transition xmlns:p14="http://schemas.microsoft.com/office/powerpoint/2010/main" spd="slow" p14:dur="2000">
+        <p15:prstTrans prst="crush"/>
+      </p:transition>
+    </mc:Choice>
+    <mc:Fallback xmlns="">
+      <p:transition spd="slow">
+        <p:fade/>
+      </p:transition>
+    </mc:Fallback>
+  </mc:AlternateContent>
+  <p:timing>
+    <p:tnLst>
+      <p:par>
+        <p:cTn id="1" dur="indefinite" restart="never" nodeType="tmRoot">
+          <p:childTnLst>
+            <p:seq concurrent="1" nextAc="seek">
+              <p:cTn id="2" dur="indefinite" nodeType="mainSeq">
+                <p:childTnLst>
+                  <p:par>
+                    <p:cTn id="3" fill="hold">
+                      <p:stCondLst>
+                        <p:cond delay="indefinite"/>
+                      </p:stCondLst>
+                      <p:childTnLst>
+                        <p:par>
+                          <p:cTn id="4" fill="hold">
+                            <p:stCondLst>
+                              <p:cond delay="0"/>
+                            </p:stCondLst>
+                            <p:childTnLst>
+                              <p:par>
+                                <p:cTn id="5" presetID="2" presetClass="entr" presetSubtype="4" fill="hold" nodeType="clickEffect">
+                                  <p:stCondLst>
+                                    <p:cond delay="0"/>
+                                  </p:stCondLst>
+                                  <p:childTnLst>
+                                    <p:set>
+                                      <p:cBhvr>
+                                        <p:cTn id="6" dur="1" fill="hold">
+                                          <p:stCondLst>
+                                            <p:cond delay="0"/>
+                                          </p:stCondLst>
+                                        </p:cTn>
+                                        <p:tgtEl>
+                                          <p:spTgt spid="7">
+                                            <p:txEl>
+                                              <p:pRg st="0" end="0"/>
+                                            </p:txEl>
+                                          </p:spTgt>
+                                        </p:tgtEl>
+                                        <p:attrNameLst>
+                                          <p:attrName>style.visibility</p:attrName>
+                                        </p:attrNameLst>
+                                      </p:cBhvr>
+                                      <p:to>
+                                        <p:strVal val="visible"/>
+                                      </p:to>
+                                    </p:set>
+                                    <p:anim calcmode="lin" valueType="num">
+                                      <p:cBhvr additive="base">
+                                        <p:cTn id="7" dur="500" fill="hold"/>
+                                        <p:tgtEl>
+                                          <p:spTgt spid="7">
+                                            <p:txEl>
+                                              <p:pRg st="0" end="0"/>
+                                            </p:txEl>
+                                          </p:spTgt>
+                                        </p:tgtEl>
+                                        <p:attrNameLst>
+                                          <p:attrName>ppt_x</p:attrName>
+                                        </p:attrNameLst>
+                                      </p:cBhvr>
+                                      <p:tavLst>
+                                        <p:tav tm="0">
+                                          <p:val>
+                                            <p:strVal val="#ppt_x"/>
+                                          </p:val>
+                                        </p:tav>
+                                        <p:tav tm="100000">
+                                          <p:val>
+                                            <p:strVal val="#ppt_x"/>
+                                          </p:val>
+                                        </p:tav>
+                                      </p:tavLst>
+                                    </p:anim>
+                                    <p:anim calcmode="lin" valueType="num">
+                                      <p:cBhvr additive="base">
+                                        <p:cTn id="8" dur="500" fill="hold"/>
+                                        <p:tgtEl>
+                                          <p:spTgt spid="7">
+                                            <p:txEl>
+                                              <p:pRg st="0" end="0"/>
+                                            </p:txEl>
+                                          </p:spTgt>
+                                        </p:tgtEl>
+                                        <p:attrNameLst>
+                                          <p:attrName>ppt_y</p:attrName>
+                                        </p:attrNameLst>
+                                      </p:cBhvr>
+                                      <p:tavLst>
+                                        <p:tav tm="0">
+                                          <p:val>
+                                            <p:strVal val="1+#ppt_h/2"/>
+                                          </p:val>
+                                        </p:tav>
+                                        <p:tav tm="100000">
+                                          <p:val>
+                                            <p:strVal val="#ppt_y"/>
+                                          </p:val>
+                                        </p:tav>
+                                      </p:tavLst>
+                                    </p:anim>
+                                  </p:childTnLst>
+                                </p:cTn>
+                              </p:par>
+                              <p:par>
+                                <p:cTn id="9" presetID="2" presetClass="entr" presetSubtype="4" fill="hold" nodeType="withEffect">
+                                  <p:stCondLst>
+                                    <p:cond delay="0"/>
+                                  </p:stCondLst>
+                                  <p:childTnLst>
+                                    <p:set>
+                                      <p:cBhvr>
+                                        <p:cTn id="10" dur="1" fill="hold">
+                                          <p:stCondLst>
+                                            <p:cond delay="0"/>
+                                          </p:stCondLst>
+                                        </p:cTn>
+                                        <p:tgtEl>
+                                          <p:spTgt spid="7">
+                                            <p:txEl>
+                                              <p:pRg st="2" end="2"/>
+                                            </p:txEl>
+                                          </p:spTgt>
+                                        </p:tgtEl>
+                                        <p:attrNameLst>
+                                          <p:attrName>style.visibility</p:attrName>
+                                        </p:attrNameLst>
+                                      </p:cBhvr>
+                                      <p:to>
+                                        <p:strVal val="visible"/>
+                                      </p:to>
+                                    </p:set>
+                                    <p:anim calcmode="lin" valueType="num">
+                                      <p:cBhvr additive="base">
+                                        <p:cTn id="11" dur="500" fill="hold"/>
+                                        <p:tgtEl>
+                                          <p:spTgt spid="7">
+                                            <p:txEl>
+                                              <p:pRg st="2" end="2"/>
+                                            </p:txEl>
+                                          </p:spTgt>
+                                        </p:tgtEl>
+                                        <p:attrNameLst>
+                                          <p:attrName>ppt_x</p:attrName>
+                                        </p:attrNameLst>
+                                      </p:cBhvr>
+                                      <p:tavLst>
+                                        <p:tav tm="0">
+                                          <p:val>
+                                            <p:strVal val="#ppt_x"/>
+                                          </p:val>
+                                        </p:tav>
+                                        <p:tav tm="100000">
+                                          <p:val>
+                                            <p:strVal val="#ppt_x"/>
+                                          </p:val>
+                                        </p:tav>
+                                      </p:tavLst>
+                                    </p:anim>
+                                    <p:anim calcmode="lin" valueType="num">
+                                      <p:cBhvr additive="base">
+                                        <p:cTn id="12" dur="500" fill="hold"/>
+                                        <p:tgtEl>
+                                          <p:spTgt spid="7">
+                                            <p:txEl>
+                                              <p:pRg st="2" end="2"/>
+                                            </p:txEl>
+                                          </p:spTgt>
+                                        </p:tgtEl>
+                                        <p:attrNameLst>
+                                          <p:attrName>ppt_y</p:attrName>
+                                        </p:attrNameLst>
+                                      </p:cBhvr>
+                                      <p:tavLst>
+                                        <p:tav tm="0">
+                                          <p:val>
+                                            <p:strVal val="1+#ppt_h/2"/>
+                                          </p:val>
+                                        </p:tav>
+                                        <p:tav tm="100000">
+                                          <p:val>
+                                            <p:strVal val="#ppt_y"/>
+                                          </p:val>
+                                        </p:tav>
+                                      </p:tavLst>
+                                    </p:anim>
+                                  </p:childTnLst>
+                                </p:cTn>
+                              </p:par>
+                            </p:childTnLst>
+                          </p:cTn>
+                        </p:par>
+                      </p:childTnLst>
+                    </p:cTn>
+                  </p:par>
+                  <p:par>
+                    <p:cTn id="13" fill="hold">
+                      <p:stCondLst>
+                        <p:cond delay="indefinite"/>
+                      </p:stCondLst>
+                      <p:childTnLst>
+                        <p:par>
+                          <p:cTn id="14" fill="hold">
+                            <p:stCondLst>
+                              <p:cond delay="0"/>
+                            </p:stCondLst>
+                            <p:childTnLst>
+                              <p:par>
+                                <p:cTn id="15" presetID="2" presetClass="entr" presetSubtype="4" fill="hold" nodeType="clickEffect">
+                                  <p:stCondLst>
+                                    <p:cond delay="0"/>
+                                  </p:stCondLst>
+                                  <p:childTnLst>
+                                    <p:set>
+                                      <p:cBhvr>
+                                        <p:cTn id="16" dur="1" fill="hold">
+                                          <p:stCondLst>
+                                            <p:cond delay="0"/>
+                                          </p:stCondLst>
+                                        </p:cTn>
+                                        <p:tgtEl>
+                                          <p:spTgt spid="7">
+                                            <p:txEl>
+                                              <p:pRg st="4" end="4"/>
+                                            </p:txEl>
+                                          </p:spTgt>
+                                        </p:tgtEl>
+                                        <p:attrNameLst>
+                                          <p:attrName>style.visibility</p:attrName>
+                                        </p:attrNameLst>
+                                      </p:cBhvr>
+                                      <p:to>
+                                        <p:strVal val="visible"/>
+                                      </p:to>
+                                    </p:set>
+                                    <p:anim calcmode="lin" valueType="num">
+                                      <p:cBhvr additive="base">
+                                        <p:cTn id="17" dur="500" fill="hold"/>
+                                        <p:tgtEl>
+                                          <p:spTgt spid="7">
+                                            <p:txEl>
+                                              <p:pRg st="4" end="4"/>
+                                            </p:txEl>
+                                          </p:spTgt>
+                                        </p:tgtEl>
+                                        <p:attrNameLst>
+                                          <p:attrName>ppt_x</p:attrName>
+                                        </p:attrNameLst>
+                                      </p:cBhvr>
+                                      <p:tavLst>
+                                        <p:tav tm="0">
+                                          <p:val>
+                                            <p:strVal val="#ppt_x"/>
+                                          </p:val>
+                                        </p:tav>
+                                        <p:tav tm="100000">
+                                          <p:val>
+                                            <p:strVal val="#ppt_x"/>
+                                          </p:val>
+                                        </p:tav>
+                                      </p:tavLst>
+                                    </p:anim>
+                                    <p:anim calcmode="lin" valueType="num">
+                                      <p:cBhvr additive="base">
+                                        <p:cTn id="18" dur="500" fill="hold"/>
+                                        <p:tgtEl>
+                                          <p:spTgt spid="7">
+                                            <p:txEl>
+                                              <p:pRg st="4" end="4"/>
+                                            </p:txEl>
+                                          </p:spTgt>
+                                        </p:tgtEl>
+                                        <p:attrNameLst>
+                                          <p:attrName>ppt_y</p:attrName>
+                                        </p:attrNameLst>
+                                      </p:cBhvr>
+                                      <p:tavLst>
+                                        <p:tav tm="0">
+                                          <p:val>
+                                            <p:strVal val="1+#ppt_h/2"/>
+                                          </p:val>
+                                        </p:tav>
+                                        <p:tav tm="100000">
+                                          <p:val>
+                                            <p:strVal val="#ppt_y"/>
+                                          </p:val>
+                                        </p:tav>
+                                      </p:tavLst>
+                                    </p:anim>
+                                  </p:childTnLst>
+                                </p:cTn>
+                              </p:par>
+                              <p:par>
+                                <p:cTn id="19" presetID="2" presetClass="entr" presetSubtype="4" fill="hold" nodeType="withEffect">
+                                  <p:stCondLst>
+                                    <p:cond delay="0"/>
+                                  </p:stCondLst>
+                                  <p:childTnLst>
+                                    <p:set>
+                                      <p:cBhvr>
+                                        <p:cTn id="20" dur="1" fill="hold">
+                                          <p:stCondLst>
+                                            <p:cond delay="0"/>
+                                          </p:stCondLst>
+                                        </p:cTn>
+                                        <p:tgtEl>
+                                          <p:spTgt spid="7">
+                                            <p:txEl>
+                                              <p:pRg st="6" end="6"/>
+                                            </p:txEl>
+                                          </p:spTgt>
+                                        </p:tgtEl>
+                                        <p:attrNameLst>
+                                          <p:attrName>style.visibility</p:attrName>
+                                        </p:attrNameLst>
+                                      </p:cBhvr>
+                                      <p:to>
+                                        <p:strVal val="visible"/>
+                                      </p:to>
+                                    </p:set>
+                                    <p:anim calcmode="lin" valueType="num">
+                                      <p:cBhvr additive="base">
+                                        <p:cTn id="21" dur="500" fill="hold"/>
+                                        <p:tgtEl>
+                                          <p:spTgt spid="7">
+                                            <p:txEl>
+                                              <p:pRg st="6" end="6"/>
+                                            </p:txEl>
+                                          </p:spTgt>
+                                        </p:tgtEl>
+                                        <p:attrNameLst>
+                                          <p:attrName>ppt_x</p:attrName>
+                                        </p:attrNameLst>
+                                      </p:cBhvr>
+                                      <p:tavLst>
+                                        <p:tav tm="0">
+                                          <p:val>
+                                            <p:strVal val="#ppt_x"/>
+                                          </p:val>
+                                        </p:tav>
+                                        <p:tav tm="100000">
+                                          <p:val>
+                                            <p:strVal val="#ppt_x"/>
+                                          </p:val>
+                                        </p:tav>
+                                      </p:tavLst>
+                                    </p:anim>
+                                    <p:anim calcmode="lin" valueType="num">
+                                      <p:cBhvr additive="base">
+                                        <p:cTn id="22" dur="500" fill="hold"/>
+                                        <p:tgtEl>
+                                          <p:spTgt spid="7">
+                                            <p:txEl>
+                                              <p:pRg st="6" end="6"/>
+                                            </p:txEl>
+                                          </p:spTgt>
+                                        </p:tgtEl>
+                                        <p:attrNameLst>
+                                          <p:attrName>ppt_y</p:attrName>
+                                        </p:attrNameLst>
+                                      </p:cBhvr>
+                                      <p:tavLst>
+                                        <p:tav tm="0">
+                                          <p:val>
+                                            <p:strVal val="1+#ppt_h/2"/>
+                                          </p:val>
+                                        </p:tav>
+                                        <p:tav tm="100000">
+                                          <p:val>
+                                            <p:strVal val="#ppt_y"/>
+                                          </p:val>
+                                        </p:tav>
+                                      </p:tavLst>
+                                    </p:anim>
+                                  </p:childTnLst>
+                                </p:cTn>
+                              </p:par>
+                              <p:par>
+                                <p:cTn id="23" presetID="2" presetClass="entr" presetSubtype="4" fill="hold" nodeType="withEffect">
+                                  <p:stCondLst>
+                                    <p:cond delay="0"/>
+                                  </p:stCondLst>
+                                  <p:childTnLst>
+                                    <p:set>
+                                      <p:cBhvr>
+                                        <p:cTn id="24" dur="1" fill="hold">
+                                          <p:stCondLst>
+                                            <p:cond delay="0"/>
+                                          </p:stCondLst>
+                                        </p:cTn>
+                                        <p:tgtEl>
+                                          <p:spTgt spid="7">
+                                            <p:txEl>
+                                              <p:pRg st="7" end="7"/>
+                                            </p:txEl>
+                                          </p:spTgt>
+                                        </p:tgtEl>
+                                        <p:attrNameLst>
+                                          <p:attrName>style.visibility</p:attrName>
+                                        </p:attrNameLst>
+                                      </p:cBhvr>
+                                      <p:to>
+                                        <p:strVal val="visible"/>
+                                      </p:to>
+                                    </p:set>
+                                    <p:anim calcmode="lin" valueType="num">
+                                      <p:cBhvr additive="base">
+                                        <p:cTn id="25" dur="500" fill="hold"/>
+                                        <p:tgtEl>
+                                          <p:spTgt spid="7">
+                                            <p:txEl>
+                                              <p:pRg st="7" end="7"/>
+                                            </p:txEl>
+                                          </p:spTgt>
+                                        </p:tgtEl>
+                                        <p:attrNameLst>
+                                          <p:attrName>ppt_x</p:attrName>
+                                        </p:attrNameLst>
+                                      </p:cBhvr>
+                                      <p:tavLst>
+                                        <p:tav tm="0">
+                                          <p:val>
+                                            <p:strVal val="#ppt_x"/>
+                                          </p:val>
+                                        </p:tav>
+                                        <p:tav tm="100000">
+                                          <p:val>
+                                            <p:strVal val="#ppt_x"/>
+                                          </p:val>
+                                        </p:tav>
+                                      </p:tavLst>
+                                    </p:anim>
+                                    <p:anim calcmode="lin" valueType="num">
+                                      <p:cBhvr additive="base">
+                                        <p:cTn id="26" dur="500" fill="hold"/>
+                                        <p:tgtEl>
+                                          <p:spTgt spid="7">
+                                            <p:txEl>
+                                              <p:pRg st="7" end="7"/>
+                                            </p:txEl>
+                                          </p:spTgt>
+                                        </p:tgtEl>
+                                        <p:attrNameLst>
+                                          <p:attrName>ppt_y</p:attrName>
+                                        </p:attrNameLst>
+                                      </p:cBhvr>
+                                      <p:tavLst>
+                                        <p:tav tm="0">
+                                          <p:val>
+                                            <p:strVal val="1+#ppt_h/2"/>
+                                          </p:val>
+                                        </p:tav>
+                                        <p:tav tm="100000">
+                                          <p:val>
+                                            <p:strVal val="#ppt_y"/>
+                                          </p:val>
+                                        </p:tav>
+                                      </p:tavLst>
+                                    </p:anim>
+                                  </p:childTnLst>
+                                </p:cTn>
+                              </p:par>
+                              <p:par>
+                                <p:cTn id="27" presetID="2" presetClass="entr" presetSubtype="4" fill="hold" nodeType="withEffect">
+                                  <p:stCondLst>
+                                    <p:cond delay="0"/>
+                                  </p:stCondLst>
+                                  <p:childTnLst>
+                                    <p:set>
+                                      <p:cBhvr>
+                                        <p:cTn id="28" dur="1" fill="hold">
+                                          <p:stCondLst>
+                                            <p:cond delay="0"/>
+                                          </p:stCondLst>
+                                        </p:cTn>
+                                        <p:tgtEl>
+                                          <p:spTgt spid="7">
+                                            <p:txEl>
+                                              <p:pRg st="8" end="8"/>
+                                            </p:txEl>
+                                          </p:spTgt>
+                                        </p:tgtEl>
+                                        <p:attrNameLst>
+                                          <p:attrName>style.visibility</p:attrName>
+                                        </p:attrNameLst>
+                                      </p:cBhvr>
+                                      <p:to>
+                                        <p:strVal val="visible"/>
+                                      </p:to>
+                                    </p:set>
+                                    <p:anim calcmode="lin" valueType="num">
+                                      <p:cBhvr additive="base">
+                                        <p:cTn id="29" dur="500" fill="hold"/>
+                                        <p:tgtEl>
+                                          <p:spTgt spid="7">
+                                            <p:txEl>
+                                              <p:pRg st="8" end="8"/>
+                                            </p:txEl>
+                                          </p:spTgt>
+                                        </p:tgtEl>
+                                        <p:attrNameLst>
+                                          <p:attrName>ppt_x</p:attrName>
+                                        </p:attrNameLst>
+                                      </p:cBhvr>
+                                      <p:tavLst>
+                                        <p:tav tm="0">
+                                          <p:val>
+                                            <p:strVal val="#ppt_x"/>
+                                          </p:val>
+                                        </p:tav>
+                                        <p:tav tm="100000">
+                                          <p:val>
+                                            <p:strVal val="#ppt_x"/>
+                                          </p:val>
+                                        </p:tav>
+                                      </p:tavLst>
+                                    </p:anim>
+                                    <p:anim calcmode="lin" valueType="num">
+                                      <p:cBhvr additive="base">
+                                        <p:cTn id="30" dur="500" fill="hold"/>
+                                        <p:tgtEl>
+                                          <p:spTgt spid="7">
+                                            <p:txEl>
+                                              <p:pRg st="8" end="8"/>
+                                            </p:txEl>
+                                          </p:spTgt>
+                                        </p:tgtEl>
+                                        <p:attrNameLst>
+                                          <p:attrName>ppt_y</p:attrName>
+                                        </p:attrNameLst>
+                                      </p:cBhvr>
+                                      <p:tavLst>
+                                        <p:tav tm="0">
+                                          <p:val>
+                                            <p:strVal val="1+#ppt_h/2"/>
+                                          </p:val>
+                                        </p:tav>
+                                        <p:tav tm="100000">
+                                          <p:val>
+                                            <p:strVal val="#ppt_y"/>
+                                          </p:val>
+                                        </p:tav>
+                                      </p:tavLst>
+                                    </p:anim>
+                                  </p:childTnLst>
+                                </p:cTn>
+                              </p:par>
+                            </p:childTnLst>
+                          </p:cTn>
+                        </p:par>
+                      </p:childTnLst>
+                    </p:cTn>
+                  </p:par>
+                </p:childTnLst>
+              </p:cTn>
+              <p:prevCondLst>
+                <p:cond evt="onPrev" delay="0">
+                  <p:tgtEl>
+                    <p:sldTgt/>
+                  </p:tgtEl>
+                </p:cond>
+              </p:prevCondLst>
+              <p:nextCondLst>
+                <p:cond evt="onNext" delay="0">
+                  <p:tgtEl>
+                    <p:sldTgt/>
+                  </p:tgtEl>
+                </p:cond>
+              </p:nextCondLst>
+            </p:seq>
+          </p:childTnLst>
+        </p:cTn>
+      </p:par>
+    </p:tnLst>
+  </p:timing>
+</p:sld>
+</file>
+
+<file path=ppt/slides/slide4.xml><?xml version="1.0" encoding="utf-8"?>
+<p:sld xmlns:a="http://schemas.openxmlformats.org/drawingml/2006/main" xmlns:r="http://schemas.openxmlformats.org/officeDocument/2006/relationships" xmlns:p="http://schemas.openxmlformats.org/presentationml/2006/main">
+  <p:cSld>
+    <p:spTree>
+      <p:nvGrpSpPr>
+        <p:cNvPr id="1" name=""/>
+        <p:cNvGrpSpPr/>
+        <p:nvPr/>
+      </p:nvGrpSpPr>
+      <p:grpSpPr>
+        <a:xfrm>
+          <a:off x="0" y="0"/>
+          <a:ext cx="0" cy="0"/>
+          <a:chOff x="0" y="0"/>
+          <a:chExt cx="0" cy="0"/>
+        </a:xfrm>
+      </p:grpSpPr>
+      <p:sp>
+        <p:nvSpPr>
+          <p:cNvPr id="4" name="Title 3"/>
+          <p:cNvSpPr>
+            <a:spLocks noGrp="1"/>
+          </p:cNvSpPr>
+          <p:nvPr>
+            <p:ph type="title"/>
+          </p:nvPr>
+        </p:nvSpPr>
+        <p:spPr>
+          <a:xfrm>
+            <a:off x="457200" y="728135"/>
+            <a:ext cx="8229600" cy="1143000"/>
+          </a:xfrm>
+        </p:spPr>
+        <p:txBody>
+          <a:bodyPr>
+            <a:noAutofit/>
+          </a:bodyPr>
+          <a:lstStyle/>
+          <a:p>
+            <a:pPr algn="ctr"/>
+            <a:r>
+              <a:rPr lang="en-US" sz="5400" dirty="0">
+                <a:latin typeface="Tahoma" panose="020B0604030504040204" pitchFamily="34" charset="0"/>
+                <a:ea typeface="Tahoma" panose="020B0604030504040204" pitchFamily="34" charset="0"/>
+                <a:cs typeface="Tahoma" panose="020B0604030504040204" pitchFamily="34" charset="0"/>
+              </a:rPr>
+              <a:t>Health &amp; Safety</a:t>
+            </a:r>
+            <a:endParaRPr lang="en-GB" sz="3200" dirty="0">
+              <a:latin typeface="Tahoma" panose="020B0604030504040204" pitchFamily="34" charset="0"/>
+              <a:ea typeface="Tahoma" panose="020B0604030504040204" pitchFamily="34" charset="0"/>
+              <a:cs typeface="Tahoma" panose="020B0604030504040204" pitchFamily="34" charset="0"/>
+            </a:endParaRPr>
+          </a:p>
+        </p:txBody>
+      </p:sp>
+      <p:pic>
+        <p:nvPicPr>
+          <p:cNvPr id="6" name="Content Placeholder 3"/>
+          <p:cNvPicPr>
+            <a:picLocks noChangeAspect="1"/>
+          </p:cNvPicPr>
+          <p:nvPr/>
+        </p:nvPicPr>
+        <p:blipFill>
+          <a:blip r:embed="rId3" cstate="print">
+            <a:extLst>
+              <a:ext uri="{28A0092B-C50C-407E-A947-70E740481C1C}">
+                <a14:useLocalDpi xmlns:a14="http://schemas.microsoft.com/office/drawing/2010/main" val="0"/>
+              </a:ext>
+            </a:extLst>
+          </a:blip>
+          <a:stretch>
+            <a:fillRect/>
+          </a:stretch>
+        </p:blipFill>
+        <p:spPr>
+          <a:xfrm>
+            <a:off x="8153542" y="0"/>
+            <a:ext cx="980209" cy="977292"/>
+          </a:xfrm>
+          <a:prstGeom prst="rect">
+            <a:avLst/>
+          </a:prstGeom>
+        </p:spPr>
+      </p:pic>
+      <p:cxnSp>
+        <p:nvCxnSpPr>
+          <p:cNvPr id="3" name="Straight Connector 2"/>
+          <p:cNvCxnSpPr/>
+          <p:nvPr/>
+        </p:nvCxnSpPr>
+        <p:spPr>
+          <a:xfrm>
+            <a:off x="1066800" y="1871135"/>
+            <a:ext cx="7010400" cy="0"/>
+          </a:xfrm>
+          <a:prstGeom prst="line">
+            <a:avLst/>
+          </a:prstGeom>
+          <a:ln>
+            <a:solidFill>
+              <a:srgbClr val="5D2F5D"/>
+            </a:solidFill>
+          </a:ln>
+        </p:spPr>
+        <p:style>
+          <a:lnRef idx="1">
+            <a:schemeClr val="accent1"/>
+          </a:lnRef>
+          <a:fillRef idx="0">
+            <a:schemeClr val="accent1"/>
+          </a:fillRef>
+          <a:effectRef idx="0">
+            <a:schemeClr val="accent1"/>
+          </a:effectRef>
+          <a:fontRef idx="minor">
+            <a:schemeClr val="tx1"/>
+          </a:fontRef>
+        </p:style>
+      </p:cxnSp>
+      <p:sp>
+        <p:nvSpPr>
+          <p:cNvPr id="8" name="Title 3"/>
+          <p:cNvSpPr txBox="1">
+            <a:spLocks/>
+          </p:cNvSpPr>
+          <p:nvPr/>
+        </p:nvSpPr>
+        <p:spPr>
+          <a:xfrm>
+            <a:off x="457200" y="2209800"/>
+            <a:ext cx="8229600" cy="1143000"/>
+          </a:xfrm>
+          <a:prstGeom prst="rect">
+            <a:avLst/>
+          </a:prstGeom>
+        </p:spPr>
+        <p:txBody>
+          <a:bodyPr vert="horz" lIns="91440" tIns="45720" rIns="91440" bIns="45720" rtlCol="0" anchor="ctr">
+            <a:noAutofit/>
+          </a:bodyPr>
+          <a:lstStyle>
+            <a:lvl1pPr algn="ctr" defTabSz="914400" rtl="0" eaLnBrk="1" latinLnBrk="0" hangingPunct="1">
+              <a:spcBef>
+                <a:spcPct val="0"/>
+              </a:spcBef>
+              <a:buNone/>
+              <a:defRPr sz="4400" kern="1200">
+                <a:solidFill>
+                  <a:schemeClr val="tx1"/>
+                </a:solidFill>
+                <a:latin typeface="+mj-lt"/>
+                <a:ea typeface="+mj-ea"/>
+                <a:cs typeface="+mj-cs"/>
+              </a:defRPr>
+            </a:lvl1pPr>
+          </a:lstStyle>
+          <a:p>
+            <a:r>
+              <a:rPr lang="en-US" sz="3200" b="1" dirty="0">
+                <a:latin typeface="Tahoma" panose="020B0604030504040204" pitchFamily="34" charset="0"/>
+                <a:ea typeface="Tahoma" panose="020B0604030504040204" pitchFamily="34" charset="0"/>
+                <a:cs typeface="Tahoma" panose="020B0604030504040204" pitchFamily="34" charset="0"/>
+              </a:rPr>
+              <a:t>If you feel unwell please let me know</a:t>
+            </a:r>
+            <a:endParaRPr lang="en-GB" sz="3200" b="1" dirty="0">
+              <a:latin typeface="Tahoma" panose="020B0604030504040204" pitchFamily="34" charset="0"/>
+              <a:ea typeface="Tahoma" panose="020B0604030504040204" pitchFamily="34" charset="0"/>
+              <a:cs typeface="Tahoma" panose="020B0604030504040204" pitchFamily="34" charset="0"/>
+            </a:endParaRPr>
+          </a:p>
+        </p:txBody>
+      </p:sp>
+      <p:sp>
+        <p:nvSpPr>
+          <p:cNvPr id="10" name="Content Placeholder 4"/>
+          <p:cNvSpPr txBox="1">
+            <a:spLocks/>
+          </p:cNvSpPr>
+          <p:nvPr/>
+        </p:nvSpPr>
+        <p:spPr>
+          <a:xfrm>
+            <a:off x="457200" y="3505200"/>
+            <a:ext cx="8229600" cy="2620963"/>
+          </a:xfrm>
+          <a:prstGeom prst="rect">
+            <a:avLst/>
+          </a:prstGeom>
+        </p:spPr>
+        <p:txBody>
+          <a:bodyPr vert="horz" lIns="91440" tIns="45720" rIns="91440" bIns="45720" rtlCol="0">
+            <a:normAutofit/>
+          </a:bodyPr>
+          <a:lstStyle>
+            <a:lvl1pPr marL="182880" indent="-182880" algn="l" defTabSz="914400" rtl="0" eaLnBrk="1" latinLnBrk="0" hangingPunct="1">
+              <a:lnSpc>
+                <a:spcPct val="90000"/>
+              </a:lnSpc>
+              <a:spcBef>
+                <a:spcPts val="1200"/>
+              </a:spcBef>
+              <a:buClr>
+                <a:schemeClr val="accent1"/>
+              </a:buClr>
+              <a:buSzPct val="85000"/>
+              <a:buFont typeface="Wingdings" pitchFamily="2" charset="2"/>
+              <a:buChar char="§"/>
+              <a:defRPr sz="2000" kern="1200">
+                <a:solidFill>
+                  <a:schemeClr val="tx1"/>
+                </a:solidFill>
+                <a:latin typeface="+mn-lt"/>
+                <a:ea typeface="+mn-ea"/>
+                <a:cs typeface="+mn-cs"/>
+              </a:defRPr>
+            </a:lvl1pPr>
+            <a:lvl2pPr marL="457200" indent="-182880" algn="l" defTabSz="914400" rtl="0" eaLnBrk="1" latinLnBrk="0" hangingPunct="1">
+              <a:lnSpc>
+                <a:spcPct val="90000"/>
+              </a:lnSpc>
+              <a:spcBef>
+                <a:spcPts val="400"/>
+              </a:spcBef>
+              <a:spcAft>
+                <a:spcPts val="200"/>
+              </a:spcAft>
+              <a:buClr>
+                <a:schemeClr val="accent1"/>
+              </a:buClr>
+              <a:buSzPct val="85000"/>
+              <a:buFont typeface="Wingdings" pitchFamily="2" charset="2"/>
+              <a:buChar char="§"/>
+              <a:defRPr sz="1800" kern="1200">
+                <a:solidFill>
+                  <a:schemeClr val="tx1"/>
+                </a:solidFill>
+                <a:latin typeface="+mn-lt"/>
+                <a:ea typeface="+mn-ea"/>
+                <a:cs typeface="+mn-cs"/>
+              </a:defRPr>
+            </a:lvl2pPr>
+            <a:lvl3pPr marL="731520" indent="-182880" algn="l" defTabSz="914400" rtl="0" eaLnBrk="1" latinLnBrk="0" hangingPunct="1">
+              <a:lnSpc>
+                <a:spcPct val="90000"/>
+              </a:lnSpc>
+              <a:spcBef>
+                <a:spcPts val="400"/>
+              </a:spcBef>
+              <a:spcAft>
+                <a:spcPts val="200"/>
+              </a:spcAft>
+              <a:buClr>
+                <a:schemeClr val="accent1"/>
+              </a:buClr>
+              <a:buSzPct val="85000"/>
+              <a:buFont typeface="Wingdings" pitchFamily="2" charset="2"/>
+              <a:buChar char="§"/>
+              <a:defRPr sz="1600" kern="1200">
+                <a:solidFill>
+                  <a:schemeClr val="tx1"/>
+                </a:solidFill>
+                <a:latin typeface="+mn-lt"/>
+                <a:ea typeface="+mn-ea"/>
+                <a:cs typeface="+mn-cs"/>
+              </a:defRPr>
+            </a:lvl3pPr>
+            <a:lvl4pPr marL="1005840" indent="-182880" algn="l" defTabSz="914400" rtl="0" eaLnBrk="1" latinLnBrk="0" hangingPunct="1">
+              <a:lnSpc>
+                <a:spcPct val="90000"/>
+              </a:lnSpc>
+              <a:spcBef>
+                <a:spcPts val="400"/>
+              </a:spcBef>
+              <a:spcAft>
+                <a:spcPts val="200"/>
+              </a:spcAft>
+              <a:buClr>
+                <a:schemeClr val="accent1"/>
+              </a:buClr>
+              <a:buSzPct val="85000"/>
+              <a:buFont typeface="Wingdings" pitchFamily="2" charset="2"/>
+              <a:buChar char="§"/>
+              <a:defRPr sz="1600" kern="1200">
+                <a:solidFill>
+                  <a:schemeClr val="tx1"/>
+                </a:solidFill>
+                <a:latin typeface="+mn-lt"/>
+                <a:ea typeface="+mn-ea"/>
+                <a:cs typeface="+mn-cs"/>
+              </a:defRPr>
+            </a:lvl4pPr>
+            <a:lvl5pPr marL="1280160" indent="-182880" algn="l" defTabSz="914400" rtl="0" eaLnBrk="1" latinLnBrk="0" hangingPunct="1">
+              <a:lnSpc>
+                <a:spcPct val="90000"/>
+              </a:lnSpc>
+              <a:spcBef>
+                <a:spcPts val="400"/>
+              </a:spcBef>
+              <a:spcAft>
+                <a:spcPts val="200"/>
+              </a:spcAft>
+              <a:buClr>
+                <a:schemeClr val="accent1"/>
+              </a:buClr>
+              <a:buSzPct val="85000"/>
+              <a:buFont typeface="Wingdings" pitchFamily="2" charset="2"/>
+              <a:buChar char="§"/>
+              <a:defRPr sz="1600" kern="1200">
+                <a:solidFill>
+                  <a:schemeClr val="tx1"/>
+                </a:solidFill>
+                <a:latin typeface="+mn-lt"/>
+                <a:ea typeface="+mn-ea"/>
+                <a:cs typeface="+mn-cs"/>
+              </a:defRPr>
+            </a:lvl5pPr>
+            <a:lvl6pPr marL="1600000" indent="-228600" algn="l" defTabSz="914400" rtl="0" eaLnBrk="1" latinLnBrk="0" hangingPunct="1">
+              <a:lnSpc>
+                <a:spcPct val="90000"/>
+              </a:lnSpc>
+              <a:spcBef>
+                <a:spcPts val="400"/>
+              </a:spcBef>
+              <a:spcAft>
+                <a:spcPts val="200"/>
+              </a:spcAft>
+              <a:buClr>
+                <a:schemeClr val="accent1"/>
+              </a:buClr>
+              <a:buSzPct val="85000"/>
+              <a:buFont typeface="Wingdings" pitchFamily="2" charset="2"/>
+              <a:buChar char="§"/>
+              <a:defRPr sz="1600" kern="1200">
+                <a:solidFill>
+                  <a:schemeClr val="tx1"/>
+                </a:solidFill>
+                <a:latin typeface="+mn-lt"/>
+                <a:ea typeface="+mn-ea"/>
+                <a:cs typeface="+mn-cs"/>
+              </a:defRPr>
+            </a:lvl6pPr>
+            <a:lvl7pPr marL="1900000" indent="-228600" algn="l" defTabSz="914400" rtl="0" eaLnBrk="1" latinLnBrk="0" hangingPunct="1">
+              <a:lnSpc>
+                <a:spcPct val="90000"/>
+              </a:lnSpc>
+              <a:spcBef>
+                <a:spcPts val="400"/>
+              </a:spcBef>
+              <a:spcAft>
+                <a:spcPts val="200"/>
+              </a:spcAft>
+              <a:buClr>
+                <a:schemeClr val="accent1"/>
+              </a:buClr>
+              <a:buSzPct val="85000"/>
+              <a:buFont typeface="Wingdings" pitchFamily="2" charset="2"/>
+              <a:buChar char="§"/>
+              <a:defRPr sz="1600" kern="1200">
+                <a:solidFill>
+                  <a:schemeClr val="tx1"/>
+                </a:solidFill>
+                <a:latin typeface="+mn-lt"/>
+                <a:ea typeface="+mn-ea"/>
+                <a:cs typeface="+mn-cs"/>
+              </a:defRPr>
+            </a:lvl7pPr>
+            <a:lvl8pPr marL="2200000" indent="-228600" algn="l" defTabSz="914400" rtl="0" eaLnBrk="1" latinLnBrk="0" hangingPunct="1">
+              <a:lnSpc>
+                <a:spcPct val="90000"/>
+              </a:lnSpc>
+              <a:spcBef>
+                <a:spcPts val="400"/>
+              </a:spcBef>
+              <a:spcAft>
+                <a:spcPts val="200"/>
+              </a:spcAft>
+              <a:buClr>
+                <a:schemeClr val="accent1"/>
+              </a:buClr>
+              <a:buSzPct val="85000"/>
+              <a:buFont typeface="Wingdings" pitchFamily="2" charset="2"/>
+              <a:buChar char="§"/>
+              <a:defRPr sz="1600" kern="1200">
+                <a:solidFill>
+                  <a:schemeClr val="tx1"/>
+                </a:solidFill>
+                <a:latin typeface="+mn-lt"/>
+                <a:ea typeface="+mn-ea"/>
+                <a:cs typeface="+mn-cs"/>
+              </a:defRPr>
+            </a:lvl8pPr>
+            <a:lvl9pPr marL="2500000" indent="-228600" algn="l" defTabSz="914400" rtl="0" eaLnBrk="1" latinLnBrk="0" hangingPunct="1">
+              <a:lnSpc>
+                <a:spcPct val="90000"/>
+              </a:lnSpc>
+              <a:spcBef>
+                <a:spcPts val="400"/>
+              </a:spcBef>
+              <a:spcAft>
+                <a:spcPts val="200"/>
+              </a:spcAft>
+              <a:buClr>
+                <a:schemeClr val="accent1"/>
+              </a:buClr>
+              <a:buSzPct val="85000"/>
+              <a:buFont typeface="Wingdings" pitchFamily="2" charset="2"/>
+              <a:buChar char="§"/>
+              <a:defRPr sz="1600" kern="1200">
+                <a:solidFill>
+                  <a:schemeClr val="tx1"/>
+                </a:solidFill>
+                <a:latin typeface="+mn-lt"/>
+                <a:ea typeface="+mn-ea"/>
+                <a:cs typeface="+mn-cs"/>
+              </a:defRPr>
+            </a:lvl9pPr>
+          </a:lstStyle>
+          <a:p>
+            <a:pPr lvl="1">
+              <a:buFont typeface="Arial" panose="020B0604020202020204" pitchFamily="34" charset="0"/>
+              <a:buChar char="•"/>
+            </a:pPr>
+            <a:r>
+              <a:rPr lang="en-US" sz="3600" dirty="0"/>
+              <a:t>Info about the building</a:t>
+            </a:r>
+          </a:p>
+          <a:p>
+            <a:pPr lvl="1">
+              <a:buFont typeface="Arial" panose="020B0604020202020204" pitchFamily="34" charset="0"/>
+              <a:buChar char="•"/>
+            </a:pPr>
+            <a:r>
+              <a:rPr lang="en-US" sz="3600" dirty="0"/>
+              <a:t>Careful with cables and drinks</a:t>
+            </a:r>
+          </a:p>
+          <a:p>
+            <a:pPr lvl="1">
+              <a:buFont typeface="Arial" panose="020B0604020202020204" pitchFamily="34" charset="0"/>
+              <a:buChar char="•"/>
+            </a:pPr>
+            <a:r>
+              <a:rPr lang="en-US" sz="3600" dirty="0"/>
+              <a:t>Get breaks away from the screen</a:t>
+            </a:r>
+          </a:p>
+          <a:p>
+            <a:pPr lvl="1">
+              <a:buFont typeface="Arial" panose="020B0604020202020204" pitchFamily="34" charset="0"/>
+              <a:buChar char="•"/>
+            </a:pPr>
+            <a:r>
+              <a:rPr lang="en-US" sz="3600" dirty="0"/>
+              <a:t>Make sure you comfortable</a:t>
+            </a:r>
+          </a:p>
+        </p:txBody>
+      </p:sp>
+    </p:spTree>
+    <p:extLst>
+      <p:ext uri="{BB962C8B-B14F-4D97-AF65-F5344CB8AC3E}">
+        <p14:creationId xmlns:p14="http://schemas.microsoft.com/office/powerpoint/2010/main" val="3154746951"/>
+      </p:ext>
+    </p:extLst>
+  </p:cSld>
+  <p:clrMapOvr>
+    <a:masterClrMapping/>
+  </p:clrMapOvr>
+  <mc:AlternateContent xmlns:mc="http://schemas.openxmlformats.org/markup-compatibility/2006" xmlns:p15="http://schemas.microsoft.com/office/powerpoint/2012/main">
+    <mc:Choice Requires="p15">
+      <p:transition xmlns:p14="http://schemas.microsoft.com/office/powerpoint/2010/main" spd="slow" p14:dur="2000">
+        <p15:prstTrans prst="crush"/>
+      </p:transition>
+    </mc:Choice>
+    <mc:Fallback xmlns="">
+      <p:transition spd="slow">
+        <p:fade/>
+      </p:transition>
+    </mc:Fallback>
+  </mc:AlternateContent>
+  <p:timing>
+    <p:tnLst>
+      <p:par>
+        <p:cTn id="1" dur="indefinite" restart="never" nodeType="tmRoot">
+          <p:childTnLst>
+            <p:seq concurrent="1" nextAc="seek">
+              <p:cTn id="2" dur="indefinite" nodeType="mainSeq">
+                <p:childTnLst>
+                  <p:par>
+                    <p:cTn id="3" fill="hold">
+                      <p:stCondLst>
+                        <p:cond delay="indefinite"/>
+                      </p:stCondLst>
+                      <p:childTnLst>
+                        <p:par>
+                          <p:cTn id="4" fill="hold">
+                            <p:stCondLst>
+                              <p:cond delay="0"/>
+                            </p:stCondLst>
+                            <p:childTnLst>
+                              <p:par>
+                                <p:cTn id="5" presetID="2" presetClass="entr" presetSubtype="4" fill="hold" grpId="0" nodeType="clickEffect">
+                                  <p:stCondLst>
+                                    <p:cond delay="0"/>
+                                  </p:stCondLst>
+                                  <p:childTnLst>
+                                    <p:set>
+                                      <p:cBhvr>
+                                        <p:cTn id="6" dur="1" fill="hold">
+                                          <p:stCondLst>
+                                            <p:cond delay="0"/>
+                                          </p:stCondLst>
+                                        </p:cTn>
+                                        <p:tgtEl>
+                                          <p:spTgt spid="8"/>
+                                        </p:tgtEl>
+                                        <p:attrNameLst>
+                                          <p:attrName>style.visibility</p:attrName>
+                                        </p:attrNameLst>
+                                      </p:cBhvr>
+                                      <p:to>
+                                        <p:strVal val="visible"/>
+                                      </p:to>
+                                    </p:set>
+                                    <p:anim calcmode="lin" valueType="num">
+                                      <p:cBhvr additive="base">
+                                        <p:cTn id="7" dur="500" fill="hold"/>
+                                        <p:tgtEl>
+                                          <p:spTgt spid="8"/>
+                                        </p:tgtEl>
+                                        <p:attrNameLst>
+                                          <p:attrName>ppt_x</p:attrName>
+                                        </p:attrNameLst>
+                                      </p:cBhvr>
+                                      <p:tavLst>
+                                        <p:tav tm="0">
+                                          <p:val>
+                                            <p:strVal val="#ppt_x"/>
+                                          </p:val>
+                                        </p:tav>
+                                        <p:tav tm="100000">
+                                          <p:val>
+                                            <p:strVal val="#ppt_x"/>
+                                          </p:val>
+                                        </p:tav>
+                                      </p:tavLst>
+                                    </p:anim>
+                                    <p:anim calcmode="lin" valueType="num">
+                                      <p:cBhvr additive="base">
+                                        <p:cTn id="8" dur="500" fill="hold"/>
+                                        <p:tgtEl>
+                                          <p:spTgt spid="8"/>
+                                        </p:tgtEl>
+                                        <p:attrNameLst>
+                                          <p:attrName>ppt_y</p:attrName>
+                                        </p:attrNameLst>
+                                      </p:cBhvr>
+                                      <p:tavLst>
+                                        <p:tav tm="0">
+                                          <p:val>
+                                            <p:strVal val="1+#ppt_h/2"/>
+                                          </p:val>
+                                        </p:tav>
+                                        <p:tav tm="100000">
+                                          <p:val>
+                                            <p:strVal val="#ppt_y"/>
+                                          </p:val>
+                                        </p:tav>
+                                      </p:tavLst>
+                                    </p:anim>
+                                  </p:childTnLst>
+                                </p:cTn>
+                              </p:par>
+                            </p:childTnLst>
+                          </p:cTn>
+                        </p:par>
+                      </p:childTnLst>
+                    </p:cTn>
+                  </p:par>
+                  <p:par>
+                    <p:cTn id="9" fill="hold">
+                      <p:stCondLst>
+                        <p:cond delay="indefinite"/>
+                      </p:stCondLst>
+                      <p:childTnLst>
+                        <p:par>
+                          <p:cTn id="10" fill="hold">
+                            <p:stCondLst>
+                              <p:cond delay="0"/>
+                            </p:stCondLst>
+                            <p:childTnLst>
+                              <p:par>
+                                <p:cTn id="11" presetID="2" presetClass="entr" presetSubtype="4" fill="hold" grpId="0" nodeType="clickEffect">
+                                  <p:stCondLst>
+                                    <p:cond delay="0"/>
+                                  </p:stCondLst>
+                                  <p:childTnLst>
+                                    <p:set>
+                                      <p:cBhvr>
+                                        <p:cTn id="12" dur="1" fill="hold">
+                                          <p:stCondLst>
+                                            <p:cond delay="0"/>
+                                          </p:stCondLst>
+                                        </p:cTn>
+                                        <p:tgtEl>
+                                          <p:spTgt spid="10">
+                                            <p:txEl>
+                                              <p:pRg st="0" end="0"/>
+                                            </p:txEl>
+                                          </p:spTgt>
+                                        </p:tgtEl>
+                                        <p:attrNameLst>
+                                          <p:attrName>style.visibility</p:attrName>
+                                        </p:attrNameLst>
+                                      </p:cBhvr>
+                                      <p:to>
+                                        <p:strVal val="visible"/>
+                                      </p:to>
+                                    </p:set>
+                                    <p:anim calcmode="lin" valueType="num">
+                                      <p:cBhvr additive="base">
+                                        <p:cTn id="13" dur="500" fill="hold"/>
+                                        <p:tgtEl>
+                                          <p:spTgt spid="10">
+                                            <p:txEl>
+                                              <p:pRg st="0" end="0"/>
+                                            </p:txEl>
+                                          </p:spTgt>
+                                        </p:tgtEl>
+                                        <p:attrNameLst>
+                                          <p:attrName>ppt_x</p:attrName>
+                                        </p:attrNameLst>
+                                      </p:cBhvr>
+                                      <p:tavLst>
+                                        <p:tav tm="0">
+                                          <p:val>
+                                            <p:strVal val="#ppt_x"/>
+                                          </p:val>
+                                        </p:tav>
+                                        <p:tav tm="100000">
+                                          <p:val>
+                                            <p:strVal val="#ppt_x"/>
+                                          </p:val>
+                                        </p:tav>
+                                      </p:tavLst>
+                                    </p:anim>
+                                    <p:anim calcmode="lin" valueType="num">
+                                      <p:cBhvr additive="base">
+                                        <p:cTn id="14" dur="500" fill="hold"/>
+                                        <p:tgtEl>
+                                          <p:spTgt spid="10">
+                                            <p:txEl>
+                                              <p:pRg st="0" end="0"/>
+                                            </p:txEl>
+                                          </p:spTgt>
+                                        </p:tgtEl>
+                                        <p:attrNameLst>
+                                          <p:attrName>ppt_y</p:attrName>
+                                        </p:attrNameLst>
+                                      </p:cBhvr>
+                                      <p:tavLst>
+                                        <p:tav tm="0">
+                                          <p:val>
+                                            <p:strVal val="1+#ppt_h/2"/>
+                                          </p:val>
+                                        </p:tav>
+                                        <p:tav tm="100000">
+                                          <p:val>
+                                            <p:strVal val="#ppt_y"/>
+                                          </p:val>
+                                        </p:tav>
+                                      </p:tavLst>
+                                    </p:anim>
+                                  </p:childTnLst>
+                                </p:cTn>
+                              </p:par>
+                              <p:par>
+                                <p:cTn id="15" presetID="2" presetClass="entr" presetSubtype="4" fill="hold" grpId="0" nodeType="withEffect">
+                                  <p:stCondLst>
+                                    <p:cond delay="0"/>
+                                  </p:stCondLst>
+                                  <p:childTnLst>
+                                    <p:set>
+                                      <p:cBhvr>
+                                        <p:cTn id="16" dur="1" fill="hold">
+                                          <p:stCondLst>
+                                            <p:cond delay="0"/>
+                                          </p:stCondLst>
+                                        </p:cTn>
+                                        <p:tgtEl>
+                                          <p:spTgt spid="10">
+                                            <p:txEl>
+                                              <p:pRg st="1" end="1"/>
+                                            </p:txEl>
+                                          </p:spTgt>
+                                        </p:tgtEl>
+                                        <p:attrNameLst>
+                                          <p:attrName>style.visibility</p:attrName>
+                                        </p:attrNameLst>
+                                      </p:cBhvr>
+                                      <p:to>
+                                        <p:strVal val="visible"/>
+                                      </p:to>
+                                    </p:set>
+                                    <p:anim calcmode="lin" valueType="num">
+                                      <p:cBhvr additive="base">
+                                        <p:cTn id="17" dur="500" fill="hold"/>
+                                        <p:tgtEl>
+                                          <p:spTgt spid="10">
+                                            <p:txEl>
+                                              <p:pRg st="1" end="1"/>
+                                            </p:txEl>
+                                          </p:spTgt>
+                                        </p:tgtEl>
+                                        <p:attrNameLst>
+                                          <p:attrName>ppt_x</p:attrName>
+                                        </p:attrNameLst>
+                                      </p:cBhvr>
+                                      <p:tavLst>
+                                        <p:tav tm="0">
+                                          <p:val>
+                                            <p:strVal val="#ppt_x"/>
+                                          </p:val>
+                                        </p:tav>
+                                        <p:tav tm="100000">
+                                          <p:val>
+                                            <p:strVal val="#ppt_x"/>
+                                          </p:val>
+                                        </p:tav>
+                                      </p:tavLst>
+                                    </p:anim>
+                                    <p:anim calcmode="lin" valueType="num">
+                                      <p:cBhvr additive="base">
+                                        <p:cTn id="18" dur="500" fill="hold"/>
+                                        <p:tgtEl>
+                                          <p:spTgt spid="10">
+                                            <p:txEl>
+                                              <p:pRg st="1" end="1"/>
+                                            </p:txEl>
+                                          </p:spTgt>
+                                        </p:tgtEl>
+                                        <p:attrNameLst>
+                                          <p:attrName>ppt_y</p:attrName>
+                                        </p:attrNameLst>
+                                      </p:cBhvr>
+                                      <p:tavLst>
+                                        <p:tav tm="0">
+                                          <p:val>
+                                            <p:strVal val="1+#ppt_h/2"/>
+                                          </p:val>
+                                        </p:tav>
+                                        <p:tav tm="100000">
+                                          <p:val>
+                                            <p:strVal val="#ppt_y"/>
+                                          </p:val>
+                                        </p:tav>
+                                      </p:tavLst>
+                                    </p:anim>
+                                  </p:childTnLst>
+                                </p:cTn>
+                              </p:par>
+                              <p:par>
+                                <p:cTn id="19" presetID="2" presetClass="entr" presetSubtype="4" fill="hold" grpId="0" nodeType="withEffect">
+                                  <p:stCondLst>
+                                    <p:cond delay="0"/>
+                                  </p:stCondLst>
+                                  <p:childTnLst>
+                                    <p:set>
+                                      <p:cBhvr>
+                                        <p:cTn id="20" dur="1" fill="hold">
+                                          <p:stCondLst>
+                                            <p:cond delay="0"/>
+                                          </p:stCondLst>
+                                        </p:cTn>
+                                        <p:tgtEl>
+                                          <p:spTgt spid="10">
+                                            <p:txEl>
+                                              <p:pRg st="2" end="2"/>
+                                            </p:txEl>
+                                          </p:spTgt>
+                                        </p:tgtEl>
+                                        <p:attrNameLst>
+                                          <p:attrName>style.visibility</p:attrName>
+                                        </p:attrNameLst>
+                                      </p:cBhvr>
+                                      <p:to>
+                                        <p:strVal val="visible"/>
+                                      </p:to>
+                                    </p:set>
+                                    <p:anim calcmode="lin" valueType="num">
+                                      <p:cBhvr additive="base">
+                                        <p:cTn id="21" dur="500" fill="hold"/>
+                                        <p:tgtEl>
+                                          <p:spTgt spid="10">
+                                            <p:txEl>
+                                              <p:pRg st="2" end="2"/>
+                                            </p:txEl>
+                                          </p:spTgt>
+                                        </p:tgtEl>
+                                        <p:attrNameLst>
+                                          <p:attrName>ppt_x</p:attrName>
+                                        </p:attrNameLst>
+                                      </p:cBhvr>
+                                      <p:tavLst>
+                                        <p:tav tm="0">
+                                          <p:val>
+                                            <p:strVal val="#ppt_x"/>
+                                          </p:val>
+                                        </p:tav>
+                                        <p:tav tm="100000">
+                                          <p:val>
+                                            <p:strVal val="#ppt_x"/>
+                                          </p:val>
+                                        </p:tav>
+                                      </p:tavLst>
+                                    </p:anim>
+                                    <p:anim calcmode="lin" valueType="num">
+                                      <p:cBhvr additive="base">
+                                        <p:cTn id="22" dur="500" fill="hold"/>
+                                        <p:tgtEl>
+                                          <p:spTgt spid="10">
+                                            <p:txEl>
+                                              <p:pRg st="2" end="2"/>
+                                            </p:txEl>
+                                          </p:spTgt>
+                                        </p:tgtEl>
+                                        <p:attrNameLst>
+                                          <p:attrName>ppt_y</p:attrName>
+                                        </p:attrNameLst>
+                                      </p:cBhvr>
+                                      <p:tavLst>
+                                        <p:tav tm="0">
+                                          <p:val>
+                                            <p:strVal val="1+#ppt_h/2"/>
+                                          </p:val>
+                                        </p:tav>
+                                        <p:tav tm="100000">
+                                          <p:val>
+                                            <p:strVal val="#ppt_y"/>
+                                          </p:val>
+                                        </p:tav>
+                                      </p:tavLst>
+                                    </p:anim>
+                                  </p:childTnLst>
+                                </p:cTn>
+                              </p:par>
+                              <p:par>
+                                <p:cTn id="23" presetID="2" presetClass="entr" presetSubtype="4" fill="hold" grpId="0" nodeType="withEffect">
+                                  <p:stCondLst>
+                                    <p:cond delay="0"/>
+                                  </p:stCondLst>
+                                  <p:childTnLst>
+                                    <p:set>
+                                      <p:cBhvr>
+                                        <p:cTn id="24" dur="1" fill="hold">
+                                          <p:stCondLst>
+                                            <p:cond delay="0"/>
+                                          </p:stCondLst>
+                                        </p:cTn>
+                                        <p:tgtEl>
+                                          <p:spTgt spid="10">
+                                            <p:txEl>
+                                              <p:pRg st="3" end="3"/>
+                                            </p:txEl>
+                                          </p:spTgt>
+                                        </p:tgtEl>
+                                        <p:attrNameLst>
+                                          <p:attrName>style.visibility</p:attrName>
+                                        </p:attrNameLst>
+                                      </p:cBhvr>
+                                      <p:to>
+                                        <p:strVal val="visible"/>
+                                      </p:to>
+                                    </p:set>
+                                    <p:anim calcmode="lin" valueType="num">
+                                      <p:cBhvr additive="base">
+                                        <p:cTn id="25" dur="500" fill="hold"/>
+                                        <p:tgtEl>
+                                          <p:spTgt spid="10">
+                                            <p:txEl>
+                                              <p:pRg st="3" end="3"/>
+                                            </p:txEl>
+                                          </p:spTgt>
+                                        </p:tgtEl>
+                                        <p:attrNameLst>
+                                          <p:attrName>ppt_x</p:attrName>
+                                        </p:attrNameLst>
+                                      </p:cBhvr>
+                                      <p:tavLst>
+                                        <p:tav tm="0">
+                                          <p:val>
+                                            <p:strVal val="#ppt_x"/>
+                                          </p:val>
+                                        </p:tav>
+                                        <p:tav tm="100000">
+                                          <p:val>
+                                            <p:strVal val="#ppt_x"/>
+                                          </p:val>
+                                        </p:tav>
+                                      </p:tavLst>
+                                    </p:anim>
+                                    <p:anim calcmode="lin" valueType="num">
+                                      <p:cBhvr additive="base">
+                                        <p:cTn id="26" dur="500" fill="hold"/>
+                                        <p:tgtEl>
+                                          <p:spTgt spid="10">
+                                            <p:txEl>
+                                              <p:pRg st="3" end="3"/>
+                                            </p:txEl>
+                                          </p:spTgt>
+                                        </p:tgtEl>
+                                        <p:attrNameLst>
+                                          <p:attrName>ppt_y</p:attrName>
+                                        </p:attrNameLst>
+                                      </p:cBhvr>
+                                      <p:tavLst>
+                                        <p:tav tm="0">
+                                          <p:val>
+                                            <p:strVal val="1+#ppt_h/2"/>
+                                          </p:val>
+                                        </p:tav>
+                                        <p:tav tm="100000">
+                                          <p:val>
+                                            <p:strVal val="#ppt_y"/>
+                                          </p:val>
+                                        </p:tav>
+                                      </p:tavLst>
+                                    </p:anim>
+                                  </p:childTnLst>
+                                </p:cTn>
+                              </p:par>
+                            </p:childTnLst>
+                          </p:cTn>
+                        </p:par>
+                      </p:childTnLst>
+                    </p:cTn>
+                  </p:par>
+                </p:childTnLst>
+              </p:cTn>
+              <p:prevCondLst>
+                <p:cond evt="onPrev" delay="0">
+                  <p:tgtEl>
+                    <p:sldTgt/>
+                  </p:tgtEl>
+                </p:cond>
+              </p:prevCondLst>
+              <p:nextCondLst>
+                <p:cond evt="onNext" delay="0">
+                  <p:tgtEl>
+                    <p:sldTgt/>
+                  </p:tgtEl>
+                </p:cond>
+              </p:nextCondLst>
+            </p:seq>
+          </p:childTnLst>
+        </p:cTn>
+      </p:par>
+    </p:tnLst>
+    <p:bldLst>
+      <p:bldP spid="8" grpId="0"/>
+      <p:bldP spid="10" grpId="0" build="p"/>
+    </p:bldLst>
+  </p:timing>
+</p:sld>
+</file>
+
+<file path=ppt/slides/slide40.xml><?xml version="1.0" encoding="utf-8"?>
+<p:sld xmlns:a="http://schemas.openxmlformats.org/drawingml/2006/main" xmlns:r="http://schemas.openxmlformats.org/officeDocument/2006/relationships" xmlns:p="http://schemas.openxmlformats.org/presentationml/2006/main">
+  <p:cSld>
+    <p:spTree>
+      <p:nvGrpSpPr>
+        <p:cNvPr id="1" name=""/>
+        <p:cNvGrpSpPr/>
+        <p:nvPr/>
+      </p:nvGrpSpPr>
+      <p:grpSpPr>
+        <a:xfrm>
+          <a:off x="0" y="0"/>
+          <a:ext cx="0" cy="0"/>
+          <a:chOff x="0" y="0"/>
+          <a:chExt cx="0" cy="0"/>
+        </a:xfrm>
+      </p:grpSpPr>
+      <p:sp>
+        <p:nvSpPr>
+          <p:cNvPr id="4" name="Title 3"/>
+          <p:cNvSpPr>
+            <a:spLocks noGrp="1"/>
+          </p:cNvSpPr>
+          <p:nvPr>
+            <p:ph type="title"/>
+          </p:nvPr>
+        </p:nvSpPr>
+        <p:spPr>
+          <a:xfrm>
+            <a:off x="457200" y="728135"/>
+            <a:ext cx="8229600" cy="1143000"/>
+          </a:xfrm>
+        </p:spPr>
+        <p:txBody>
+          <a:bodyPr>
+            <a:noAutofit/>
+          </a:bodyPr>
+          <a:lstStyle/>
+          <a:p>
+            <a:pPr algn="ctr"/>
+            <a:r>
+              <a:rPr lang="en-US" sz="4400" dirty="0">
+                <a:latin typeface="Tahoma" panose="020B0604030504040204" pitchFamily="34" charset="0"/>
+                <a:ea typeface="Tahoma" panose="020B0604030504040204" pitchFamily="34" charset="0"/>
+                <a:cs typeface="Tahoma" panose="020B0604030504040204" pitchFamily="34" charset="0"/>
+              </a:rPr>
+              <a:t>What is JSON </a:t>
+            </a:r>
+            <a:r>
+              <a:rPr lang="en-US" sz="1800" dirty="0">
+                <a:latin typeface="Tahoma" panose="020B0604030504040204" pitchFamily="34" charset="0"/>
+                <a:ea typeface="Tahoma" panose="020B0604030504040204" pitchFamily="34" charset="0"/>
+                <a:cs typeface="Tahoma" panose="020B0604030504040204" pitchFamily="34" charset="0"/>
+              </a:rPr>
+              <a:t>cont.</a:t>
+            </a:r>
+            <a:endParaRPr lang="en-GB" sz="2400" dirty="0">
+              <a:latin typeface="Tahoma" panose="020B0604030504040204" pitchFamily="34" charset="0"/>
+              <a:ea typeface="Tahoma" panose="020B0604030504040204" pitchFamily="34" charset="0"/>
+              <a:cs typeface="Tahoma" panose="020B0604030504040204" pitchFamily="34" charset="0"/>
+            </a:endParaRPr>
+          </a:p>
+        </p:txBody>
+      </p:sp>
+      <p:pic>
+        <p:nvPicPr>
+          <p:cNvPr id="6" name="Content Placeholder 3"/>
+          <p:cNvPicPr>
+            <a:picLocks noChangeAspect="1"/>
+          </p:cNvPicPr>
+          <p:nvPr/>
+        </p:nvPicPr>
+        <p:blipFill>
+          <a:blip r:embed="rId3" cstate="print">
+            <a:extLst>
+              <a:ext uri="{28A0092B-C50C-407E-A947-70E740481C1C}">
+                <a14:useLocalDpi xmlns:a14="http://schemas.microsoft.com/office/drawing/2010/main" val="0"/>
+              </a:ext>
+            </a:extLst>
+          </a:blip>
+          <a:stretch>
+            <a:fillRect/>
+          </a:stretch>
+        </p:blipFill>
+        <p:spPr>
+          <a:xfrm>
+            <a:off x="8153542" y="0"/>
+            <a:ext cx="980209" cy="977292"/>
+          </a:xfrm>
+          <a:prstGeom prst="rect">
+            <a:avLst/>
+          </a:prstGeom>
+        </p:spPr>
+      </p:pic>
+      <p:cxnSp>
+        <p:nvCxnSpPr>
+          <p:cNvPr id="3" name="Straight Connector 2"/>
+          <p:cNvCxnSpPr/>
+          <p:nvPr/>
+        </p:nvCxnSpPr>
+        <p:spPr>
+          <a:xfrm>
+            <a:off x="1066800" y="1871135"/>
+            <a:ext cx="7010400" cy="0"/>
+          </a:xfrm>
+          <a:prstGeom prst="line">
+            <a:avLst/>
+          </a:prstGeom>
+          <a:ln>
+            <a:solidFill>
+              <a:srgbClr val="5D2F5D"/>
+            </a:solidFill>
+          </a:ln>
+        </p:spPr>
+        <p:style>
+          <a:lnRef idx="1">
+            <a:schemeClr val="accent1"/>
+          </a:lnRef>
+          <a:fillRef idx="0">
+            <a:schemeClr val="accent1"/>
+          </a:fillRef>
+          <a:effectRef idx="0">
+            <a:schemeClr val="accent1"/>
+          </a:effectRef>
+          <a:fontRef idx="minor">
+            <a:schemeClr val="tx1"/>
+          </a:fontRef>
+        </p:style>
+      </p:cxnSp>
+      <p:sp>
+        <p:nvSpPr>
+          <p:cNvPr id="7" name="Content Placeholder 4"/>
+          <p:cNvSpPr>
+            <a:spLocks noGrp="1"/>
+          </p:cNvSpPr>
+          <p:nvPr>
+            <p:ph idx="1"/>
+          </p:nvPr>
+        </p:nvSpPr>
+        <p:spPr>
+          <a:xfrm>
+            <a:off x="457200" y="2286000"/>
+            <a:ext cx="8229600" cy="4343400"/>
+          </a:xfrm>
+        </p:spPr>
+        <p:txBody>
+          <a:bodyPr>
+            <a:normAutofit fontScale="55000" lnSpcReduction="20000"/>
+          </a:bodyPr>
+          <a:lstStyle/>
+          <a:p>
+            <a:pPr marL="274320" lvl="1" indent="0">
+              <a:buNone/>
+            </a:pPr>
+            <a:r>
+              <a:rPr lang="en-GB" sz="2400" b="1" dirty="0"/>
+              <a:t>{</a:t>
+            </a:r>
+          </a:p>
+          <a:p>
+            <a:pPr marL="274320" lvl="1" indent="0">
+              <a:buNone/>
+            </a:pPr>
+            <a:r>
+              <a:rPr lang="en-GB" sz="2400" b="1" dirty="0"/>
+              <a:t>   "data":[</a:t>
+            </a:r>
+          </a:p>
+          <a:p>
+            <a:pPr marL="274320" lvl="1" indent="0">
+              <a:buNone/>
+            </a:pPr>
+            <a:r>
+              <a:rPr lang="en-GB" sz="2400" b="1" dirty="0"/>
+              <a:t>      {</a:t>
+            </a:r>
+          </a:p>
+          <a:p>
+            <a:pPr marL="274320" lvl="1" indent="0">
+              <a:buNone/>
+            </a:pPr>
+            <a:r>
+              <a:rPr lang="en-GB" sz="2400" b="1" dirty="0"/>
+              <a:t>         "</a:t>
+            </a:r>
+            <a:r>
+              <a:rPr lang="en-GB" sz="2400" b="1" dirty="0" err="1"/>
+              <a:t>car":"Mercedes</a:t>
+            </a:r>
+            <a:r>
+              <a:rPr lang="en-GB" sz="2400" b="1" dirty="0"/>
+              <a:t>",</a:t>
+            </a:r>
+          </a:p>
+          <a:p>
+            <a:pPr marL="274320" lvl="1" indent="0">
+              <a:buNone/>
+            </a:pPr>
+            <a:r>
+              <a:rPr lang="en-GB" sz="2400" b="1" dirty="0"/>
+              <a:t>         "</a:t>
+            </a:r>
+            <a:r>
+              <a:rPr lang="en-GB" sz="2400" b="1" dirty="0" err="1"/>
+              <a:t>driver":"Lewis</a:t>
+            </a:r>
+            <a:r>
+              <a:rPr lang="en-GB" sz="2400" b="1" dirty="0"/>
+              <a:t>",</a:t>
+            </a:r>
+          </a:p>
+          <a:p>
+            <a:pPr marL="274320" lvl="1" indent="0">
+              <a:buNone/>
+            </a:pPr>
+            <a:r>
+              <a:rPr lang="en-GB" sz="2400" b="1" dirty="0"/>
+              <a:t>         "wins":2</a:t>
+            </a:r>
+          </a:p>
+          <a:p>
+            <a:pPr marL="274320" lvl="1" indent="0">
+              <a:buNone/>
+            </a:pPr>
+            <a:r>
+              <a:rPr lang="en-GB" sz="2400" b="1" dirty="0"/>
+              <a:t>      },</a:t>
+            </a:r>
+          </a:p>
+          <a:p>
+            <a:pPr marL="274320" lvl="1" indent="0">
+              <a:buNone/>
+            </a:pPr>
+            <a:r>
+              <a:rPr lang="en-GB" sz="2400" b="1" dirty="0"/>
+              <a:t>      {</a:t>
+            </a:r>
+          </a:p>
+          <a:p>
+            <a:pPr marL="274320" lvl="1" indent="0">
+              <a:buNone/>
+            </a:pPr>
+            <a:r>
+              <a:rPr lang="en-GB" sz="2400" b="1" dirty="0"/>
+              <a:t>         "</a:t>
+            </a:r>
+            <a:r>
+              <a:rPr lang="en-GB" sz="2400" b="1" dirty="0" err="1"/>
+              <a:t>circuit":"Monaco</a:t>
+            </a:r>
+            <a:r>
+              <a:rPr lang="en-GB" sz="2400" b="1" dirty="0"/>
+              <a:t>",</a:t>
+            </a:r>
+          </a:p>
+          <a:p>
+            <a:pPr marL="274320" lvl="1" indent="0">
+              <a:buNone/>
+            </a:pPr>
+            <a:r>
+              <a:rPr lang="en-GB" sz="2400" b="1" dirty="0"/>
+              <a:t>         "</a:t>
+            </a:r>
+            <a:r>
+              <a:rPr lang="en-GB" sz="2400" b="1" dirty="0" err="1"/>
+              <a:t>pointsystem</a:t>
+            </a:r>
+            <a:r>
+              <a:rPr lang="en-GB" sz="2400" b="1" dirty="0"/>
+              <a:t>":[</a:t>
+            </a:r>
+          </a:p>
+          <a:p>
+            <a:pPr marL="274320" lvl="1" indent="0">
+              <a:buNone/>
+            </a:pPr>
+            <a:r>
+              <a:rPr lang="en-GB" sz="2400" b="1" dirty="0"/>
+              <a:t>            {</a:t>
+            </a:r>
+          </a:p>
+          <a:p>
+            <a:pPr marL="274320" lvl="1" indent="0">
+              <a:buNone/>
+            </a:pPr>
+            <a:r>
+              <a:rPr lang="en-GB" sz="2400" b="1" dirty="0"/>
+              <a:t>               "firstplace":25,</a:t>
+            </a:r>
+          </a:p>
+          <a:p>
+            <a:pPr marL="274320" lvl="1" indent="0">
+              <a:buNone/>
+            </a:pPr>
+            <a:r>
+              <a:rPr lang="en-GB" sz="2400" b="1" dirty="0"/>
+              <a:t>               "secondplace":18,</a:t>
+            </a:r>
+          </a:p>
+          <a:p>
+            <a:pPr marL="274320" lvl="1" indent="0">
+              <a:buNone/>
+            </a:pPr>
+            <a:r>
+              <a:rPr lang="en-GB" sz="2400" b="1" dirty="0"/>
+              <a:t>               "thirdplace":15</a:t>
+            </a:r>
+          </a:p>
+          <a:p>
+            <a:pPr marL="274320" lvl="1" indent="0">
+              <a:buNone/>
+            </a:pPr>
+            <a:r>
+              <a:rPr lang="en-GB" sz="2400" b="1" dirty="0"/>
+              <a:t>            }</a:t>
+            </a:r>
+          </a:p>
+          <a:p>
+            <a:pPr marL="274320" lvl="1" indent="0">
+              <a:buNone/>
+            </a:pPr>
+            <a:r>
+              <a:rPr lang="en-GB" sz="2400" b="1" dirty="0"/>
+              <a:t>         ],</a:t>
+            </a:r>
+          </a:p>
+          <a:p>
+            <a:pPr marL="274320" lvl="1" indent="0">
+              <a:buNone/>
+            </a:pPr>
+            <a:r>
+              <a:rPr lang="en-GB" sz="2400" b="1" dirty="0"/>
+              <a:t>         "teams":11</a:t>
+            </a:r>
+          </a:p>
+          <a:p>
+            <a:pPr marL="274320" lvl="1" indent="0">
+              <a:buNone/>
+            </a:pPr>
+            <a:r>
+              <a:rPr lang="en-GB" sz="2400" b="1" dirty="0"/>
+              <a:t>      }</a:t>
+            </a:r>
+          </a:p>
+          <a:p>
+            <a:pPr marL="274320" lvl="1" indent="0">
+              <a:buNone/>
+            </a:pPr>
+            <a:r>
+              <a:rPr lang="en-GB" sz="2400" b="1" dirty="0"/>
+              <a:t>   ]</a:t>
+            </a:r>
+          </a:p>
+          <a:p>
+            <a:pPr marL="274320" lvl="1" indent="0">
+              <a:buNone/>
+            </a:pPr>
+            <a:r>
+              <a:rPr lang="en-GB" sz="2400" b="1" dirty="0"/>
+              <a:t>}</a:t>
+            </a:r>
+            <a:endParaRPr lang="en-GB" dirty="0"/>
+          </a:p>
+          <a:p>
+            <a:pPr marL="457200" lvl="1" indent="0">
+              <a:buNone/>
+            </a:pPr>
+            <a:endParaRPr lang="en-GB" dirty="0"/>
+          </a:p>
+          <a:p>
+            <a:pPr lvl="1"/>
+            <a:endParaRPr lang="en-US" sz="1800" dirty="0"/>
+          </a:p>
+        </p:txBody>
+      </p:sp>
+      <p:sp>
+        <p:nvSpPr>
+          <p:cNvPr id="2" name="TextBox 1"/>
+          <p:cNvSpPr txBox="1"/>
+          <p:nvPr/>
+        </p:nvSpPr>
+        <p:spPr>
+          <a:xfrm>
+            <a:off x="3581400" y="2362200"/>
+            <a:ext cx="4495800" cy="2616101"/>
+          </a:xfrm>
+          <a:prstGeom prst="rect">
+            <a:avLst/>
+          </a:prstGeom>
+          <a:noFill/>
+          <a:ln>
+            <a:solidFill>
+              <a:srgbClr val="E31B85"/>
+            </a:solidFill>
+          </a:ln>
+        </p:spPr>
+        <p:txBody>
+          <a:bodyPr wrap="square" rtlCol="0">
+            <a:spAutoFit/>
+          </a:bodyPr>
+          <a:lstStyle/>
+          <a:p>
+            <a:r>
+              <a:rPr lang="en-GB" sz="3200" dirty="0"/>
+              <a:t>Example of a JSON file</a:t>
+            </a:r>
+          </a:p>
+          <a:p>
+            <a:endParaRPr lang="en-GB" sz="3200" dirty="0"/>
+          </a:p>
+          <a:p>
+            <a:r>
+              <a:rPr lang="en-GB" sz="2000" i="1" dirty="0"/>
+              <a:t>You should avoid using functions in JSON, the functions will lose their scope, and you would have to use </a:t>
+            </a:r>
+            <a:r>
+              <a:rPr lang="en-GB" sz="2000" i="1" dirty="0" err="1"/>
+              <a:t>eval</a:t>
+            </a:r>
+            <a:r>
+              <a:rPr lang="en-GB" sz="2000" i="1" dirty="0"/>
+              <a:t>() to convert them back into functions</a:t>
+            </a:r>
+          </a:p>
+        </p:txBody>
+      </p:sp>
+    </p:spTree>
+    <p:extLst>
+      <p:ext uri="{BB962C8B-B14F-4D97-AF65-F5344CB8AC3E}">
+        <p14:creationId xmlns:p14="http://schemas.microsoft.com/office/powerpoint/2010/main" val="2325289067"/>
+      </p:ext>
+    </p:extLst>
+  </p:cSld>
+  <p:clrMapOvr>
+    <a:masterClrMapping/>
+  </p:clrMapOvr>
+  <mc:AlternateContent xmlns:mc="http://schemas.openxmlformats.org/markup-compatibility/2006" xmlns:p15="http://schemas.microsoft.com/office/powerpoint/2012/main">
+    <mc:Choice Requires="p15">
+      <p:transition xmlns:p14="http://schemas.microsoft.com/office/powerpoint/2010/main" spd="slow" p14:dur="2000">
+        <p15:prstTrans prst="crush"/>
+      </p:transition>
+    </mc:Choice>
+    <mc:Fallback xmlns="">
+      <p:transition spd="slow">
+        <p:fade/>
+      </p:transition>
+    </mc:Fallback>
+  </mc:AlternateContent>
+  <p:timing>
+    <p:tnLst>
+      <p:par>
+        <p:cTn id="1" dur="indefinite" restart="never" nodeType="tmRoot">
+          <p:childTnLst>
+            <p:seq concurrent="1" nextAc="seek">
+              <p:cTn id="2" dur="indefinite" nodeType="mainSeq">
+                <p:childTnLst>
+                  <p:par>
+                    <p:cTn id="3" fill="hold">
+                      <p:stCondLst>
+                        <p:cond delay="indefinite"/>
+                      </p:stCondLst>
+                      <p:childTnLst>
+                        <p:par>
+                          <p:cTn id="4" fill="hold">
+                            <p:stCondLst>
+                              <p:cond delay="0"/>
+                            </p:stCondLst>
+                            <p:childTnLst>
+                              <p:par>
+                                <p:cTn id="5" presetID="2" presetClass="entr" presetSubtype="4" fill="hold" nodeType="clickEffect">
+                                  <p:stCondLst>
+                                    <p:cond delay="0"/>
+                                  </p:stCondLst>
+                                  <p:childTnLst>
+                                    <p:set>
+                                      <p:cBhvr>
+                                        <p:cTn id="6" dur="1" fill="hold">
+                                          <p:stCondLst>
+                                            <p:cond delay="0"/>
+                                          </p:stCondLst>
+                                        </p:cTn>
+                                        <p:tgtEl>
+                                          <p:spTgt spid="7">
+                                            <p:txEl>
+                                              <p:pRg st="0" end="0"/>
+                                            </p:txEl>
+                                          </p:spTgt>
+                                        </p:tgtEl>
+                                        <p:attrNameLst>
+                                          <p:attrName>style.visibility</p:attrName>
+                                        </p:attrNameLst>
+                                      </p:cBhvr>
+                                      <p:to>
+                                        <p:strVal val="visible"/>
+                                      </p:to>
+                                    </p:set>
+                                    <p:anim calcmode="lin" valueType="num">
+                                      <p:cBhvr additive="base">
+                                        <p:cTn id="7" dur="500" fill="hold"/>
+                                        <p:tgtEl>
+                                          <p:spTgt spid="7">
+                                            <p:txEl>
+                                              <p:pRg st="0" end="0"/>
+                                            </p:txEl>
+                                          </p:spTgt>
+                                        </p:tgtEl>
+                                        <p:attrNameLst>
+                                          <p:attrName>ppt_x</p:attrName>
+                                        </p:attrNameLst>
+                                      </p:cBhvr>
+                                      <p:tavLst>
+                                        <p:tav tm="0">
+                                          <p:val>
+                                            <p:strVal val="#ppt_x"/>
+                                          </p:val>
+                                        </p:tav>
+                                        <p:tav tm="100000">
+                                          <p:val>
+                                            <p:strVal val="#ppt_x"/>
+                                          </p:val>
+                                        </p:tav>
+                                      </p:tavLst>
+                                    </p:anim>
+                                    <p:anim calcmode="lin" valueType="num">
+                                      <p:cBhvr additive="base">
+                                        <p:cTn id="8" dur="500" fill="hold"/>
+                                        <p:tgtEl>
+                                          <p:spTgt spid="7">
+                                            <p:txEl>
+                                              <p:pRg st="0" end="0"/>
+                                            </p:txEl>
+                                          </p:spTgt>
+                                        </p:tgtEl>
+                                        <p:attrNameLst>
+                                          <p:attrName>ppt_y</p:attrName>
+                                        </p:attrNameLst>
+                                      </p:cBhvr>
+                                      <p:tavLst>
+                                        <p:tav tm="0">
+                                          <p:val>
+                                            <p:strVal val="1+#ppt_h/2"/>
+                                          </p:val>
+                                        </p:tav>
+                                        <p:tav tm="100000">
+                                          <p:val>
+                                            <p:strVal val="#ppt_y"/>
+                                          </p:val>
+                                        </p:tav>
+                                      </p:tavLst>
+                                    </p:anim>
+                                  </p:childTnLst>
+                                </p:cTn>
+                              </p:par>
+                              <p:par>
+                                <p:cTn id="9" presetID="2" presetClass="entr" presetSubtype="4" fill="hold" nodeType="withEffect">
+                                  <p:stCondLst>
+                                    <p:cond delay="0"/>
+                                  </p:stCondLst>
+                                  <p:childTnLst>
+                                    <p:set>
+                                      <p:cBhvr>
+                                        <p:cTn id="10" dur="1" fill="hold">
+                                          <p:stCondLst>
+                                            <p:cond delay="0"/>
+                                          </p:stCondLst>
+                                        </p:cTn>
+                                        <p:tgtEl>
+                                          <p:spTgt spid="7">
+                                            <p:txEl>
+                                              <p:pRg st="1" end="1"/>
+                                            </p:txEl>
+                                          </p:spTgt>
+                                        </p:tgtEl>
+                                        <p:attrNameLst>
+                                          <p:attrName>style.visibility</p:attrName>
+                                        </p:attrNameLst>
+                                      </p:cBhvr>
+                                      <p:to>
+                                        <p:strVal val="visible"/>
+                                      </p:to>
+                                    </p:set>
+                                    <p:anim calcmode="lin" valueType="num">
+                                      <p:cBhvr additive="base">
+                                        <p:cTn id="11" dur="500" fill="hold"/>
+                                        <p:tgtEl>
+                                          <p:spTgt spid="7">
+                                            <p:txEl>
+                                              <p:pRg st="1" end="1"/>
+                                            </p:txEl>
+                                          </p:spTgt>
+                                        </p:tgtEl>
+                                        <p:attrNameLst>
+                                          <p:attrName>ppt_x</p:attrName>
+                                        </p:attrNameLst>
+                                      </p:cBhvr>
+                                      <p:tavLst>
+                                        <p:tav tm="0">
+                                          <p:val>
+                                            <p:strVal val="#ppt_x"/>
+                                          </p:val>
+                                        </p:tav>
+                                        <p:tav tm="100000">
+                                          <p:val>
+                                            <p:strVal val="#ppt_x"/>
+                                          </p:val>
+                                        </p:tav>
+                                      </p:tavLst>
+                                    </p:anim>
+                                    <p:anim calcmode="lin" valueType="num">
+                                      <p:cBhvr additive="base">
+                                        <p:cTn id="12" dur="500" fill="hold"/>
+                                        <p:tgtEl>
+                                          <p:spTgt spid="7">
+                                            <p:txEl>
+                                              <p:pRg st="1" end="1"/>
+                                            </p:txEl>
+                                          </p:spTgt>
+                                        </p:tgtEl>
+                                        <p:attrNameLst>
+                                          <p:attrName>ppt_y</p:attrName>
+                                        </p:attrNameLst>
+                                      </p:cBhvr>
+                                      <p:tavLst>
+                                        <p:tav tm="0">
+                                          <p:val>
+                                            <p:strVal val="1+#ppt_h/2"/>
+                                          </p:val>
+                                        </p:tav>
+                                        <p:tav tm="100000">
+                                          <p:val>
+                                            <p:strVal val="#ppt_y"/>
+                                          </p:val>
+                                        </p:tav>
+                                      </p:tavLst>
+                                    </p:anim>
+                                  </p:childTnLst>
+                                </p:cTn>
+                              </p:par>
+                              <p:par>
+                                <p:cTn id="13" presetID="2" presetClass="entr" presetSubtype="4" fill="hold" nodeType="withEffect">
+                                  <p:stCondLst>
+                                    <p:cond delay="0"/>
+                                  </p:stCondLst>
+                                  <p:childTnLst>
+                                    <p:set>
+                                      <p:cBhvr>
+                                        <p:cTn id="14" dur="1" fill="hold">
+                                          <p:stCondLst>
+                                            <p:cond delay="0"/>
+                                          </p:stCondLst>
+                                        </p:cTn>
+                                        <p:tgtEl>
+                                          <p:spTgt spid="7">
+                                            <p:txEl>
+                                              <p:pRg st="2" end="2"/>
+                                            </p:txEl>
+                                          </p:spTgt>
+                                        </p:tgtEl>
+                                        <p:attrNameLst>
+                                          <p:attrName>style.visibility</p:attrName>
+                                        </p:attrNameLst>
+                                      </p:cBhvr>
+                                      <p:to>
+                                        <p:strVal val="visible"/>
+                                      </p:to>
+                                    </p:set>
+                                    <p:anim calcmode="lin" valueType="num">
+                                      <p:cBhvr additive="base">
+                                        <p:cTn id="15" dur="500" fill="hold"/>
+                                        <p:tgtEl>
+                                          <p:spTgt spid="7">
+                                            <p:txEl>
+                                              <p:pRg st="2" end="2"/>
+                                            </p:txEl>
+                                          </p:spTgt>
+                                        </p:tgtEl>
+                                        <p:attrNameLst>
+                                          <p:attrName>ppt_x</p:attrName>
+                                        </p:attrNameLst>
+                                      </p:cBhvr>
+                                      <p:tavLst>
+                                        <p:tav tm="0">
+                                          <p:val>
+                                            <p:strVal val="#ppt_x"/>
+                                          </p:val>
+                                        </p:tav>
+                                        <p:tav tm="100000">
+                                          <p:val>
+                                            <p:strVal val="#ppt_x"/>
+                                          </p:val>
+                                        </p:tav>
+                                      </p:tavLst>
+                                    </p:anim>
+                                    <p:anim calcmode="lin" valueType="num">
+                                      <p:cBhvr additive="base">
+                                        <p:cTn id="16" dur="500" fill="hold"/>
+                                        <p:tgtEl>
+                                          <p:spTgt spid="7">
+                                            <p:txEl>
+                                              <p:pRg st="2" end="2"/>
+                                            </p:txEl>
+                                          </p:spTgt>
+                                        </p:tgtEl>
+                                        <p:attrNameLst>
+                                          <p:attrName>ppt_y</p:attrName>
+                                        </p:attrNameLst>
+                                      </p:cBhvr>
+                                      <p:tavLst>
+                                        <p:tav tm="0">
+                                          <p:val>
+                                            <p:strVal val="1+#ppt_h/2"/>
+                                          </p:val>
+                                        </p:tav>
+                                        <p:tav tm="100000">
+                                          <p:val>
+                                            <p:strVal val="#ppt_y"/>
+                                          </p:val>
+                                        </p:tav>
+                                      </p:tavLst>
+                                    </p:anim>
+                                  </p:childTnLst>
+                                </p:cTn>
+                              </p:par>
+                              <p:par>
+                                <p:cTn id="17" presetID="2" presetClass="entr" presetSubtype="4" fill="hold" nodeType="withEffect">
+                                  <p:stCondLst>
+                                    <p:cond delay="0"/>
+                                  </p:stCondLst>
+                                  <p:childTnLst>
+                                    <p:set>
+                                      <p:cBhvr>
+                                        <p:cTn id="18" dur="1" fill="hold">
+                                          <p:stCondLst>
+                                            <p:cond delay="0"/>
+                                          </p:stCondLst>
+                                        </p:cTn>
+                                        <p:tgtEl>
+                                          <p:spTgt spid="7">
+                                            <p:txEl>
+                                              <p:pRg st="3" end="3"/>
+                                            </p:txEl>
+                                          </p:spTgt>
+                                        </p:tgtEl>
+                                        <p:attrNameLst>
+                                          <p:attrName>style.visibility</p:attrName>
+                                        </p:attrNameLst>
+                                      </p:cBhvr>
+                                      <p:to>
+                                        <p:strVal val="visible"/>
+                                      </p:to>
+                                    </p:set>
+                                    <p:anim calcmode="lin" valueType="num">
+                                      <p:cBhvr additive="base">
+                                        <p:cTn id="19" dur="500" fill="hold"/>
+                                        <p:tgtEl>
+                                          <p:spTgt spid="7">
+                                            <p:txEl>
+                                              <p:pRg st="3" end="3"/>
+                                            </p:txEl>
+                                          </p:spTgt>
+                                        </p:tgtEl>
+                                        <p:attrNameLst>
+                                          <p:attrName>ppt_x</p:attrName>
+                                        </p:attrNameLst>
+                                      </p:cBhvr>
+                                      <p:tavLst>
+                                        <p:tav tm="0">
+                                          <p:val>
+                                            <p:strVal val="#ppt_x"/>
+                                          </p:val>
+                                        </p:tav>
+                                        <p:tav tm="100000">
+                                          <p:val>
+                                            <p:strVal val="#ppt_x"/>
+                                          </p:val>
+                                        </p:tav>
+                                      </p:tavLst>
+                                    </p:anim>
+                                    <p:anim calcmode="lin" valueType="num">
+                                      <p:cBhvr additive="base">
+                                        <p:cTn id="20" dur="500" fill="hold"/>
+                                        <p:tgtEl>
+                                          <p:spTgt spid="7">
+                                            <p:txEl>
+                                              <p:pRg st="3" end="3"/>
+                                            </p:txEl>
+                                          </p:spTgt>
+                                        </p:tgtEl>
+                                        <p:attrNameLst>
+                                          <p:attrName>ppt_y</p:attrName>
+                                        </p:attrNameLst>
+                                      </p:cBhvr>
+                                      <p:tavLst>
+                                        <p:tav tm="0">
+                                          <p:val>
+                                            <p:strVal val="1+#ppt_h/2"/>
+                                          </p:val>
+                                        </p:tav>
+                                        <p:tav tm="100000">
+                                          <p:val>
+                                            <p:strVal val="#ppt_y"/>
+                                          </p:val>
+                                        </p:tav>
+                                      </p:tavLst>
+                                    </p:anim>
+                                  </p:childTnLst>
+                                </p:cTn>
+                              </p:par>
+                              <p:par>
+                                <p:cTn id="21" presetID="2" presetClass="entr" presetSubtype="4" fill="hold" nodeType="withEffect">
+                                  <p:stCondLst>
+                                    <p:cond delay="0"/>
+                                  </p:stCondLst>
+                                  <p:childTnLst>
+                                    <p:set>
+                                      <p:cBhvr>
+                                        <p:cTn id="22" dur="1" fill="hold">
+                                          <p:stCondLst>
+                                            <p:cond delay="0"/>
+                                          </p:stCondLst>
+                                        </p:cTn>
+                                        <p:tgtEl>
+                                          <p:spTgt spid="7">
+                                            <p:txEl>
+                                              <p:pRg st="4" end="4"/>
+                                            </p:txEl>
+                                          </p:spTgt>
+                                        </p:tgtEl>
+                                        <p:attrNameLst>
+                                          <p:attrName>style.visibility</p:attrName>
+                                        </p:attrNameLst>
+                                      </p:cBhvr>
+                                      <p:to>
+                                        <p:strVal val="visible"/>
+                                      </p:to>
+                                    </p:set>
+                                    <p:anim calcmode="lin" valueType="num">
+                                      <p:cBhvr additive="base">
+                                        <p:cTn id="23" dur="500" fill="hold"/>
+                                        <p:tgtEl>
+                                          <p:spTgt spid="7">
+                                            <p:txEl>
+                                              <p:pRg st="4" end="4"/>
+                                            </p:txEl>
+                                          </p:spTgt>
+                                        </p:tgtEl>
+                                        <p:attrNameLst>
+                                          <p:attrName>ppt_x</p:attrName>
+                                        </p:attrNameLst>
+                                      </p:cBhvr>
+                                      <p:tavLst>
+                                        <p:tav tm="0">
+                                          <p:val>
+                                            <p:strVal val="#ppt_x"/>
+                                          </p:val>
+                                        </p:tav>
+                                        <p:tav tm="100000">
+                                          <p:val>
+                                            <p:strVal val="#ppt_x"/>
+                                          </p:val>
+                                        </p:tav>
+                                      </p:tavLst>
+                                    </p:anim>
+                                    <p:anim calcmode="lin" valueType="num">
+                                      <p:cBhvr additive="base">
+                                        <p:cTn id="24" dur="500" fill="hold"/>
+                                        <p:tgtEl>
+                                          <p:spTgt spid="7">
+                                            <p:txEl>
+                                              <p:pRg st="4" end="4"/>
+                                            </p:txEl>
+                                          </p:spTgt>
+                                        </p:tgtEl>
+                                        <p:attrNameLst>
+                                          <p:attrName>ppt_y</p:attrName>
+                                        </p:attrNameLst>
+                                      </p:cBhvr>
+                                      <p:tavLst>
+                                        <p:tav tm="0">
+                                          <p:val>
+                                            <p:strVal val="1+#ppt_h/2"/>
+                                          </p:val>
+                                        </p:tav>
+                                        <p:tav tm="100000">
+                                          <p:val>
+                                            <p:strVal val="#ppt_y"/>
+                                          </p:val>
+                                        </p:tav>
+                                      </p:tavLst>
+                                    </p:anim>
+                                  </p:childTnLst>
+                                </p:cTn>
+                              </p:par>
+                              <p:par>
+                                <p:cTn id="25" presetID="2" presetClass="entr" presetSubtype="4" fill="hold" nodeType="withEffect">
+                                  <p:stCondLst>
+                                    <p:cond delay="0"/>
+                                  </p:stCondLst>
+                                  <p:childTnLst>
+                                    <p:set>
+                                      <p:cBhvr>
+                                        <p:cTn id="26" dur="1" fill="hold">
+                                          <p:stCondLst>
+                                            <p:cond delay="0"/>
+                                          </p:stCondLst>
+                                        </p:cTn>
+                                        <p:tgtEl>
+                                          <p:spTgt spid="7">
+                                            <p:txEl>
+                                              <p:pRg st="5" end="5"/>
+                                            </p:txEl>
+                                          </p:spTgt>
+                                        </p:tgtEl>
+                                        <p:attrNameLst>
+                                          <p:attrName>style.visibility</p:attrName>
+                                        </p:attrNameLst>
+                                      </p:cBhvr>
+                                      <p:to>
+                                        <p:strVal val="visible"/>
+                                      </p:to>
+                                    </p:set>
+                                    <p:anim calcmode="lin" valueType="num">
+                                      <p:cBhvr additive="base">
+                                        <p:cTn id="27" dur="500" fill="hold"/>
+                                        <p:tgtEl>
+                                          <p:spTgt spid="7">
+                                            <p:txEl>
+                                              <p:pRg st="5" end="5"/>
+                                            </p:txEl>
+                                          </p:spTgt>
+                                        </p:tgtEl>
+                                        <p:attrNameLst>
+                                          <p:attrName>ppt_x</p:attrName>
+                                        </p:attrNameLst>
+                                      </p:cBhvr>
+                                      <p:tavLst>
+                                        <p:tav tm="0">
+                                          <p:val>
+                                            <p:strVal val="#ppt_x"/>
+                                          </p:val>
+                                        </p:tav>
+                                        <p:tav tm="100000">
+                                          <p:val>
+                                            <p:strVal val="#ppt_x"/>
+                                          </p:val>
+                                        </p:tav>
+                                      </p:tavLst>
+                                    </p:anim>
+                                    <p:anim calcmode="lin" valueType="num">
+                                      <p:cBhvr additive="base">
+                                        <p:cTn id="28" dur="500" fill="hold"/>
+                                        <p:tgtEl>
+                                          <p:spTgt spid="7">
+                                            <p:txEl>
+                                              <p:pRg st="5" end="5"/>
+                                            </p:txEl>
+                                          </p:spTgt>
+                                        </p:tgtEl>
+                                        <p:attrNameLst>
+                                          <p:attrName>ppt_y</p:attrName>
+                                        </p:attrNameLst>
+                                      </p:cBhvr>
+                                      <p:tavLst>
+                                        <p:tav tm="0">
+                                          <p:val>
+                                            <p:strVal val="1+#ppt_h/2"/>
+                                          </p:val>
+                                        </p:tav>
+                                        <p:tav tm="100000">
+                                          <p:val>
+                                            <p:strVal val="#ppt_y"/>
+                                          </p:val>
+                                        </p:tav>
+                                      </p:tavLst>
+                                    </p:anim>
+                                  </p:childTnLst>
+                                </p:cTn>
+                              </p:par>
+                              <p:par>
+                                <p:cTn id="29" presetID="2" presetClass="entr" presetSubtype="4" fill="hold" nodeType="withEffect">
+                                  <p:stCondLst>
+                                    <p:cond delay="0"/>
+                                  </p:stCondLst>
+                                  <p:childTnLst>
+                                    <p:set>
+                                      <p:cBhvr>
+                                        <p:cTn id="30" dur="1" fill="hold">
+                                          <p:stCondLst>
+                                            <p:cond delay="0"/>
+                                          </p:stCondLst>
+                                        </p:cTn>
+                                        <p:tgtEl>
+                                          <p:spTgt spid="7">
+                                            <p:txEl>
+                                              <p:pRg st="6" end="6"/>
+                                            </p:txEl>
+                                          </p:spTgt>
+                                        </p:tgtEl>
+                                        <p:attrNameLst>
+                                          <p:attrName>style.visibility</p:attrName>
+                                        </p:attrNameLst>
+                                      </p:cBhvr>
+                                      <p:to>
+                                        <p:strVal val="visible"/>
+                                      </p:to>
+                                    </p:set>
+                                    <p:anim calcmode="lin" valueType="num">
+                                      <p:cBhvr additive="base">
+                                        <p:cTn id="31" dur="500" fill="hold"/>
+                                        <p:tgtEl>
+                                          <p:spTgt spid="7">
+                                            <p:txEl>
+                                              <p:pRg st="6" end="6"/>
+                                            </p:txEl>
+                                          </p:spTgt>
+                                        </p:tgtEl>
+                                        <p:attrNameLst>
+                                          <p:attrName>ppt_x</p:attrName>
+                                        </p:attrNameLst>
+                                      </p:cBhvr>
+                                      <p:tavLst>
+                                        <p:tav tm="0">
+                                          <p:val>
+                                            <p:strVal val="#ppt_x"/>
+                                          </p:val>
+                                        </p:tav>
+                                        <p:tav tm="100000">
+                                          <p:val>
+                                            <p:strVal val="#ppt_x"/>
+                                          </p:val>
+                                        </p:tav>
+                                      </p:tavLst>
+                                    </p:anim>
+                                    <p:anim calcmode="lin" valueType="num">
+                                      <p:cBhvr additive="base">
+                                        <p:cTn id="32" dur="500" fill="hold"/>
+                                        <p:tgtEl>
+                                          <p:spTgt spid="7">
+                                            <p:txEl>
+                                              <p:pRg st="6" end="6"/>
+                                            </p:txEl>
+                                          </p:spTgt>
+                                        </p:tgtEl>
+                                        <p:attrNameLst>
+                                          <p:attrName>ppt_y</p:attrName>
+                                        </p:attrNameLst>
+                                      </p:cBhvr>
+                                      <p:tavLst>
+                                        <p:tav tm="0">
+                                          <p:val>
+                                            <p:strVal val="1+#ppt_h/2"/>
+                                          </p:val>
+                                        </p:tav>
+                                        <p:tav tm="100000">
+                                          <p:val>
+                                            <p:strVal val="#ppt_y"/>
+                                          </p:val>
+                                        </p:tav>
+                                      </p:tavLst>
+                                    </p:anim>
+                                  </p:childTnLst>
+                                </p:cTn>
+                              </p:par>
+                              <p:par>
+                                <p:cTn id="33" presetID="2" presetClass="entr" presetSubtype="4" fill="hold" nodeType="withEffect">
+                                  <p:stCondLst>
+                                    <p:cond delay="0"/>
+                                  </p:stCondLst>
+                                  <p:childTnLst>
+                                    <p:set>
+                                      <p:cBhvr>
+                                        <p:cTn id="34" dur="1" fill="hold">
+                                          <p:stCondLst>
+                                            <p:cond delay="0"/>
+                                          </p:stCondLst>
+                                        </p:cTn>
+                                        <p:tgtEl>
+                                          <p:spTgt spid="7">
+                                            <p:txEl>
+                                              <p:pRg st="7" end="7"/>
+                                            </p:txEl>
+                                          </p:spTgt>
+                                        </p:tgtEl>
+                                        <p:attrNameLst>
+                                          <p:attrName>style.visibility</p:attrName>
+                                        </p:attrNameLst>
+                                      </p:cBhvr>
+                                      <p:to>
+                                        <p:strVal val="visible"/>
+                                      </p:to>
+                                    </p:set>
+                                    <p:anim calcmode="lin" valueType="num">
+                                      <p:cBhvr additive="base">
+                                        <p:cTn id="35" dur="500" fill="hold"/>
+                                        <p:tgtEl>
+                                          <p:spTgt spid="7">
+                                            <p:txEl>
+                                              <p:pRg st="7" end="7"/>
+                                            </p:txEl>
+                                          </p:spTgt>
+                                        </p:tgtEl>
+                                        <p:attrNameLst>
+                                          <p:attrName>ppt_x</p:attrName>
+                                        </p:attrNameLst>
+                                      </p:cBhvr>
+                                      <p:tavLst>
+                                        <p:tav tm="0">
+                                          <p:val>
+                                            <p:strVal val="#ppt_x"/>
+                                          </p:val>
+                                        </p:tav>
+                                        <p:tav tm="100000">
+                                          <p:val>
+                                            <p:strVal val="#ppt_x"/>
+                                          </p:val>
+                                        </p:tav>
+                                      </p:tavLst>
+                                    </p:anim>
+                                    <p:anim calcmode="lin" valueType="num">
+                                      <p:cBhvr additive="base">
+                                        <p:cTn id="36" dur="500" fill="hold"/>
+                                        <p:tgtEl>
+                                          <p:spTgt spid="7">
+                                            <p:txEl>
+                                              <p:pRg st="7" end="7"/>
+                                            </p:txEl>
+                                          </p:spTgt>
+                                        </p:tgtEl>
+                                        <p:attrNameLst>
+                                          <p:attrName>ppt_y</p:attrName>
+                                        </p:attrNameLst>
+                                      </p:cBhvr>
+                                      <p:tavLst>
+                                        <p:tav tm="0">
+                                          <p:val>
+                                            <p:strVal val="1+#ppt_h/2"/>
+                                          </p:val>
+                                        </p:tav>
+                                        <p:tav tm="100000">
+                                          <p:val>
+                                            <p:strVal val="#ppt_y"/>
+                                          </p:val>
+                                        </p:tav>
+                                      </p:tavLst>
+                                    </p:anim>
+                                  </p:childTnLst>
+                                </p:cTn>
+                              </p:par>
+                              <p:par>
+                                <p:cTn id="37" presetID="2" presetClass="entr" presetSubtype="4" fill="hold" nodeType="withEffect">
+                                  <p:stCondLst>
+                                    <p:cond delay="0"/>
+                                  </p:stCondLst>
+                                  <p:childTnLst>
+                                    <p:set>
+                                      <p:cBhvr>
+                                        <p:cTn id="38" dur="1" fill="hold">
+                                          <p:stCondLst>
+                                            <p:cond delay="0"/>
+                                          </p:stCondLst>
+                                        </p:cTn>
+                                        <p:tgtEl>
+                                          <p:spTgt spid="7">
+                                            <p:txEl>
+                                              <p:pRg st="8" end="8"/>
+                                            </p:txEl>
+                                          </p:spTgt>
+                                        </p:tgtEl>
+                                        <p:attrNameLst>
+                                          <p:attrName>style.visibility</p:attrName>
+                                        </p:attrNameLst>
+                                      </p:cBhvr>
+                                      <p:to>
+                                        <p:strVal val="visible"/>
+                                      </p:to>
+                                    </p:set>
+                                    <p:anim calcmode="lin" valueType="num">
+                                      <p:cBhvr additive="base">
+                                        <p:cTn id="39" dur="500" fill="hold"/>
+                                        <p:tgtEl>
+                                          <p:spTgt spid="7">
+                                            <p:txEl>
+                                              <p:pRg st="8" end="8"/>
+                                            </p:txEl>
+                                          </p:spTgt>
+                                        </p:tgtEl>
+                                        <p:attrNameLst>
+                                          <p:attrName>ppt_x</p:attrName>
+                                        </p:attrNameLst>
+                                      </p:cBhvr>
+                                      <p:tavLst>
+                                        <p:tav tm="0">
+                                          <p:val>
+                                            <p:strVal val="#ppt_x"/>
+                                          </p:val>
+                                        </p:tav>
+                                        <p:tav tm="100000">
+                                          <p:val>
+                                            <p:strVal val="#ppt_x"/>
+                                          </p:val>
+                                        </p:tav>
+                                      </p:tavLst>
+                                    </p:anim>
+                                    <p:anim calcmode="lin" valueType="num">
+                                      <p:cBhvr additive="base">
+                                        <p:cTn id="40" dur="500" fill="hold"/>
+                                        <p:tgtEl>
+                                          <p:spTgt spid="7">
+                                            <p:txEl>
+                                              <p:pRg st="8" end="8"/>
+                                            </p:txEl>
+                                          </p:spTgt>
+                                        </p:tgtEl>
+                                        <p:attrNameLst>
+                                          <p:attrName>ppt_y</p:attrName>
+                                        </p:attrNameLst>
+                                      </p:cBhvr>
+                                      <p:tavLst>
+                                        <p:tav tm="0">
+                                          <p:val>
+                                            <p:strVal val="1+#ppt_h/2"/>
+                                          </p:val>
+                                        </p:tav>
+                                        <p:tav tm="100000">
+                                          <p:val>
+                                            <p:strVal val="#ppt_y"/>
+                                          </p:val>
+                                        </p:tav>
+                                      </p:tavLst>
+                                    </p:anim>
+                                  </p:childTnLst>
+                                </p:cTn>
+                              </p:par>
+                              <p:par>
+                                <p:cTn id="41" presetID="2" presetClass="entr" presetSubtype="4" fill="hold" nodeType="withEffect">
+                                  <p:stCondLst>
+                                    <p:cond delay="0"/>
+                                  </p:stCondLst>
+                                  <p:childTnLst>
+                                    <p:set>
+                                      <p:cBhvr>
+                                        <p:cTn id="42" dur="1" fill="hold">
+                                          <p:stCondLst>
+                                            <p:cond delay="0"/>
+                                          </p:stCondLst>
+                                        </p:cTn>
+                                        <p:tgtEl>
+                                          <p:spTgt spid="7">
+                                            <p:txEl>
+                                              <p:pRg st="9" end="9"/>
+                                            </p:txEl>
+                                          </p:spTgt>
+                                        </p:tgtEl>
+                                        <p:attrNameLst>
+                                          <p:attrName>style.visibility</p:attrName>
+                                        </p:attrNameLst>
+                                      </p:cBhvr>
+                                      <p:to>
+                                        <p:strVal val="visible"/>
+                                      </p:to>
+                                    </p:set>
+                                    <p:anim calcmode="lin" valueType="num">
+                                      <p:cBhvr additive="base">
+                                        <p:cTn id="43" dur="500" fill="hold"/>
+                                        <p:tgtEl>
+                                          <p:spTgt spid="7">
+                                            <p:txEl>
+                                              <p:pRg st="9" end="9"/>
+                                            </p:txEl>
+                                          </p:spTgt>
+                                        </p:tgtEl>
+                                        <p:attrNameLst>
+                                          <p:attrName>ppt_x</p:attrName>
+                                        </p:attrNameLst>
+                                      </p:cBhvr>
+                                      <p:tavLst>
+                                        <p:tav tm="0">
+                                          <p:val>
+                                            <p:strVal val="#ppt_x"/>
+                                          </p:val>
+                                        </p:tav>
+                                        <p:tav tm="100000">
+                                          <p:val>
+                                            <p:strVal val="#ppt_x"/>
+                                          </p:val>
+                                        </p:tav>
+                                      </p:tavLst>
+                                    </p:anim>
+                                    <p:anim calcmode="lin" valueType="num">
+                                      <p:cBhvr additive="base">
+                                        <p:cTn id="44" dur="500" fill="hold"/>
+                                        <p:tgtEl>
+                                          <p:spTgt spid="7">
+                                            <p:txEl>
+                                              <p:pRg st="9" end="9"/>
+                                            </p:txEl>
+                                          </p:spTgt>
+                                        </p:tgtEl>
+                                        <p:attrNameLst>
+                                          <p:attrName>ppt_y</p:attrName>
+                                        </p:attrNameLst>
+                                      </p:cBhvr>
+                                      <p:tavLst>
+                                        <p:tav tm="0">
+                                          <p:val>
+                                            <p:strVal val="1+#ppt_h/2"/>
+                                          </p:val>
+                                        </p:tav>
+                                        <p:tav tm="100000">
+                                          <p:val>
+                                            <p:strVal val="#ppt_y"/>
+                                          </p:val>
+                                        </p:tav>
+                                      </p:tavLst>
+                                    </p:anim>
+                                  </p:childTnLst>
+                                </p:cTn>
+                              </p:par>
+                              <p:par>
+                                <p:cTn id="45" presetID="2" presetClass="entr" presetSubtype="4" fill="hold" nodeType="withEffect">
+                                  <p:stCondLst>
+                                    <p:cond delay="0"/>
+                                  </p:stCondLst>
+                                  <p:childTnLst>
+                                    <p:set>
+                                      <p:cBhvr>
+                                        <p:cTn id="46" dur="1" fill="hold">
+                                          <p:stCondLst>
+                                            <p:cond delay="0"/>
+                                          </p:stCondLst>
+                                        </p:cTn>
+                                        <p:tgtEl>
+                                          <p:spTgt spid="7">
+                                            <p:txEl>
+                                              <p:pRg st="10" end="10"/>
+                                            </p:txEl>
+                                          </p:spTgt>
+                                        </p:tgtEl>
+                                        <p:attrNameLst>
+                                          <p:attrName>style.visibility</p:attrName>
+                                        </p:attrNameLst>
+                                      </p:cBhvr>
+                                      <p:to>
+                                        <p:strVal val="visible"/>
+                                      </p:to>
+                                    </p:set>
+                                    <p:anim calcmode="lin" valueType="num">
+                                      <p:cBhvr additive="base">
+                                        <p:cTn id="47" dur="500" fill="hold"/>
+                                        <p:tgtEl>
+                                          <p:spTgt spid="7">
+                                            <p:txEl>
+                                              <p:pRg st="10" end="10"/>
+                                            </p:txEl>
+                                          </p:spTgt>
+                                        </p:tgtEl>
+                                        <p:attrNameLst>
+                                          <p:attrName>ppt_x</p:attrName>
+                                        </p:attrNameLst>
+                                      </p:cBhvr>
+                                      <p:tavLst>
+                                        <p:tav tm="0">
+                                          <p:val>
+                                            <p:strVal val="#ppt_x"/>
+                                          </p:val>
+                                        </p:tav>
+                                        <p:tav tm="100000">
+                                          <p:val>
+                                            <p:strVal val="#ppt_x"/>
+                                          </p:val>
+                                        </p:tav>
+                                      </p:tavLst>
+                                    </p:anim>
+                                    <p:anim calcmode="lin" valueType="num">
+                                      <p:cBhvr additive="base">
+                                        <p:cTn id="48" dur="500" fill="hold"/>
+                                        <p:tgtEl>
+                                          <p:spTgt spid="7">
+                                            <p:txEl>
+                                              <p:pRg st="10" end="10"/>
+                                            </p:txEl>
+                                          </p:spTgt>
+                                        </p:tgtEl>
+                                        <p:attrNameLst>
+                                          <p:attrName>ppt_y</p:attrName>
+                                        </p:attrNameLst>
+                                      </p:cBhvr>
+                                      <p:tavLst>
+                                        <p:tav tm="0">
+                                          <p:val>
+                                            <p:strVal val="1+#ppt_h/2"/>
+                                          </p:val>
+                                        </p:tav>
+                                        <p:tav tm="100000">
+                                          <p:val>
+                                            <p:strVal val="#ppt_y"/>
+                                          </p:val>
+                                        </p:tav>
+                                      </p:tavLst>
+                                    </p:anim>
+                                  </p:childTnLst>
+                                </p:cTn>
+                              </p:par>
+                              <p:par>
+                                <p:cTn id="49" presetID="2" presetClass="entr" presetSubtype="4" fill="hold" nodeType="withEffect">
+                                  <p:stCondLst>
+                                    <p:cond delay="0"/>
+                                  </p:stCondLst>
+                                  <p:childTnLst>
+                                    <p:set>
+                                      <p:cBhvr>
+                                        <p:cTn id="50" dur="1" fill="hold">
+                                          <p:stCondLst>
+                                            <p:cond delay="0"/>
+                                          </p:stCondLst>
+                                        </p:cTn>
+                                        <p:tgtEl>
+                                          <p:spTgt spid="7">
+                                            <p:txEl>
+                                              <p:pRg st="11" end="11"/>
+                                            </p:txEl>
+                                          </p:spTgt>
+                                        </p:tgtEl>
+                                        <p:attrNameLst>
+                                          <p:attrName>style.visibility</p:attrName>
+                                        </p:attrNameLst>
+                                      </p:cBhvr>
+                                      <p:to>
+                                        <p:strVal val="visible"/>
+                                      </p:to>
+                                    </p:set>
+                                    <p:anim calcmode="lin" valueType="num">
+                                      <p:cBhvr additive="base">
+                                        <p:cTn id="51" dur="500" fill="hold"/>
+                                        <p:tgtEl>
+                                          <p:spTgt spid="7">
+                                            <p:txEl>
+                                              <p:pRg st="11" end="11"/>
+                                            </p:txEl>
+                                          </p:spTgt>
+                                        </p:tgtEl>
+                                        <p:attrNameLst>
+                                          <p:attrName>ppt_x</p:attrName>
+                                        </p:attrNameLst>
+                                      </p:cBhvr>
+                                      <p:tavLst>
+                                        <p:tav tm="0">
+                                          <p:val>
+                                            <p:strVal val="#ppt_x"/>
+                                          </p:val>
+                                        </p:tav>
+                                        <p:tav tm="100000">
+                                          <p:val>
+                                            <p:strVal val="#ppt_x"/>
+                                          </p:val>
+                                        </p:tav>
+                                      </p:tavLst>
+                                    </p:anim>
+                                    <p:anim calcmode="lin" valueType="num">
+                                      <p:cBhvr additive="base">
+                                        <p:cTn id="52" dur="500" fill="hold"/>
+                                        <p:tgtEl>
+                                          <p:spTgt spid="7">
+                                            <p:txEl>
+                                              <p:pRg st="11" end="11"/>
+                                            </p:txEl>
+                                          </p:spTgt>
+                                        </p:tgtEl>
+                                        <p:attrNameLst>
+                                          <p:attrName>ppt_y</p:attrName>
+                                        </p:attrNameLst>
+                                      </p:cBhvr>
+                                      <p:tavLst>
+                                        <p:tav tm="0">
+                                          <p:val>
+                                            <p:strVal val="1+#ppt_h/2"/>
+                                          </p:val>
+                                        </p:tav>
+                                        <p:tav tm="100000">
+                                          <p:val>
+                                            <p:strVal val="#ppt_y"/>
+                                          </p:val>
+                                        </p:tav>
+                                      </p:tavLst>
+                                    </p:anim>
+                                  </p:childTnLst>
+                                </p:cTn>
+                              </p:par>
+                              <p:par>
+                                <p:cTn id="53" presetID="2" presetClass="entr" presetSubtype="4" fill="hold" nodeType="withEffect">
+                                  <p:stCondLst>
+                                    <p:cond delay="0"/>
+                                  </p:stCondLst>
+                                  <p:childTnLst>
+                                    <p:set>
+                                      <p:cBhvr>
+                                        <p:cTn id="54" dur="1" fill="hold">
+                                          <p:stCondLst>
+                                            <p:cond delay="0"/>
+                                          </p:stCondLst>
+                                        </p:cTn>
+                                        <p:tgtEl>
+                                          <p:spTgt spid="7">
+                                            <p:txEl>
+                                              <p:pRg st="12" end="12"/>
+                                            </p:txEl>
+                                          </p:spTgt>
+                                        </p:tgtEl>
+                                        <p:attrNameLst>
+                                          <p:attrName>style.visibility</p:attrName>
+                                        </p:attrNameLst>
+                                      </p:cBhvr>
+                                      <p:to>
+                                        <p:strVal val="visible"/>
+                                      </p:to>
+                                    </p:set>
+                                    <p:anim calcmode="lin" valueType="num">
+                                      <p:cBhvr additive="base">
+                                        <p:cTn id="55" dur="500" fill="hold"/>
+                                        <p:tgtEl>
+                                          <p:spTgt spid="7">
+                                            <p:txEl>
+                                              <p:pRg st="12" end="12"/>
+                                            </p:txEl>
+                                          </p:spTgt>
+                                        </p:tgtEl>
+                                        <p:attrNameLst>
+                                          <p:attrName>ppt_x</p:attrName>
+                                        </p:attrNameLst>
+                                      </p:cBhvr>
+                                      <p:tavLst>
+                                        <p:tav tm="0">
+                                          <p:val>
+                                            <p:strVal val="#ppt_x"/>
+                                          </p:val>
+                                        </p:tav>
+                                        <p:tav tm="100000">
+                                          <p:val>
+                                            <p:strVal val="#ppt_x"/>
+                                          </p:val>
+                                        </p:tav>
+                                      </p:tavLst>
+                                    </p:anim>
+                                    <p:anim calcmode="lin" valueType="num">
+                                      <p:cBhvr additive="base">
+                                        <p:cTn id="56" dur="500" fill="hold"/>
+                                        <p:tgtEl>
+                                          <p:spTgt spid="7">
+                                            <p:txEl>
+                                              <p:pRg st="12" end="12"/>
+                                            </p:txEl>
+                                          </p:spTgt>
+                                        </p:tgtEl>
+                                        <p:attrNameLst>
+                                          <p:attrName>ppt_y</p:attrName>
+                                        </p:attrNameLst>
+                                      </p:cBhvr>
+                                      <p:tavLst>
+                                        <p:tav tm="0">
+                                          <p:val>
+                                            <p:strVal val="1+#ppt_h/2"/>
+                                          </p:val>
+                                        </p:tav>
+                                        <p:tav tm="100000">
+                                          <p:val>
+                                            <p:strVal val="#ppt_y"/>
+                                          </p:val>
+                                        </p:tav>
+                                      </p:tavLst>
+                                    </p:anim>
+                                  </p:childTnLst>
+                                </p:cTn>
+                              </p:par>
+                              <p:par>
+                                <p:cTn id="57" presetID="2" presetClass="entr" presetSubtype="4" fill="hold" nodeType="withEffect">
+                                  <p:stCondLst>
+                                    <p:cond delay="0"/>
+                                  </p:stCondLst>
+                                  <p:childTnLst>
+                                    <p:set>
+                                      <p:cBhvr>
+                                        <p:cTn id="58" dur="1" fill="hold">
+                                          <p:stCondLst>
+                                            <p:cond delay="0"/>
+                                          </p:stCondLst>
+                                        </p:cTn>
+                                        <p:tgtEl>
+                                          <p:spTgt spid="7">
+                                            <p:txEl>
+                                              <p:pRg st="13" end="13"/>
+                                            </p:txEl>
+                                          </p:spTgt>
+                                        </p:tgtEl>
+                                        <p:attrNameLst>
+                                          <p:attrName>style.visibility</p:attrName>
+                                        </p:attrNameLst>
+                                      </p:cBhvr>
+                                      <p:to>
+                                        <p:strVal val="visible"/>
+                                      </p:to>
+                                    </p:set>
+                                    <p:anim calcmode="lin" valueType="num">
+                                      <p:cBhvr additive="base">
+                                        <p:cTn id="59" dur="500" fill="hold"/>
+                                        <p:tgtEl>
+                                          <p:spTgt spid="7">
+                                            <p:txEl>
+                                              <p:pRg st="13" end="13"/>
+                                            </p:txEl>
+                                          </p:spTgt>
+                                        </p:tgtEl>
+                                        <p:attrNameLst>
+                                          <p:attrName>ppt_x</p:attrName>
+                                        </p:attrNameLst>
+                                      </p:cBhvr>
+                                      <p:tavLst>
+                                        <p:tav tm="0">
+                                          <p:val>
+                                            <p:strVal val="#ppt_x"/>
+                                          </p:val>
+                                        </p:tav>
+                                        <p:tav tm="100000">
+                                          <p:val>
+                                            <p:strVal val="#ppt_x"/>
+                                          </p:val>
+                                        </p:tav>
+                                      </p:tavLst>
+                                    </p:anim>
+                                    <p:anim calcmode="lin" valueType="num">
+                                      <p:cBhvr additive="base">
+                                        <p:cTn id="60" dur="500" fill="hold"/>
+                                        <p:tgtEl>
+                                          <p:spTgt spid="7">
+                                            <p:txEl>
+                                              <p:pRg st="13" end="13"/>
+                                            </p:txEl>
+                                          </p:spTgt>
+                                        </p:tgtEl>
+                                        <p:attrNameLst>
+                                          <p:attrName>ppt_y</p:attrName>
+                                        </p:attrNameLst>
+                                      </p:cBhvr>
+                                      <p:tavLst>
+                                        <p:tav tm="0">
+                                          <p:val>
+                                            <p:strVal val="1+#ppt_h/2"/>
+                                          </p:val>
+                                        </p:tav>
+                                        <p:tav tm="100000">
+                                          <p:val>
+                                            <p:strVal val="#ppt_y"/>
+                                          </p:val>
+                                        </p:tav>
+                                      </p:tavLst>
+                                    </p:anim>
+                                  </p:childTnLst>
+                                </p:cTn>
+                              </p:par>
+                              <p:par>
+                                <p:cTn id="61" presetID="2" presetClass="entr" presetSubtype="4" fill="hold" nodeType="withEffect">
+                                  <p:stCondLst>
+                                    <p:cond delay="0"/>
+                                  </p:stCondLst>
+                                  <p:childTnLst>
+                                    <p:set>
+                                      <p:cBhvr>
+                                        <p:cTn id="62" dur="1" fill="hold">
+                                          <p:stCondLst>
+                                            <p:cond delay="0"/>
+                                          </p:stCondLst>
+                                        </p:cTn>
+                                        <p:tgtEl>
+                                          <p:spTgt spid="7">
+                                            <p:txEl>
+                                              <p:pRg st="14" end="14"/>
+                                            </p:txEl>
+                                          </p:spTgt>
+                                        </p:tgtEl>
+                                        <p:attrNameLst>
+                                          <p:attrName>style.visibility</p:attrName>
+                                        </p:attrNameLst>
+                                      </p:cBhvr>
+                                      <p:to>
+                                        <p:strVal val="visible"/>
+                                      </p:to>
+                                    </p:set>
+                                    <p:anim calcmode="lin" valueType="num">
+                                      <p:cBhvr additive="base">
+                                        <p:cTn id="63" dur="500" fill="hold"/>
+                                        <p:tgtEl>
+                                          <p:spTgt spid="7">
+                                            <p:txEl>
+                                              <p:pRg st="14" end="14"/>
+                                            </p:txEl>
+                                          </p:spTgt>
+                                        </p:tgtEl>
+                                        <p:attrNameLst>
+                                          <p:attrName>ppt_x</p:attrName>
+                                        </p:attrNameLst>
+                                      </p:cBhvr>
+                                      <p:tavLst>
+                                        <p:tav tm="0">
+                                          <p:val>
+                                            <p:strVal val="#ppt_x"/>
+                                          </p:val>
+                                        </p:tav>
+                                        <p:tav tm="100000">
+                                          <p:val>
+                                            <p:strVal val="#ppt_x"/>
+                                          </p:val>
+                                        </p:tav>
+                                      </p:tavLst>
+                                    </p:anim>
+                                    <p:anim calcmode="lin" valueType="num">
+                                      <p:cBhvr additive="base">
+                                        <p:cTn id="64" dur="500" fill="hold"/>
+                                        <p:tgtEl>
+                                          <p:spTgt spid="7">
+                                            <p:txEl>
+                                              <p:pRg st="14" end="14"/>
+                                            </p:txEl>
+                                          </p:spTgt>
+                                        </p:tgtEl>
+                                        <p:attrNameLst>
+                                          <p:attrName>ppt_y</p:attrName>
+                                        </p:attrNameLst>
+                                      </p:cBhvr>
+                                      <p:tavLst>
+                                        <p:tav tm="0">
+                                          <p:val>
+                                            <p:strVal val="1+#ppt_h/2"/>
+                                          </p:val>
+                                        </p:tav>
+                                        <p:tav tm="100000">
+                                          <p:val>
+                                            <p:strVal val="#ppt_y"/>
+                                          </p:val>
+                                        </p:tav>
+                                      </p:tavLst>
+                                    </p:anim>
+                                  </p:childTnLst>
+                                </p:cTn>
+                              </p:par>
+                              <p:par>
+                                <p:cTn id="65" presetID="2" presetClass="entr" presetSubtype="4" fill="hold" nodeType="withEffect">
+                                  <p:stCondLst>
+                                    <p:cond delay="0"/>
+                                  </p:stCondLst>
+                                  <p:childTnLst>
+                                    <p:set>
+                                      <p:cBhvr>
+                                        <p:cTn id="66" dur="1" fill="hold">
+                                          <p:stCondLst>
+                                            <p:cond delay="0"/>
+                                          </p:stCondLst>
+                                        </p:cTn>
+                                        <p:tgtEl>
+                                          <p:spTgt spid="7">
+                                            <p:txEl>
+                                              <p:pRg st="15" end="15"/>
+                                            </p:txEl>
+                                          </p:spTgt>
+                                        </p:tgtEl>
+                                        <p:attrNameLst>
+                                          <p:attrName>style.visibility</p:attrName>
+                                        </p:attrNameLst>
+                                      </p:cBhvr>
+                                      <p:to>
+                                        <p:strVal val="visible"/>
+                                      </p:to>
+                                    </p:set>
+                                    <p:anim calcmode="lin" valueType="num">
+                                      <p:cBhvr additive="base">
+                                        <p:cTn id="67" dur="500" fill="hold"/>
+                                        <p:tgtEl>
+                                          <p:spTgt spid="7">
+                                            <p:txEl>
+                                              <p:pRg st="15" end="15"/>
+                                            </p:txEl>
+                                          </p:spTgt>
+                                        </p:tgtEl>
+                                        <p:attrNameLst>
+                                          <p:attrName>ppt_x</p:attrName>
+                                        </p:attrNameLst>
+                                      </p:cBhvr>
+                                      <p:tavLst>
+                                        <p:tav tm="0">
+                                          <p:val>
+                                            <p:strVal val="#ppt_x"/>
+                                          </p:val>
+                                        </p:tav>
+                                        <p:tav tm="100000">
+                                          <p:val>
+                                            <p:strVal val="#ppt_x"/>
+                                          </p:val>
+                                        </p:tav>
+                                      </p:tavLst>
+                                    </p:anim>
+                                    <p:anim calcmode="lin" valueType="num">
+                                      <p:cBhvr additive="base">
+                                        <p:cTn id="68" dur="500" fill="hold"/>
+                                        <p:tgtEl>
+                                          <p:spTgt spid="7">
+                                            <p:txEl>
+                                              <p:pRg st="15" end="15"/>
+                                            </p:txEl>
+                                          </p:spTgt>
+                                        </p:tgtEl>
+                                        <p:attrNameLst>
+                                          <p:attrName>ppt_y</p:attrName>
+                                        </p:attrNameLst>
+                                      </p:cBhvr>
+                                      <p:tavLst>
+                                        <p:tav tm="0">
+                                          <p:val>
+                                            <p:strVal val="1+#ppt_h/2"/>
+                                          </p:val>
+                                        </p:tav>
+                                        <p:tav tm="100000">
+                                          <p:val>
+                                            <p:strVal val="#ppt_y"/>
+                                          </p:val>
+                                        </p:tav>
+                                      </p:tavLst>
+                                    </p:anim>
+                                  </p:childTnLst>
+                                </p:cTn>
+                              </p:par>
+                              <p:par>
+                                <p:cTn id="69" presetID="2" presetClass="entr" presetSubtype="4" fill="hold" nodeType="withEffect">
+                                  <p:stCondLst>
+                                    <p:cond delay="0"/>
+                                  </p:stCondLst>
+                                  <p:childTnLst>
+                                    <p:set>
+                                      <p:cBhvr>
+                                        <p:cTn id="70" dur="1" fill="hold">
+                                          <p:stCondLst>
+                                            <p:cond delay="0"/>
+                                          </p:stCondLst>
+                                        </p:cTn>
+                                        <p:tgtEl>
+                                          <p:spTgt spid="7">
+                                            <p:txEl>
+                                              <p:pRg st="16" end="16"/>
+                                            </p:txEl>
+                                          </p:spTgt>
+                                        </p:tgtEl>
+                                        <p:attrNameLst>
+                                          <p:attrName>style.visibility</p:attrName>
+                                        </p:attrNameLst>
+                                      </p:cBhvr>
+                                      <p:to>
+                                        <p:strVal val="visible"/>
+                                      </p:to>
+                                    </p:set>
+                                    <p:anim calcmode="lin" valueType="num">
+                                      <p:cBhvr additive="base">
+                                        <p:cTn id="71" dur="500" fill="hold"/>
+                                        <p:tgtEl>
+                                          <p:spTgt spid="7">
+                                            <p:txEl>
+                                              <p:pRg st="16" end="16"/>
+                                            </p:txEl>
+                                          </p:spTgt>
+                                        </p:tgtEl>
+                                        <p:attrNameLst>
+                                          <p:attrName>ppt_x</p:attrName>
+                                        </p:attrNameLst>
+                                      </p:cBhvr>
+                                      <p:tavLst>
+                                        <p:tav tm="0">
+                                          <p:val>
+                                            <p:strVal val="#ppt_x"/>
+                                          </p:val>
+                                        </p:tav>
+                                        <p:tav tm="100000">
+                                          <p:val>
+                                            <p:strVal val="#ppt_x"/>
+                                          </p:val>
+                                        </p:tav>
+                                      </p:tavLst>
+                                    </p:anim>
+                                    <p:anim calcmode="lin" valueType="num">
+                                      <p:cBhvr additive="base">
+                                        <p:cTn id="72" dur="500" fill="hold"/>
+                                        <p:tgtEl>
+                                          <p:spTgt spid="7">
+                                            <p:txEl>
+                                              <p:pRg st="16" end="16"/>
+                                            </p:txEl>
+                                          </p:spTgt>
+                                        </p:tgtEl>
+                                        <p:attrNameLst>
+                                          <p:attrName>ppt_y</p:attrName>
+                                        </p:attrNameLst>
+                                      </p:cBhvr>
+                                      <p:tavLst>
+                                        <p:tav tm="0">
+                                          <p:val>
+                                            <p:strVal val="1+#ppt_h/2"/>
+                                          </p:val>
+                                        </p:tav>
+                                        <p:tav tm="100000">
+                                          <p:val>
+                                            <p:strVal val="#ppt_y"/>
+                                          </p:val>
+                                        </p:tav>
+                                      </p:tavLst>
+                                    </p:anim>
+                                  </p:childTnLst>
+                                </p:cTn>
+                              </p:par>
+                              <p:par>
+                                <p:cTn id="73" presetID="2" presetClass="entr" presetSubtype="4" fill="hold" nodeType="withEffect">
+                                  <p:stCondLst>
+                                    <p:cond delay="0"/>
+                                  </p:stCondLst>
+                                  <p:childTnLst>
+                                    <p:set>
+                                      <p:cBhvr>
+                                        <p:cTn id="74" dur="1" fill="hold">
+                                          <p:stCondLst>
+                                            <p:cond delay="0"/>
+                                          </p:stCondLst>
+                                        </p:cTn>
+                                        <p:tgtEl>
+                                          <p:spTgt spid="7">
+                                            <p:txEl>
+                                              <p:pRg st="17" end="17"/>
+                                            </p:txEl>
+                                          </p:spTgt>
+                                        </p:tgtEl>
+                                        <p:attrNameLst>
+                                          <p:attrName>style.visibility</p:attrName>
+                                        </p:attrNameLst>
+                                      </p:cBhvr>
+                                      <p:to>
+                                        <p:strVal val="visible"/>
+                                      </p:to>
+                                    </p:set>
+                                    <p:anim calcmode="lin" valueType="num">
+                                      <p:cBhvr additive="base">
+                                        <p:cTn id="75" dur="500" fill="hold"/>
+                                        <p:tgtEl>
+                                          <p:spTgt spid="7">
+                                            <p:txEl>
+                                              <p:pRg st="17" end="17"/>
+                                            </p:txEl>
+                                          </p:spTgt>
+                                        </p:tgtEl>
+                                        <p:attrNameLst>
+                                          <p:attrName>ppt_x</p:attrName>
+                                        </p:attrNameLst>
+                                      </p:cBhvr>
+                                      <p:tavLst>
+                                        <p:tav tm="0">
+                                          <p:val>
+                                            <p:strVal val="#ppt_x"/>
+                                          </p:val>
+                                        </p:tav>
+                                        <p:tav tm="100000">
+                                          <p:val>
+                                            <p:strVal val="#ppt_x"/>
+                                          </p:val>
+                                        </p:tav>
+                                      </p:tavLst>
+                                    </p:anim>
+                                    <p:anim calcmode="lin" valueType="num">
+                                      <p:cBhvr additive="base">
+                                        <p:cTn id="76" dur="500" fill="hold"/>
+                                        <p:tgtEl>
+                                          <p:spTgt spid="7">
+                                            <p:txEl>
+                                              <p:pRg st="17" end="17"/>
+                                            </p:txEl>
+                                          </p:spTgt>
+                                        </p:tgtEl>
+                                        <p:attrNameLst>
+                                          <p:attrName>ppt_y</p:attrName>
+                                        </p:attrNameLst>
+                                      </p:cBhvr>
+                                      <p:tavLst>
+                                        <p:tav tm="0">
+                                          <p:val>
+                                            <p:strVal val="1+#ppt_h/2"/>
+                                          </p:val>
+                                        </p:tav>
+                                        <p:tav tm="100000">
+                                          <p:val>
+                                            <p:strVal val="#ppt_y"/>
+                                          </p:val>
+                                        </p:tav>
+                                      </p:tavLst>
+                                    </p:anim>
+                                  </p:childTnLst>
+                                </p:cTn>
+                              </p:par>
+                              <p:par>
+                                <p:cTn id="77" presetID="2" presetClass="entr" presetSubtype="4" fill="hold" nodeType="withEffect">
+                                  <p:stCondLst>
+                                    <p:cond delay="0"/>
+                                  </p:stCondLst>
+                                  <p:childTnLst>
+                                    <p:set>
+                                      <p:cBhvr>
+                                        <p:cTn id="78" dur="1" fill="hold">
+                                          <p:stCondLst>
+                                            <p:cond delay="0"/>
+                                          </p:stCondLst>
+                                        </p:cTn>
+                                        <p:tgtEl>
+                                          <p:spTgt spid="7">
+                                            <p:txEl>
+                                              <p:pRg st="18" end="18"/>
+                                            </p:txEl>
+                                          </p:spTgt>
+                                        </p:tgtEl>
+                                        <p:attrNameLst>
+                                          <p:attrName>style.visibility</p:attrName>
+                                        </p:attrNameLst>
+                                      </p:cBhvr>
+                                      <p:to>
+                                        <p:strVal val="visible"/>
+                                      </p:to>
+                                    </p:set>
+                                    <p:anim calcmode="lin" valueType="num">
+                                      <p:cBhvr additive="base">
+                                        <p:cTn id="79" dur="500" fill="hold"/>
+                                        <p:tgtEl>
+                                          <p:spTgt spid="7">
+                                            <p:txEl>
+                                              <p:pRg st="18" end="18"/>
+                                            </p:txEl>
+                                          </p:spTgt>
+                                        </p:tgtEl>
+                                        <p:attrNameLst>
+                                          <p:attrName>ppt_x</p:attrName>
+                                        </p:attrNameLst>
+                                      </p:cBhvr>
+                                      <p:tavLst>
+                                        <p:tav tm="0">
+                                          <p:val>
+                                            <p:strVal val="#ppt_x"/>
+                                          </p:val>
+                                        </p:tav>
+                                        <p:tav tm="100000">
+                                          <p:val>
+                                            <p:strVal val="#ppt_x"/>
+                                          </p:val>
+                                        </p:tav>
+                                      </p:tavLst>
+                                    </p:anim>
+                                    <p:anim calcmode="lin" valueType="num">
+                                      <p:cBhvr additive="base">
+                                        <p:cTn id="80" dur="500" fill="hold"/>
+                                        <p:tgtEl>
+                                          <p:spTgt spid="7">
+                                            <p:txEl>
+                                              <p:pRg st="18" end="18"/>
+                                            </p:txEl>
+                                          </p:spTgt>
+                                        </p:tgtEl>
+                                        <p:attrNameLst>
+                                          <p:attrName>ppt_y</p:attrName>
+                                        </p:attrNameLst>
+                                      </p:cBhvr>
+                                      <p:tavLst>
+                                        <p:tav tm="0">
+                                          <p:val>
+                                            <p:strVal val="1+#ppt_h/2"/>
+                                          </p:val>
+                                        </p:tav>
+                                        <p:tav tm="100000">
+                                          <p:val>
+                                            <p:strVal val="#ppt_y"/>
+                                          </p:val>
+                                        </p:tav>
+                                      </p:tavLst>
+                                    </p:anim>
+                                  </p:childTnLst>
+                                </p:cTn>
+                              </p:par>
+                              <p:par>
+                                <p:cTn id="81" presetID="2" presetClass="entr" presetSubtype="4" fill="hold" nodeType="withEffect">
+                                  <p:stCondLst>
+                                    <p:cond delay="0"/>
+                                  </p:stCondLst>
+                                  <p:childTnLst>
+                                    <p:set>
+                                      <p:cBhvr>
+                                        <p:cTn id="82" dur="1" fill="hold">
+                                          <p:stCondLst>
+                                            <p:cond delay="0"/>
+                                          </p:stCondLst>
+                                        </p:cTn>
+                                        <p:tgtEl>
+                                          <p:spTgt spid="7">
+                                            <p:txEl>
+                                              <p:pRg st="19" end="19"/>
+                                            </p:txEl>
+                                          </p:spTgt>
+                                        </p:tgtEl>
+                                        <p:attrNameLst>
+                                          <p:attrName>style.visibility</p:attrName>
+                                        </p:attrNameLst>
+                                      </p:cBhvr>
+                                      <p:to>
+                                        <p:strVal val="visible"/>
+                                      </p:to>
+                                    </p:set>
+                                    <p:anim calcmode="lin" valueType="num">
+                                      <p:cBhvr additive="base">
+                                        <p:cTn id="83" dur="500" fill="hold"/>
+                                        <p:tgtEl>
+                                          <p:spTgt spid="7">
+                                            <p:txEl>
+                                              <p:pRg st="19" end="19"/>
+                                            </p:txEl>
+                                          </p:spTgt>
+                                        </p:tgtEl>
+                                        <p:attrNameLst>
+                                          <p:attrName>ppt_x</p:attrName>
+                                        </p:attrNameLst>
+                                      </p:cBhvr>
+                                      <p:tavLst>
+                                        <p:tav tm="0">
+                                          <p:val>
+                                            <p:strVal val="#ppt_x"/>
+                                          </p:val>
+                                        </p:tav>
+                                        <p:tav tm="100000">
+                                          <p:val>
+                                            <p:strVal val="#ppt_x"/>
+                                          </p:val>
+                                        </p:tav>
+                                      </p:tavLst>
+                                    </p:anim>
+                                    <p:anim calcmode="lin" valueType="num">
+                                      <p:cBhvr additive="base">
+                                        <p:cTn id="84" dur="500" fill="hold"/>
+                                        <p:tgtEl>
+                                          <p:spTgt spid="7">
+                                            <p:txEl>
+                                              <p:pRg st="19" end="19"/>
+                                            </p:txEl>
+                                          </p:spTgt>
+                                        </p:tgtEl>
+                                        <p:attrNameLst>
+                                          <p:attrName>ppt_y</p:attrName>
+                                        </p:attrNameLst>
+                                      </p:cBhvr>
+                                      <p:tavLst>
+                                        <p:tav tm="0">
+                                          <p:val>
+                                            <p:strVal val="1+#ppt_h/2"/>
+                                          </p:val>
+                                        </p:tav>
+                                        <p:tav tm="100000">
+                                          <p:val>
+                                            <p:strVal val="#ppt_y"/>
+                                          </p:val>
+                                        </p:tav>
+                                      </p:tavLst>
+                                    </p:anim>
+                                  </p:childTnLst>
+                                </p:cTn>
+                              </p:par>
+                            </p:childTnLst>
+                          </p:cTn>
+                        </p:par>
+                      </p:childTnLst>
+                    </p:cTn>
+                  </p:par>
+                  <p:par>
+                    <p:cTn id="85" fill="hold">
+                      <p:stCondLst>
+                        <p:cond delay="indefinite"/>
+                      </p:stCondLst>
+                      <p:childTnLst>
+                        <p:par>
+                          <p:cTn id="86" fill="hold">
+                            <p:stCondLst>
+                              <p:cond delay="0"/>
+                            </p:stCondLst>
+                            <p:childTnLst>
+                              <p:par>
+                                <p:cTn id="87" presetID="2" presetClass="entr" presetSubtype="4" fill="hold" grpId="0" nodeType="clickEffect">
+                                  <p:stCondLst>
+                                    <p:cond delay="0"/>
+                                  </p:stCondLst>
+                                  <p:childTnLst>
+                                    <p:set>
+                                      <p:cBhvr>
+                                        <p:cTn id="88" dur="1" fill="hold">
+                                          <p:stCondLst>
+                                            <p:cond delay="0"/>
+                                          </p:stCondLst>
+                                        </p:cTn>
+                                        <p:tgtEl>
+                                          <p:spTgt spid="2"/>
+                                        </p:tgtEl>
+                                        <p:attrNameLst>
+                                          <p:attrName>style.visibility</p:attrName>
+                                        </p:attrNameLst>
+                                      </p:cBhvr>
+                                      <p:to>
+                                        <p:strVal val="visible"/>
+                                      </p:to>
+                                    </p:set>
+                                    <p:anim calcmode="lin" valueType="num">
+                                      <p:cBhvr additive="base">
+                                        <p:cTn id="89" dur="500" fill="hold"/>
+                                        <p:tgtEl>
+                                          <p:spTgt spid="2"/>
+                                        </p:tgtEl>
+                                        <p:attrNameLst>
+                                          <p:attrName>ppt_x</p:attrName>
+                                        </p:attrNameLst>
+                                      </p:cBhvr>
+                                      <p:tavLst>
+                                        <p:tav tm="0">
+                                          <p:val>
+                                            <p:strVal val="#ppt_x"/>
+                                          </p:val>
+                                        </p:tav>
+                                        <p:tav tm="100000">
+                                          <p:val>
+                                            <p:strVal val="#ppt_x"/>
+                                          </p:val>
+                                        </p:tav>
+                                      </p:tavLst>
+                                    </p:anim>
+                                    <p:anim calcmode="lin" valueType="num">
+                                      <p:cBhvr additive="base">
+                                        <p:cTn id="90" dur="500" fill="hold"/>
+                                        <p:tgtEl>
+                                          <p:spTgt spid="2"/>
+                                        </p:tgtEl>
+                                        <p:attrNameLst>
+                                          <p:attrName>ppt_y</p:attrName>
+                                        </p:attrNameLst>
+                                      </p:cBhvr>
+                                      <p:tavLst>
+                                        <p:tav tm="0">
+                                          <p:val>
+                                            <p:strVal val="1+#ppt_h/2"/>
+                                          </p:val>
+                                        </p:tav>
+                                        <p:tav tm="100000">
+                                          <p:val>
+                                            <p:strVal val="#ppt_y"/>
+                                          </p:val>
+                                        </p:tav>
+                                      </p:tavLst>
+                                    </p:anim>
+                                  </p:childTnLst>
+                                </p:cTn>
+                              </p:par>
+                            </p:childTnLst>
+                          </p:cTn>
+                        </p:par>
+                      </p:childTnLst>
+                    </p:cTn>
+                  </p:par>
+                </p:childTnLst>
+              </p:cTn>
+              <p:prevCondLst>
+                <p:cond evt="onPrev" delay="0">
+                  <p:tgtEl>
+                    <p:sldTgt/>
+                  </p:tgtEl>
+                </p:cond>
+              </p:prevCondLst>
+              <p:nextCondLst>
+                <p:cond evt="onNext" delay="0">
+                  <p:tgtEl>
+                    <p:sldTgt/>
+                  </p:tgtEl>
+                </p:cond>
+              </p:nextCondLst>
+            </p:seq>
+          </p:childTnLst>
+        </p:cTn>
+      </p:par>
+    </p:tnLst>
+    <p:bldLst>
+      <p:bldP spid="2" grpId="0" animBg="1"/>
+    </p:bldLst>
+  </p:timing>
+</p:sld>
+</file>
+
+<file path=ppt/slides/slide41.xml><?xml version="1.0" encoding="utf-8"?>
+<p:sld xmlns:a="http://schemas.openxmlformats.org/drawingml/2006/main" xmlns:r="http://schemas.openxmlformats.org/officeDocument/2006/relationships" xmlns:p="http://schemas.openxmlformats.org/presentationml/2006/main">
+  <p:cSld>
+    <p:spTree>
+      <p:nvGrpSpPr>
+        <p:cNvPr id="1" name=""/>
+        <p:cNvGrpSpPr/>
+        <p:nvPr/>
+      </p:nvGrpSpPr>
+      <p:grpSpPr>
+        <a:xfrm>
+          <a:off x="0" y="0"/>
+          <a:ext cx="0" cy="0"/>
+          <a:chOff x="0" y="0"/>
+          <a:chExt cx="0" cy="0"/>
+        </a:xfrm>
+      </p:grpSpPr>
+      <p:sp>
+        <p:nvSpPr>
+          <p:cNvPr id="4" name="Title 3"/>
+          <p:cNvSpPr>
+            <a:spLocks noGrp="1"/>
+          </p:cNvSpPr>
+          <p:nvPr>
+            <p:ph type="title"/>
+          </p:nvPr>
+        </p:nvSpPr>
+        <p:spPr>
+          <a:xfrm>
+            <a:off x="457200" y="728135"/>
+            <a:ext cx="8229600" cy="1143000"/>
+          </a:xfrm>
+        </p:spPr>
+        <p:txBody>
+          <a:bodyPr>
+            <a:noAutofit/>
+          </a:bodyPr>
+          <a:lstStyle/>
+          <a:p>
+            <a:pPr algn="ctr"/>
+            <a:r>
+              <a:rPr lang="en-US" sz="4400" dirty="0">
+                <a:latin typeface="Tahoma" panose="020B0604030504040204" pitchFamily="34" charset="0"/>
+                <a:ea typeface="Tahoma" panose="020B0604030504040204" pitchFamily="34" charset="0"/>
+                <a:cs typeface="Tahoma" panose="020B0604030504040204" pitchFamily="34" charset="0"/>
+              </a:rPr>
+              <a:t>JSON data types</a:t>
+            </a:r>
+            <a:endParaRPr lang="en-GB" sz="2400" dirty="0">
+              <a:latin typeface="Tahoma" panose="020B0604030504040204" pitchFamily="34" charset="0"/>
+              <a:ea typeface="Tahoma" panose="020B0604030504040204" pitchFamily="34" charset="0"/>
+              <a:cs typeface="Tahoma" panose="020B0604030504040204" pitchFamily="34" charset="0"/>
+            </a:endParaRPr>
+          </a:p>
+        </p:txBody>
+      </p:sp>
+      <p:pic>
+        <p:nvPicPr>
+          <p:cNvPr id="6" name="Content Placeholder 3"/>
+          <p:cNvPicPr>
+            <a:picLocks noChangeAspect="1"/>
+          </p:cNvPicPr>
+          <p:nvPr/>
+        </p:nvPicPr>
+        <p:blipFill>
+          <a:blip r:embed="rId3" cstate="print">
+            <a:extLst>
+              <a:ext uri="{28A0092B-C50C-407E-A947-70E740481C1C}">
+                <a14:useLocalDpi xmlns:a14="http://schemas.microsoft.com/office/drawing/2010/main" val="0"/>
+              </a:ext>
+            </a:extLst>
+          </a:blip>
+          <a:stretch>
+            <a:fillRect/>
+          </a:stretch>
+        </p:blipFill>
+        <p:spPr>
+          <a:xfrm>
+            <a:off x="8153542" y="0"/>
+            <a:ext cx="980209" cy="977292"/>
+          </a:xfrm>
+          <a:prstGeom prst="rect">
+            <a:avLst/>
+          </a:prstGeom>
+        </p:spPr>
+      </p:pic>
+      <p:cxnSp>
+        <p:nvCxnSpPr>
+          <p:cNvPr id="3" name="Straight Connector 2"/>
+          <p:cNvCxnSpPr/>
+          <p:nvPr/>
+        </p:nvCxnSpPr>
+        <p:spPr>
+          <a:xfrm>
+            <a:off x="1066800" y="1871135"/>
+            <a:ext cx="7010400" cy="0"/>
+          </a:xfrm>
+          <a:prstGeom prst="line">
+            <a:avLst/>
+          </a:prstGeom>
+          <a:ln>
+            <a:solidFill>
+              <a:srgbClr val="5D2F5D"/>
+            </a:solidFill>
+          </a:ln>
+        </p:spPr>
+        <p:style>
+          <a:lnRef idx="1">
+            <a:schemeClr val="accent1"/>
+          </a:lnRef>
+          <a:fillRef idx="0">
+            <a:schemeClr val="accent1"/>
+          </a:fillRef>
+          <a:effectRef idx="0">
+            <a:schemeClr val="accent1"/>
+          </a:effectRef>
+          <a:fontRef idx="minor">
+            <a:schemeClr val="tx1"/>
+          </a:fontRef>
+        </p:style>
+      </p:cxnSp>
+      <p:sp>
+        <p:nvSpPr>
+          <p:cNvPr id="7" name="Content Placeholder 4"/>
+          <p:cNvSpPr>
+            <a:spLocks noGrp="1"/>
+          </p:cNvSpPr>
+          <p:nvPr>
+            <p:ph idx="1"/>
+          </p:nvPr>
+        </p:nvSpPr>
+        <p:spPr>
+          <a:xfrm>
+            <a:off x="457200" y="2286000"/>
+            <a:ext cx="8229600" cy="3962400"/>
+          </a:xfrm>
+        </p:spPr>
+        <p:txBody>
+          <a:bodyPr>
+            <a:normAutofit/>
+          </a:bodyPr>
+          <a:lstStyle/>
+          <a:p>
+            <a:pPr>
+              <a:buFont typeface="Wingdings" panose="05000000000000000000" pitchFamily="2" charset="2"/>
+              <a:buChar char="ü"/>
+            </a:pPr>
+            <a:r>
+              <a:rPr lang="en-GB" sz="3600" dirty="0"/>
+              <a:t>a string</a:t>
+            </a:r>
+          </a:p>
+          <a:p>
+            <a:pPr>
+              <a:buFont typeface="Wingdings" panose="05000000000000000000" pitchFamily="2" charset="2"/>
+              <a:buChar char="ü"/>
+            </a:pPr>
+            <a:r>
+              <a:rPr lang="en-GB" sz="3600" dirty="0"/>
+              <a:t>a number</a:t>
+            </a:r>
+          </a:p>
+          <a:p>
+            <a:pPr>
+              <a:buFont typeface="Wingdings" panose="05000000000000000000" pitchFamily="2" charset="2"/>
+              <a:buChar char="ü"/>
+            </a:pPr>
+            <a:r>
+              <a:rPr lang="en-GB" sz="3600" dirty="0"/>
+              <a:t>JSON object</a:t>
+            </a:r>
+          </a:p>
+          <a:p>
+            <a:pPr>
+              <a:buFont typeface="Wingdings" panose="05000000000000000000" pitchFamily="2" charset="2"/>
+              <a:buChar char="ü"/>
+            </a:pPr>
+            <a:r>
+              <a:rPr lang="en-GB" sz="3600" dirty="0"/>
+              <a:t>an array</a:t>
+            </a:r>
+          </a:p>
+          <a:p>
+            <a:pPr>
+              <a:buFont typeface="Wingdings" panose="05000000000000000000" pitchFamily="2" charset="2"/>
+              <a:buChar char="ü"/>
+            </a:pPr>
+            <a:r>
+              <a:rPr lang="en-GB" sz="3600" dirty="0"/>
+              <a:t>a boolean</a:t>
+            </a:r>
+          </a:p>
+          <a:p>
+            <a:pPr>
+              <a:buFont typeface="Wingdings" panose="05000000000000000000" pitchFamily="2" charset="2"/>
+              <a:buChar char="ü"/>
+            </a:pPr>
+            <a:r>
+              <a:rPr lang="en-GB" sz="3600" i="1" dirty="0"/>
+              <a:t>null</a:t>
+            </a:r>
+            <a:endParaRPr lang="en-GB" sz="3600" dirty="0"/>
+          </a:p>
+          <a:p>
+            <a:pPr lvl="1"/>
+            <a:endParaRPr lang="en-US" sz="1800" dirty="0"/>
+          </a:p>
+        </p:txBody>
+      </p:sp>
+      <p:sp>
+        <p:nvSpPr>
+          <p:cNvPr id="2" name="TextBox 1"/>
+          <p:cNvSpPr txBox="1"/>
+          <p:nvPr/>
+        </p:nvSpPr>
+        <p:spPr>
+          <a:xfrm>
+            <a:off x="4800600" y="2362200"/>
+            <a:ext cx="3276600" cy="3477875"/>
+          </a:xfrm>
+          <a:prstGeom prst="rect">
+            <a:avLst/>
+          </a:prstGeom>
+          <a:noFill/>
+          <a:ln>
+            <a:solidFill>
+              <a:srgbClr val="E31B85"/>
+            </a:solidFill>
+          </a:ln>
+        </p:spPr>
+        <p:txBody>
+          <a:bodyPr wrap="square" rtlCol="0">
+            <a:spAutoFit/>
+          </a:bodyPr>
+          <a:lstStyle/>
+          <a:p>
+            <a:r>
+              <a:rPr lang="en-GB" sz="2000" b="1" dirty="0"/>
+              <a:t>JSON values cannot be one of the following data types:</a:t>
+            </a:r>
+          </a:p>
+          <a:p>
+            <a:endParaRPr lang="en-GB" sz="3200" dirty="0"/>
+          </a:p>
+          <a:p>
+            <a:pPr marL="457200" indent="-457200">
+              <a:buFont typeface="Arial" panose="020B0604020202020204" pitchFamily="34" charset="0"/>
+              <a:buChar char="•"/>
+            </a:pPr>
+            <a:r>
+              <a:rPr lang="en-GB" sz="3200" dirty="0"/>
+              <a:t>a function</a:t>
+            </a:r>
+          </a:p>
+          <a:p>
+            <a:pPr marL="457200" indent="-457200">
+              <a:buFont typeface="Arial" panose="020B0604020202020204" pitchFamily="34" charset="0"/>
+              <a:buChar char="•"/>
+            </a:pPr>
+            <a:r>
+              <a:rPr lang="en-GB" sz="3200" dirty="0"/>
+              <a:t>a date</a:t>
+            </a:r>
+          </a:p>
+          <a:p>
+            <a:pPr marL="457200" indent="-457200">
+              <a:buFont typeface="Arial" panose="020B0604020202020204" pitchFamily="34" charset="0"/>
+              <a:buChar char="•"/>
+            </a:pPr>
+            <a:r>
+              <a:rPr lang="en-GB" sz="3200" dirty="0"/>
+              <a:t>undefined</a:t>
+            </a:r>
+          </a:p>
+          <a:p>
+            <a:endParaRPr lang="en-GB" sz="3200" dirty="0"/>
+          </a:p>
+        </p:txBody>
+      </p:sp>
+    </p:spTree>
+    <p:extLst>
+      <p:ext uri="{BB962C8B-B14F-4D97-AF65-F5344CB8AC3E}">
+        <p14:creationId xmlns:p14="http://schemas.microsoft.com/office/powerpoint/2010/main" val="349774978"/>
+      </p:ext>
+    </p:extLst>
+  </p:cSld>
+  <p:clrMapOvr>
+    <a:masterClrMapping/>
+  </p:clrMapOvr>
+  <mc:AlternateContent xmlns:mc="http://schemas.openxmlformats.org/markup-compatibility/2006" xmlns:p15="http://schemas.microsoft.com/office/powerpoint/2012/main">
+    <mc:Choice Requires="p15">
+      <p:transition xmlns:p14="http://schemas.microsoft.com/office/powerpoint/2010/main" spd="slow" p14:dur="2000">
+        <p15:prstTrans prst="crush"/>
+      </p:transition>
+    </mc:Choice>
+    <mc:Fallback xmlns="">
+      <p:transition spd="slow">
+        <p:fade/>
+      </p:transition>
+    </mc:Fallback>
+  </mc:AlternateContent>
+</p:sld>
+</file>
+
+<file path=ppt/slides/slide42.xml><?xml version="1.0" encoding="utf-8"?>
+<p:sld xmlns:a="http://schemas.openxmlformats.org/drawingml/2006/main" xmlns:r="http://schemas.openxmlformats.org/officeDocument/2006/relationships" xmlns:p="http://schemas.openxmlformats.org/presentationml/2006/main">
+  <p:cSld>
+    <p:spTree>
+      <p:nvGrpSpPr>
+        <p:cNvPr id="1" name=""/>
+        <p:cNvGrpSpPr/>
+        <p:nvPr/>
+      </p:nvGrpSpPr>
+      <p:grpSpPr>
+        <a:xfrm>
+          <a:off x="0" y="0"/>
+          <a:ext cx="0" cy="0"/>
+          <a:chOff x="0" y="0"/>
+          <a:chExt cx="0" cy="0"/>
+        </a:xfrm>
+      </p:grpSpPr>
+      <p:sp>
+        <p:nvSpPr>
+          <p:cNvPr id="4" name="Title 3"/>
+          <p:cNvSpPr>
+            <a:spLocks noGrp="1"/>
+          </p:cNvSpPr>
+          <p:nvPr>
+            <p:ph type="title"/>
+          </p:nvPr>
+        </p:nvSpPr>
+        <p:spPr>
+          <a:xfrm>
+            <a:off x="457200" y="728135"/>
+            <a:ext cx="8229600" cy="1143000"/>
+          </a:xfrm>
+        </p:spPr>
+        <p:txBody>
+          <a:bodyPr>
+            <a:noAutofit/>
+          </a:bodyPr>
+          <a:lstStyle/>
+          <a:p>
+            <a:pPr algn="ctr"/>
+            <a:r>
+              <a:rPr lang="en-US" sz="4400" dirty="0">
+                <a:latin typeface="Tahoma" panose="020B0604030504040204" pitchFamily="34" charset="0"/>
+                <a:ea typeface="Tahoma" panose="020B0604030504040204" pitchFamily="34" charset="0"/>
+                <a:cs typeface="Tahoma" panose="020B0604030504040204" pitchFamily="34" charset="0"/>
+              </a:rPr>
+              <a:t>JSON build-in functions</a:t>
+            </a:r>
+            <a:endParaRPr lang="en-GB" sz="2400" dirty="0">
+              <a:latin typeface="Tahoma" panose="020B0604030504040204" pitchFamily="34" charset="0"/>
+              <a:ea typeface="Tahoma" panose="020B0604030504040204" pitchFamily="34" charset="0"/>
+              <a:cs typeface="Tahoma" panose="020B0604030504040204" pitchFamily="34" charset="0"/>
+            </a:endParaRPr>
+          </a:p>
+        </p:txBody>
+      </p:sp>
+      <p:pic>
+        <p:nvPicPr>
+          <p:cNvPr id="6" name="Content Placeholder 3"/>
+          <p:cNvPicPr>
+            <a:picLocks noChangeAspect="1"/>
+          </p:cNvPicPr>
+          <p:nvPr/>
+        </p:nvPicPr>
+        <p:blipFill>
+          <a:blip r:embed="rId3" cstate="print">
+            <a:extLst>
+              <a:ext uri="{28A0092B-C50C-407E-A947-70E740481C1C}">
+                <a14:useLocalDpi xmlns:a14="http://schemas.microsoft.com/office/drawing/2010/main" val="0"/>
+              </a:ext>
+            </a:extLst>
+          </a:blip>
+          <a:stretch>
+            <a:fillRect/>
+          </a:stretch>
+        </p:blipFill>
+        <p:spPr>
+          <a:xfrm>
+            <a:off x="8153542" y="0"/>
+            <a:ext cx="980209" cy="977292"/>
+          </a:xfrm>
+          <a:prstGeom prst="rect">
+            <a:avLst/>
+          </a:prstGeom>
+        </p:spPr>
+      </p:pic>
+      <p:cxnSp>
+        <p:nvCxnSpPr>
+          <p:cNvPr id="3" name="Straight Connector 2"/>
+          <p:cNvCxnSpPr/>
+          <p:nvPr/>
+        </p:nvCxnSpPr>
+        <p:spPr>
+          <a:xfrm>
+            <a:off x="1066800" y="1871135"/>
+            <a:ext cx="7010400" cy="0"/>
+          </a:xfrm>
+          <a:prstGeom prst="line">
+            <a:avLst/>
+          </a:prstGeom>
+          <a:ln>
+            <a:solidFill>
+              <a:srgbClr val="5D2F5D"/>
+            </a:solidFill>
+          </a:ln>
+        </p:spPr>
+        <p:style>
+          <a:lnRef idx="1">
+            <a:schemeClr val="accent1"/>
+          </a:lnRef>
+          <a:fillRef idx="0">
+            <a:schemeClr val="accent1"/>
+          </a:fillRef>
+          <a:effectRef idx="0">
+            <a:schemeClr val="accent1"/>
+          </a:effectRef>
+          <a:fontRef idx="minor">
+            <a:schemeClr val="tx1"/>
+          </a:fontRef>
+        </p:style>
+      </p:cxnSp>
+      <p:sp>
+        <p:nvSpPr>
+          <p:cNvPr id="7" name="Content Placeholder 4"/>
+          <p:cNvSpPr>
+            <a:spLocks noGrp="1"/>
+          </p:cNvSpPr>
+          <p:nvPr>
+            <p:ph idx="1"/>
+          </p:nvPr>
+        </p:nvSpPr>
+        <p:spPr>
+          <a:xfrm>
+            <a:off x="457200" y="2286000"/>
+            <a:ext cx="8229600" cy="4343400"/>
+          </a:xfrm>
+        </p:spPr>
+        <p:txBody>
+          <a:bodyPr>
+            <a:normAutofit/>
+          </a:bodyPr>
+          <a:lstStyle/>
+          <a:p>
+            <a:pPr marL="274320" lvl="1" indent="0">
+              <a:buNone/>
+            </a:pPr>
+            <a:endParaRPr lang="en-GB" sz="2400" dirty="0"/>
+          </a:p>
+          <a:p>
+            <a:pPr marL="274320" lvl="1" indent="0">
+              <a:buNone/>
+            </a:pPr>
+            <a:r>
+              <a:rPr lang="en-GB" sz="2400" b="1" dirty="0"/>
+              <a:t>JSON.parse()</a:t>
+            </a:r>
+            <a:endParaRPr lang="en-GB" sz="2400" dirty="0"/>
+          </a:p>
+          <a:p>
+            <a:pPr marL="274320" lvl="1" indent="0">
+              <a:buNone/>
+            </a:pPr>
+            <a:r>
+              <a:rPr lang="en-GB" sz="2400" dirty="0">
+                <a:solidFill>
+                  <a:srgbClr val="0070C0"/>
+                </a:solidFill>
+              </a:rPr>
+              <a:t>Used to convert any JSON received from the server into JavaScript objects.</a:t>
+            </a:r>
+          </a:p>
+          <a:p>
+            <a:pPr marL="274320" lvl="1" indent="0">
+              <a:buNone/>
+            </a:pPr>
+            <a:endParaRPr lang="en-GB" sz="2400" b="1" dirty="0"/>
+          </a:p>
+          <a:p>
+            <a:pPr marL="274320" lvl="1" indent="0">
+              <a:buNone/>
+            </a:pPr>
+            <a:r>
+              <a:rPr lang="en-GB" sz="2400" b="1" dirty="0"/>
+              <a:t>JSON.stringify()</a:t>
+            </a:r>
+          </a:p>
+          <a:p>
+            <a:pPr marL="274320" lvl="1" indent="0">
+              <a:buNone/>
+            </a:pPr>
+            <a:r>
+              <a:rPr lang="en-GB" sz="2400" dirty="0">
+                <a:solidFill>
+                  <a:srgbClr val="0070C0"/>
+                </a:solidFill>
+              </a:rPr>
+              <a:t>Used to convert any JavaScript object into JSON format, and send JSON to the server.</a:t>
+            </a:r>
+          </a:p>
+          <a:p>
+            <a:pPr lvl="1"/>
+            <a:endParaRPr lang="en-US" sz="1800" dirty="0"/>
+          </a:p>
+        </p:txBody>
+      </p:sp>
+    </p:spTree>
+    <p:extLst>
+      <p:ext uri="{BB962C8B-B14F-4D97-AF65-F5344CB8AC3E}">
+        <p14:creationId xmlns:p14="http://schemas.microsoft.com/office/powerpoint/2010/main" val="191322793"/>
+      </p:ext>
+    </p:extLst>
+  </p:cSld>
+  <p:clrMapOvr>
+    <a:masterClrMapping/>
+  </p:clrMapOvr>
+  <mc:AlternateContent xmlns:mc="http://schemas.openxmlformats.org/markup-compatibility/2006" xmlns:p15="http://schemas.microsoft.com/office/powerpoint/2012/main">
+    <mc:Choice Requires="p15">
+      <p:transition xmlns:p14="http://schemas.microsoft.com/office/powerpoint/2010/main" spd="slow" p14:dur="2000">
+        <p15:prstTrans prst="crush"/>
+      </p:transition>
+    </mc:Choice>
+    <mc:Fallback xmlns="">
+      <p:transition spd="slow">
+        <p:fade/>
+      </p:transition>
+    </mc:Fallback>
+  </mc:AlternateContent>
+</p:sld>
+</file>
+
+<file path=ppt/slides/slide43.xml><?xml version="1.0" encoding="utf-8"?>
+<p:sld xmlns:a="http://schemas.openxmlformats.org/drawingml/2006/main" xmlns:r="http://schemas.openxmlformats.org/officeDocument/2006/relationships" xmlns:p="http://schemas.openxmlformats.org/presentationml/2006/main">
+  <p:cSld>
+    <p:spTree>
+      <p:nvGrpSpPr>
+        <p:cNvPr id="1" name=""/>
+        <p:cNvGrpSpPr/>
+        <p:nvPr/>
+      </p:nvGrpSpPr>
+      <p:grpSpPr>
+        <a:xfrm>
+          <a:off x="0" y="0"/>
+          <a:ext cx="0" cy="0"/>
+          <a:chOff x="0" y="0"/>
+          <a:chExt cx="0" cy="0"/>
+        </a:xfrm>
+      </p:grpSpPr>
+      <p:sp>
+        <p:nvSpPr>
+          <p:cNvPr id="4" name="Title 3"/>
+          <p:cNvSpPr>
+            <a:spLocks noGrp="1"/>
+          </p:cNvSpPr>
+          <p:nvPr>
+            <p:ph type="title"/>
+          </p:nvPr>
+        </p:nvSpPr>
+        <p:spPr>
+          <a:xfrm>
+            <a:off x="457200" y="728135"/>
+            <a:ext cx="8229600" cy="1143000"/>
+          </a:xfrm>
+        </p:spPr>
+        <p:txBody>
+          <a:bodyPr>
+            <a:noAutofit/>
+          </a:bodyPr>
+          <a:lstStyle/>
+          <a:p>
+            <a:pPr algn="ctr"/>
+            <a:r>
+              <a:rPr lang="en-GB" sz="4000" dirty="0"/>
+              <a:t>JSONP </a:t>
+            </a:r>
+            <a:endParaRPr lang="en-GB" sz="2000" dirty="0">
+              <a:latin typeface="Tahoma" panose="020B0604030504040204" pitchFamily="34" charset="0"/>
+              <a:ea typeface="Tahoma" panose="020B0604030504040204" pitchFamily="34" charset="0"/>
+              <a:cs typeface="Tahoma" panose="020B0604030504040204" pitchFamily="34" charset="0"/>
+            </a:endParaRPr>
+          </a:p>
+        </p:txBody>
+      </p:sp>
+      <p:pic>
+        <p:nvPicPr>
+          <p:cNvPr id="6" name="Content Placeholder 3"/>
+          <p:cNvPicPr>
+            <a:picLocks noChangeAspect="1"/>
+          </p:cNvPicPr>
+          <p:nvPr/>
+        </p:nvPicPr>
+        <p:blipFill>
+          <a:blip r:embed="rId3" cstate="print">
+            <a:extLst>
+              <a:ext uri="{28A0092B-C50C-407E-A947-70E740481C1C}">
+                <a14:useLocalDpi xmlns:a14="http://schemas.microsoft.com/office/drawing/2010/main" val="0"/>
+              </a:ext>
+            </a:extLst>
+          </a:blip>
+          <a:stretch>
+            <a:fillRect/>
+          </a:stretch>
+        </p:blipFill>
+        <p:spPr>
+          <a:xfrm>
+            <a:off x="8153542" y="0"/>
+            <a:ext cx="980209" cy="977292"/>
+          </a:xfrm>
+          <a:prstGeom prst="rect">
+            <a:avLst/>
+          </a:prstGeom>
+        </p:spPr>
+      </p:pic>
+      <p:cxnSp>
+        <p:nvCxnSpPr>
+          <p:cNvPr id="3" name="Straight Connector 2"/>
+          <p:cNvCxnSpPr/>
+          <p:nvPr/>
+        </p:nvCxnSpPr>
+        <p:spPr>
+          <a:xfrm>
+            <a:off x="1066800" y="1871135"/>
+            <a:ext cx="7010400" cy="0"/>
+          </a:xfrm>
+          <a:prstGeom prst="line">
+            <a:avLst/>
+          </a:prstGeom>
+          <a:ln>
+            <a:solidFill>
+              <a:srgbClr val="5D2F5D"/>
+            </a:solidFill>
+          </a:ln>
+        </p:spPr>
+        <p:style>
+          <a:lnRef idx="1">
+            <a:schemeClr val="accent1"/>
+          </a:lnRef>
+          <a:fillRef idx="0">
+            <a:schemeClr val="accent1"/>
+          </a:fillRef>
+          <a:effectRef idx="0">
+            <a:schemeClr val="accent1"/>
+          </a:effectRef>
+          <a:fontRef idx="minor">
+            <a:schemeClr val="tx1"/>
+          </a:fontRef>
+        </p:style>
+      </p:cxnSp>
+      <p:sp>
+        <p:nvSpPr>
+          <p:cNvPr id="7" name="Content Placeholder 4"/>
+          <p:cNvSpPr>
+            <a:spLocks noGrp="1"/>
+          </p:cNvSpPr>
+          <p:nvPr>
+            <p:ph idx="1"/>
+          </p:nvPr>
+        </p:nvSpPr>
+        <p:spPr>
+          <a:xfrm>
+            <a:off x="457200" y="2286000"/>
+            <a:ext cx="8229600" cy="3886200"/>
+          </a:xfrm>
+        </p:spPr>
+        <p:txBody>
+          <a:bodyPr>
+            <a:normAutofit fontScale="92500" lnSpcReduction="10000"/>
+          </a:bodyPr>
+          <a:lstStyle/>
+          <a:p>
+            <a:pPr marL="274320" lvl="1" indent="0">
+              <a:buNone/>
+            </a:pPr>
+            <a:r>
+              <a:rPr lang="en-GB" sz="3200" dirty="0"/>
+              <a:t>JSONP stands for JSON with Padding.</a:t>
+            </a:r>
+          </a:p>
+          <a:p>
+            <a:r>
+              <a:rPr lang="en-GB" sz="2800" dirty="0"/>
+              <a:t>Cross-domain policy can cause issues when requesting data from another domain</a:t>
+            </a:r>
+          </a:p>
+          <a:p>
+            <a:r>
+              <a:rPr lang="en-GB" sz="2800" dirty="0"/>
+              <a:t>Requesting an external </a:t>
+            </a:r>
+            <a:r>
+              <a:rPr lang="en-GB" sz="2800" i="1" dirty="0"/>
+              <a:t>script</a:t>
+            </a:r>
+            <a:r>
+              <a:rPr lang="en-GB" sz="2800" dirty="0"/>
+              <a:t> from another domain does not have </a:t>
+            </a:r>
+            <a:r>
+              <a:rPr lang="en-GB" sz="2800"/>
+              <a:t>this issue.</a:t>
+            </a:r>
+            <a:endParaRPr lang="en-GB" sz="2800" dirty="0"/>
+          </a:p>
+          <a:p>
+            <a:r>
+              <a:rPr lang="en-GB" sz="2800" dirty="0"/>
+              <a:t>JSONP uses this advantage, and request files using the script tag instead of the XMLHttpRequest object.</a:t>
+            </a:r>
+          </a:p>
+          <a:p>
+            <a:endParaRPr lang="en-GB" sz="2800" dirty="0"/>
+          </a:p>
+          <a:p>
+            <a:pPr marL="0" indent="0">
+              <a:buNone/>
+            </a:pPr>
+            <a:r>
+              <a:rPr lang="en-GB" sz="2800" b="1" dirty="0"/>
+              <a:t>&lt;script </a:t>
+            </a:r>
+            <a:r>
+              <a:rPr lang="en-GB" sz="2800" b="1" dirty="0" err="1"/>
+              <a:t>src</a:t>
+            </a:r>
+            <a:r>
+              <a:rPr lang="en-GB" sz="2800" b="1" dirty="0"/>
+              <a:t>="</a:t>
+            </a:r>
+            <a:r>
+              <a:rPr lang="en-GB" sz="2800" b="1" dirty="0" err="1"/>
+              <a:t>demo_jsonp.php</a:t>
+            </a:r>
+            <a:r>
+              <a:rPr lang="en-GB" sz="2800" b="1" dirty="0"/>
+              <a:t>"&gt;</a:t>
+            </a:r>
+          </a:p>
+        </p:txBody>
+      </p:sp>
+    </p:spTree>
+    <p:extLst>
+      <p:ext uri="{BB962C8B-B14F-4D97-AF65-F5344CB8AC3E}">
+        <p14:creationId xmlns:p14="http://schemas.microsoft.com/office/powerpoint/2010/main" val="2129907767"/>
+      </p:ext>
+    </p:extLst>
+  </p:cSld>
+  <p:clrMapOvr>
+    <a:masterClrMapping/>
+  </p:clrMapOvr>
+  <mc:AlternateContent xmlns:mc="http://schemas.openxmlformats.org/markup-compatibility/2006" xmlns:p15="http://schemas.microsoft.com/office/powerpoint/2012/main">
+    <mc:Choice Requires="p15">
+      <p:transition xmlns:p14="http://schemas.microsoft.com/office/powerpoint/2010/main" spd="slow" p14:dur="2000">
+        <p15:prstTrans prst="crush"/>
+      </p:transition>
+    </mc:Choice>
+    <mc:Fallback xmlns="">
+      <p:transition spd="slow">
+        <p:fade/>
+      </p:transition>
+    </mc:Fallback>
+  </mc:AlternateContent>
+</p:sld>
+</file>
+
+<file path=ppt/slides/slide44.xml><?xml version="1.0" encoding="utf-8"?>
+<p:sld xmlns:a="http://schemas.openxmlformats.org/drawingml/2006/main" xmlns:r="http://schemas.openxmlformats.org/officeDocument/2006/relationships" xmlns:p="http://schemas.openxmlformats.org/presentationml/2006/main">
+  <p:cSld>
+    <p:spTree>
+      <p:nvGrpSpPr>
+        <p:cNvPr id="1" name=""/>
+        <p:cNvGrpSpPr/>
+        <p:nvPr/>
+      </p:nvGrpSpPr>
+      <p:grpSpPr>
+        <a:xfrm>
+          <a:off x="0" y="0"/>
+          <a:ext cx="0" cy="0"/>
+          <a:chOff x="0" y="0"/>
+          <a:chExt cx="0" cy="0"/>
+        </a:xfrm>
+      </p:grpSpPr>
+      <p:sp>
+        <p:nvSpPr>
+          <p:cNvPr id="4" name="Title 3"/>
+          <p:cNvSpPr>
+            <a:spLocks noGrp="1"/>
+          </p:cNvSpPr>
+          <p:nvPr>
+            <p:ph type="title"/>
+          </p:nvPr>
+        </p:nvSpPr>
+        <p:spPr>
+          <a:xfrm>
+            <a:off x="457200" y="728135"/>
+            <a:ext cx="8229600" cy="1143000"/>
+          </a:xfrm>
+        </p:spPr>
+        <p:txBody>
+          <a:bodyPr>
+            <a:noAutofit/>
+          </a:bodyPr>
+          <a:lstStyle/>
+          <a:p>
+            <a:pPr algn="ctr"/>
+            <a:r>
+              <a:rPr lang="en-GB" sz="4000" dirty="0"/>
+              <a:t>Callback Function </a:t>
+            </a:r>
+            <a:endParaRPr lang="en-GB" sz="2000" dirty="0">
+              <a:latin typeface="Tahoma" panose="020B0604030504040204" pitchFamily="34" charset="0"/>
+              <a:ea typeface="Tahoma" panose="020B0604030504040204" pitchFamily="34" charset="0"/>
+              <a:cs typeface="Tahoma" panose="020B0604030504040204" pitchFamily="34" charset="0"/>
+            </a:endParaRPr>
+          </a:p>
+        </p:txBody>
+      </p:sp>
+      <p:pic>
+        <p:nvPicPr>
+          <p:cNvPr id="6" name="Content Placeholder 3"/>
+          <p:cNvPicPr>
+            <a:picLocks noChangeAspect="1"/>
+          </p:cNvPicPr>
+          <p:nvPr/>
+        </p:nvPicPr>
+        <p:blipFill>
+          <a:blip r:embed="rId3" cstate="print">
+            <a:extLst>
+              <a:ext uri="{28A0092B-C50C-407E-A947-70E740481C1C}">
+                <a14:useLocalDpi xmlns:a14="http://schemas.microsoft.com/office/drawing/2010/main" val="0"/>
+              </a:ext>
+            </a:extLst>
+          </a:blip>
+          <a:stretch>
+            <a:fillRect/>
+          </a:stretch>
+        </p:blipFill>
+        <p:spPr>
+          <a:xfrm>
+            <a:off x="8153542" y="0"/>
+            <a:ext cx="980209" cy="977292"/>
+          </a:xfrm>
+          <a:prstGeom prst="rect">
+            <a:avLst/>
+          </a:prstGeom>
+        </p:spPr>
+      </p:pic>
+      <p:cxnSp>
+        <p:nvCxnSpPr>
+          <p:cNvPr id="3" name="Straight Connector 2"/>
+          <p:cNvCxnSpPr/>
+          <p:nvPr/>
+        </p:nvCxnSpPr>
+        <p:spPr>
+          <a:xfrm>
+            <a:off x="1066800" y="1871135"/>
+            <a:ext cx="7010400" cy="0"/>
+          </a:xfrm>
+          <a:prstGeom prst="line">
+            <a:avLst/>
+          </a:prstGeom>
+          <a:ln>
+            <a:solidFill>
+              <a:srgbClr val="5D2F5D"/>
+            </a:solidFill>
+          </a:ln>
+        </p:spPr>
+        <p:style>
+          <a:lnRef idx="1">
+            <a:schemeClr val="accent1"/>
+          </a:lnRef>
+          <a:fillRef idx="0">
+            <a:schemeClr val="accent1"/>
+          </a:fillRef>
+          <a:effectRef idx="0">
+            <a:schemeClr val="accent1"/>
+          </a:effectRef>
+          <a:fontRef idx="minor">
+            <a:schemeClr val="tx1"/>
+          </a:fontRef>
+        </p:style>
+      </p:cxnSp>
+      <p:sp>
+        <p:nvSpPr>
+          <p:cNvPr id="7" name="Content Placeholder 4"/>
+          <p:cNvSpPr>
+            <a:spLocks noGrp="1"/>
+          </p:cNvSpPr>
+          <p:nvPr>
+            <p:ph idx="1"/>
+          </p:nvPr>
+        </p:nvSpPr>
+        <p:spPr>
+          <a:xfrm>
+            <a:off x="457200" y="2286000"/>
+            <a:ext cx="8229600" cy="3886200"/>
+          </a:xfrm>
+        </p:spPr>
+        <p:txBody>
+          <a:bodyPr>
+            <a:normAutofit/>
+          </a:bodyPr>
+          <a:lstStyle/>
+          <a:p>
+            <a:pPr marL="274320" lvl="1" indent="0">
+              <a:buNone/>
+            </a:pPr>
+            <a:r>
+              <a:rPr lang="en-GB" sz="2000" dirty="0"/>
+              <a:t>When you have no control over the server file, how do you get the server file to call the correct function?</a:t>
+            </a:r>
+          </a:p>
+          <a:p>
+            <a:pPr marL="274320" lvl="1" indent="0">
+              <a:buNone/>
+            </a:pPr>
+            <a:endParaRPr lang="en-GB" sz="2000" dirty="0"/>
+          </a:p>
+          <a:p>
+            <a:pPr marL="274320" lvl="1" indent="0">
+              <a:buNone/>
+            </a:pPr>
+            <a:r>
+              <a:rPr lang="en-GB" sz="2000" dirty="0"/>
+              <a:t>Sometimes the server file offers a callback function as a parameter:</a:t>
+            </a:r>
+          </a:p>
+          <a:p>
+            <a:pPr marL="274320" lvl="1" indent="0">
+              <a:buNone/>
+            </a:pPr>
+            <a:endParaRPr lang="en-GB" sz="2000" dirty="0"/>
+          </a:p>
+          <a:p>
+            <a:pPr marL="0" indent="0">
+              <a:buNone/>
+            </a:pPr>
+            <a:r>
+              <a:rPr lang="en-GB" sz="2200" dirty="0"/>
+              <a:t>function </a:t>
+            </a:r>
+            <a:r>
+              <a:rPr lang="en-GB" sz="2200" dirty="0" err="1"/>
+              <a:t>clickButton</a:t>
+            </a:r>
+            <a:r>
+              <a:rPr lang="en-GB" sz="2200" dirty="0"/>
+              <a:t>() {</a:t>
+            </a:r>
+            <a:br>
+              <a:rPr lang="en-GB" sz="2200" dirty="0"/>
+            </a:br>
+            <a:r>
+              <a:rPr lang="en-GB" sz="2200" dirty="0"/>
+              <a:t>    </a:t>
+            </a:r>
+            <a:r>
+              <a:rPr lang="en-GB" sz="2200" dirty="0" err="1"/>
+              <a:t>var</a:t>
+            </a:r>
+            <a:r>
+              <a:rPr lang="en-GB" sz="2200" dirty="0"/>
+              <a:t> s = </a:t>
+            </a:r>
+            <a:r>
+              <a:rPr lang="en-GB" sz="2200" dirty="0" err="1"/>
+              <a:t>document.createElement</a:t>
+            </a:r>
+            <a:r>
+              <a:rPr lang="en-GB" sz="2200" dirty="0"/>
+              <a:t>("script");</a:t>
+            </a:r>
+            <a:br>
+              <a:rPr lang="en-GB" sz="2200" dirty="0"/>
+            </a:br>
+            <a:r>
+              <a:rPr lang="en-GB" sz="2200" dirty="0"/>
+              <a:t>    </a:t>
+            </a:r>
+            <a:r>
+              <a:rPr lang="en-GB" sz="2200" dirty="0" err="1"/>
+              <a:t>s.src</a:t>
+            </a:r>
+            <a:r>
+              <a:rPr lang="en-GB" sz="2200" dirty="0"/>
+              <a:t> = "</a:t>
+            </a:r>
+            <a:r>
+              <a:rPr lang="en-GB" sz="2200" dirty="0" err="1"/>
+              <a:t>jsonp_demo_db.php?</a:t>
+            </a:r>
+            <a:r>
+              <a:rPr lang="en-GB" sz="2200" b="1" dirty="0" err="1"/>
+              <a:t>callback</a:t>
+            </a:r>
+            <a:r>
+              <a:rPr lang="en-GB" sz="2200" b="1" dirty="0"/>
+              <a:t>=</a:t>
+            </a:r>
+            <a:r>
+              <a:rPr lang="en-GB" sz="2200" b="1" dirty="0" err="1"/>
+              <a:t>myDisplayFunction</a:t>
+            </a:r>
+            <a:r>
+              <a:rPr lang="en-GB" sz="2200" dirty="0"/>
+              <a:t>";</a:t>
+            </a:r>
+            <a:br>
+              <a:rPr lang="en-GB" sz="2200" dirty="0"/>
+            </a:br>
+            <a:r>
+              <a:rPr lang="en-GB" sz="2200" dirty="0"/>
+              <a:t>    </a:t>
+            </a:r>
+            <a:r>
+              <a:rPr lang="en-GB" sz="2200" dirty="0" err="1"/>
+              <a:t>document.body.appendChild</a:t>
+            </a:r>
+            <a:r>
+              <a:rPr lang="en-GB" sz="2200" dirty="0"/>
+              <a:t>(s);</a:t>
+            </a:r>
+            <a:br>
+              <a:rPr lang="en-GB" sz="2200" dirty="0"/>
+            </a:br>
+            <a:r>
+              <a:rPr lang="en-GB" sz="2200" dirty="0"/>
+              <a:t>}</a:t>
+            </a:r>
+            <a:endParaRPr lang="en-GB" sz="2200" b="1" dirty="0"/>
+          </a:p>
+        </p:txBody>
+      </p:sp>
+    </p:spTree>
+    <p:extLst>
+      <p:ext uri="{BB962C8B-B14F-4D97-AF65-F5344CB8AC3E}">
+        <p14:creationId xmlns:p14="http://schemas.microsoft.com/office/powerpoint/2010/main" val="19100908"/>
+      </p:ext>
+    </p:extLst>
+  </p:cSld>
+  <p:clrMapOvr>
+    <a:masterClrMapping/>
+  </p:clrMapOvr>
+  <mc:AlternateContent xmlns:mc="http://schemas.openxmlformats.org/markup-compatibility/2006" xmlns:p15="http://schemas.microsoft.com/office/powerpoint/2012/main">
+    <mc:Choice Requires="p15">
+      <p:transition xmlns:p14="http://schemas.microsoft.com/office/powerpoint/2010/main" spd="slow" p14:dur="2000">
+        <p15:prstTrans prst="crush"/>
+      </p:transition>
+    </mc:Choice>
+    <mc:Fallback xmlns="">
+      <p:transition spd="slow">
+        <p:fade/>
+      </p:transition>
+    </mc:Fallback>
+  </mc:AlternateContent>
+</p:sld>
+</file>
+
+<file path=ppt/slides/slide45.xml><?xml version="1.0" encoding="utf-8"?>
+<p:sld xmlns:a="http://schemas.openxmlformats.org/drawingml/2006/main" xmlns:r="http://schemas.openxmlformats.org/officeDocument/2006/relationships" xmlns:p="http://schemas.openxmlformats.org/presentationml/2006/main">
+  <p:cSld>
+    <p:spTree>
+      <p:nvGrpSpPr>
+        <p:cNvPr id="1" name=""/>
+        <p:cNvGrpSpPr/>
+        <p:nvPr/>
+      </p:nvGrpSpPr>
+      <p:grpSpPr>
+        <a:xfrm>
+          <a:off x="0" y="0"/>
+          <a:ext cx="0" cy="0"/>
+          <a:chOff x="0" y="0"/>
+          <a:chExt cx="0" cy="0"/>
+        </a:xfrm>
+      </p:grpSpPr>
+      <p:sp>
+        <p:nvSpPr>
+          <p:cNvPr id="4" name="Title 3"/>
+          <p:cNvSpPr>
+            <a:spLocks noGrp="1"/>
+          </p:cNvSpPr>
+          <p:nvPr>
+            <p:ph type="title"/>
+          </p:nvPr>
+        </p:nvSpPr>
+        <p:spPr>
+          <a:xfrm>
+            <a:off x="457200" y="728135"/>
+            <a:ext cx="8229600" cy="1143000"/>
+          </a:xfrm>
+        </p:spPr>
+        <p:txBody>
+          <a:bodyPr>
+            <a:noAutofit/>
+          </a:bodyPr>
+          <a:lstStyle/>
+          <a:p>
+            <a:pPr algn="ctr"/>
+            <a:r>
+              <a:rPr lang="en-GB" sz="4000" dirty="0"/>
+              <a:t>JSON resources </a:t>
+            </a:r>
+            <a:endParaRPr lang="en-GB" sz="2000" dirty="0">
+              <a:latin typeface="Tahoma" panose="020B0604030504040204" pitchFamily="34" charset="0"/>
+              <a:ea typeface="Tahoma" panose="020B0604030504040204" pitchFamily="34" charset="0"/>
+              <a:cs typeface="Tahoma" panose="020B0604030504040204" pitchFamily="34" charset="0"/>
+            </a:endParaRPr>
+          </a:p>
+        </p:txBody>
+      </p:sp>
+      <p:pic>
+        <p:nvPicPr>
+          <p:cNvPr id="6" name="Content Placeholder 3"/>
+          <p:cNvPicPr>
+            <a:picLocks noChangeAspect="1"/>
+          </p:cNvPicPr>
+          <p:nvPr/>
+        </p:nvPicPr>
+        <p:blipFill>
+          <a:blip r:embed="rId3" cstate="print">
+            <a:extLst>
+              <a:ext uri="{28A0092B-C50C-407E-A947-70E740481C1C}">
+                <a14:useLocalDpi xmlns:a14="http://schemas.microsoft.com/office/drawing/2010/main" val="0"/>
+              </a:ext>
+            </a:extLst>
+          </a:blip>
+          <a:stretch>
+            <a:fillRect/>
+          </a:stretch>
+        </p:blipFill>
+        <p:spPr>
+          <a:xfrm>
+            <a:off x="8153542" y="0"/>
+            <a:ext cx="980209" cy="977292"/>
+          </a:xfrm>
+          <a:prstGeom prst="rect">
+            <a:avLst/>
+          </a:prstGeom>
+        </p:spPr>
+      </p:pic>
+      <p:cxnSp>
+        <p:nvCxnSpPr>
+          <p:cNvPr id="3" name="Straight Connector 2"/>
+          <p:cNvCxnSpPr/>
+          <p:nvPr/>
+        </p:nvCxnSpPr>
+        <p:spPr>
+          <a:xfrm>
+            <a:off x="1066800" y="1871135"/>
+            <a:ext cx="7010400" cy="0"/>
+          </a:xfrm>
+          <a:prstGeom prst="line">
+            <a:avLst/>
+          </a:prstGeom>
+          <a:ln>
+            <a:solidFill>
+              <a:srgbClr val="5D2F5D"/>
+            </a:solidFill>
+          </a:ln>
+        </p:spPr>
+        <p:style>
+          <a:lnRef idx="1">
+            <a:schemeClr val="accent1"/>
+          </a:lnRef>
+          <a:fillRef idx="0">
+            <a:schemeClr val="accent1"/>
+          </a:fillRef>
+          <a:effectRef idx="0">
+            <a:schemeClr val="accent1"/>
+          </a:effectRef>
+          <a:fontRef idx="minor">
+            <a:schemeClr val="tx1"/>
+          </a:fontRef>
+        </p:style>
+      </p:cxnSp>
+      <p:sp>
+        <p:nvSpPr>
+          <p:cNvPr id="7" name="Content Placeholder 4"/>
+          <p:cNvSpPr>
+            <a:spLocks noGrp="1"/>
+          </p:cNvSpPr>
+          <p:nvPr>
+            <p:ph idx="1"/>
+          </p:nvPr>
+        </p:nvSpPr>
+        <p:spPr>
+          <a:xfrm>
+            <a:off x="457200" y="2286000"/>
+            <a:ext cx="8229600" cy="3886200"/>
+          </a:xfrm>
+        </p:spPr>
+        <p:txBody>
+          <a:bodyPr>
+            <a:normAutofit/>
+          </a:bodyPr>
+          <a:lstStyle/>
+          <a:p>
+            <a:pPr marL="274320" lvl="1" indent="0" algn="ctr">
+              <a:buNone/>
+            </a:pPr>
+            <a:r>
+              <a:rPr lang="en-GB" sz="3200" dirty="0">
+                <a:hlinkClick r:id="rId4"/>
+              </a:rPr>
+              <a:t>JSON Formatter and Validator</a:t>
+            </a:r>
+            <a:endParaRPr lang="en-GB" sz="2000" dirty="0"/>
+          </a:p>
+          <a:p>
+            <a:pPr marL="274320" lvl="1" indent="0" algn="ctr">
+              <a:buNone/>
+            </a:pPr>
+            <a:endParaRPr lang="en-GB" sz="2000" dirty="0"/>
+          </a:p>
+          <a:p>
+            <a:pPr marL="274320" lvl="1" indent="0" algn="ctr">
+              <a:buNone/>
+            </a:pPr>
+            <a:r>
+              <a:rPr lang="en-GB" sz="3200" dirty="0">
+                <a:hlinkClick r:id="rId5"/>
+              </a:rPr>
+              <a:t>JSON Formatter Chrome Add-on</a:t>
+            </a:r>
+            <a:endParaRPr lang="en-GB" sz="3200" dirty="0"/>
+          </a:p>
+          <a:p>
+            <a:pPr marL="274320" lvl="1" indent="0" algn="ctr">
+              <a:buNone/>
+            </a:pPr>
+            <a:endParaRPr lang="en-GB" sz="2800" dirty="0"/>
+          </a:p>
+          <a:p>
+            <a:pPr marL="274320" lvl="1" indent="0" algn="ctr">
+              <a:buNone/>
+            </a:pPr>
+            <a:r>
+              <a:rPr lang="en-GB" sz="2000" dirty="0"/>
+              <a:t>Find JSON files online also GitHub public repositories</a:t>
+            </a:r>
+          </a:p>
+          <a:p>
+            <a:pPr marL="274320" lvl="1" indent="0" algn="ctr">
+              <a:buNone/>
+            </a:pPr>
+            <a:endParaRPr lang="en-GB" sz="2000" dirty="0"/>
+          </a:p>
+          <a:p>
+            <a:pPr marL="274320" lvl="1" indent="0" algn="ctr">
+              <a:buNone/>
+            </a:pPr>
+            <a:r>
+              <a:rPr lang="en-GB" sz="4400" dirty="0">
+                <a:effectLst>
+                  <a:outerShdw blurRad="38100" dist="38100" dir="2700000" algn="tl">
+                    <a:srgbClr val="000000">
+                      <a:alpha val="43137"/>
+                    </a:srgbClr>
+                  </a:outerShdw>
+                </a:effectLst>
+              </a:rPr>
+              <a:t>Now let’s practice</a:t>
+            </a:r>
+          </a:p>
+        </p:txBody>
+      </p:sp>
+    </p:spTree>
+    <p:extLst>
+      <p:ext uri="{BB962C8B-B14F-4D97-AF65-F5344CB8AC3E}">
+        <p14:creationId xmlns:p14="http://schemas.microsoft.com/office/powerpoint/2010/main" val="4185897725"/>
+      </p:ext>
+    </p:extLst>
+  </p:cSld>
+  <p:clrMapOvr>
+    <a:masterClrMapping/>
+  </p:clrMapOvr>
+  <mc:AlternateContent xmlns:mc="http://schemas.openxmlformats.org/markup-compatibility/2006" xmlns:p15="http://schemas.microsoft.com/office/powerpoint/2012/main">
+    <mc:Choice Requires="p15">
+      <p:transition xmlns:p14="http://schemas.microsoft.com/office/powerpoint/2010/main" spd="slow" p14:dur="2000">
+        <p15:prstTrans prst="crush"/>
+      </p:transition>
+    </mc:Choice>
+    <mc:Fallback xmlns="">
+      <p:transition spd="slow">
+        <p:fade/>
+      </p:transition>
+    </mc:Fallback>
+  </mc:AlternateContent>
+</p:sld>
+</file>
+
+<file path=ppt/slides/slide46.xml><?xml version="1.0" encoding="utf-8"?>
 <p:sld xmlns:a="http://schemas.openxmlformats.org/drawingml/2006/main" xmlns:r="http://schemas.openxmlformats.org/officeDocument/2006/relationships" xmlns:p="http://schemas.openxmlformats.org/presentationml/2006/main">
   <p:cSld>
     <p:spTree>
@@ -23208,976 +29246,6 @@
     <p:bldLst>
       <p:bldP spid="8" grpId="0"/>
       <p:bldP spid="9" grpId="0" build="p"/>
-    </p:bldLst>
-  </p:timing>
-</p:sld>
-</file>
-
-<file path=ppt/slides/slide4.xml><?xml version="1.0" encoding="utf-8"?>
-<p:sld xmlns:a="http://schemas.openxmlformats.org/drawingml/2006/main" xmlns:r="http://schemas.openxmlformats.org/officeDocument/2006/relationships" xmlns:p="http://schemas.openxmlformats.org/presentationml/2006/main">
-  <p:cSld>
-    <p:spTree>
-      <p:nvGrpSpPr>
-        <p:cNvPr id="1" name=""/>
-        <p:cNvGrpSpPr/>
-        <p:nvPr/>
-      </p:nvGrpSpPr>
-      <p:grpSpPr>
-        <a:xfrm>
-          <a:off x="0" y="0"/>
-          <a:ext cx="0" cy="0"/>
-          <a:chOff x="0" y="0"/>
-          <a:chExt cx="0" cy="0"/>
-        </a:xfrm>
-      </p:grpSpPr>
-      <p:sp>
-        <p:nvSpPr>
-          <p:cNvPr id="4" name="Title 3"/>
-          <p:cNvSpPr>
-            <a:spLocks noGrp="1"/>
-          </p:cNvSpPr>
-          <p:nvPr>
-            <p:ph type="title"/>
-          </p:nvPr>
-        </p:nvSpPr>
-        <p:spPr>
-          <a:xfrm>
-            <a:off x="457200" y="728135"/>
-            <a:ext cx="8229600" cy="1143000"/>
-          </a:xfrm>
-        </p:spPr>
-        <p:txBody>
-          <a:bodyPr>
-            <a:noAutofit/>
-          </a:bodyPr>
-          <a:lstStyle/>
-          <a:p>
-            <a:pPr algn="ctr"/>
-            <a:r>
-              <a:rPr lang="en-US" sz="5400" dirty="0">
-                <a:latin typeface="Tahoma" panose="020B0604030504040204" pitchFamily="34" charset="0"/>
-                <a:ea typeface="Tahoma" panose="020B0604030504040204" pitchFamily="34" charset="0"/>
-                <a:cs typeface="Tahoma" panose="020B0604030504040204" pitchFamily="34" charset="0"/>
-              </a:rPr>
-              <a:t>Health &amp; Safety</a:t>
-            </a:r>
-            <a:endParaRPr lang="en-GB" sz="3200" dirty="0">
-              <a:latin typeface="Tahoma" panose="020B0604030504040204" pitchFamily="34" charset="0"/>
-              <a:ea typeface="Tahoma" panose="020B0604030504040204" pitchFamily="34" charset="0"/>
-              <a:cs typeface="Tahoma" panose="020B0604030504040204" pitchFamily="34" charset="0"/>
-            </a:endParaRPr>
-          </a:p>
-        </p:txBody>
-      </p:sp>
-      <p:pic>
-        <p:nvPicPr>
-          <p:cNvPr id="6" name="Content Placeholder 3"/>
-          <p:cNvPicPr>
-            <a:picLocks noChangeAspect="1"/>
-          </p:cNvPicPr>
-          <p:nvPr/>
-        </p:nvPicPr>
-        <p:blipFill>
-          <a:blip r:embed="rId3" cstate="print">
-            <a:extLst>
-              <a:ext uri="{28A0092B-C50C-407E-A947-70E740481C1C}">
-                <a14:useLocalDpi xmlns:a14="http://schemas.microsoft.com/office/drawing/2010/main" val="0"/>
-              </a:ext>
-            </a:extLst>
-          </a:blip>
-          <a:stretch>
-            <a:fillRect/>
-          </a:stretch>
-        </p:blipFill>
-        <p:spPr>
-          <a:xfrm>
-            <a:off x="8153542" y="0"/>
-            <a:ext cx="980209" cy="977292"/>
-          </a:xfrm>
-          <a:prstGeom prst="rect">
-            <a:avLst/>
-          </a:prstGeom>
-        </p:spPr>
-      </p:pic>
-      <p:cxnSp>
-        <p:nvCxnSpPr>
-          <p:cNvPr id="3" name="Straight Connector 2"/>
-          <p:cNvCxnSpPr/>
-          <p:nvPr/>
-        </p:nvCxnSpPr>
-        <p:spPr>
-          <a:xfrm>
-            <a:off x="1066800" y="1871135"/>
-            <a:ext cx="7010400" cy="0"/>
-          </a:xfrm>
-          <a:prstGeom prst="line">
-            <a:avLst/>
-          </a:prstGeom>
-          <a:ln>
-            <a:solidFill>
-              <a:srgbClr val="5D2F5D"/>
-            </a:solidFill>
-          </a:ln>
-        </p:spPr>
-        <p:style>
-          <a:lnRef idx="1">
-            <a:schemeClr val="accent1"/>
-          </a:lnRef>
-          <a:fillRef idx="0">
-            <a:schemeClr val="accent1"/>
-          </a:fillRef>
-          <a:effectRef idx="0">
-            <a:schemeClr val="accent1"/>
-          </a:effectRef>
-          <a:fontRef idx="minor">
-            <a:schemeClr val="tx1"/>
-          </a:fontRef>
-        </p:style>
-      </p:cxnSp>
-      <p:sp>
-        <p:nvSpPr>
-          <p:cNvPr id="8" name="Title 3"/>
-          <p:cNvSpPr txBox="1">
-            <a:spLocks/>
-          </p:cNvSpPr>
-          <p:nvPr/>
-        </p:nvSpPr>
-        <p:spPr>
-          <a:xfrm>
-            <a:off x="457200" y="2209800"/>
-            <a:ext cx="8229600" cy="1143000"/>
-          </a:xfrm>
-          <a:prstGeom prst="rect">
-            <a:avLst/>
-          </a:prstGeom>
-        </p:spPr>
-        <p:txBody>
-          <a:bodyPr vert="horz" lIns="91440" tIns="45720" rIns="91440" bIns="45720" rtlCol="0" anchor="ctr">
-            <a:noAutofit/>
-          </a:bodyPr>
-          <a:lstStyle>
-            <a:lvl1pPr algn="ctr" defTabSz="914400" rtl="0" eaLnBrk="1" latinLnBrk="0" hangingPunct="1">
-              <a:spcBef>
-                <a:spcPct val="0"/>
-              </a:spcBef>
-              <a:buNone/>
-              <a:defRPr sz="4400" kern="1200">
-                <a:solidFill>
-                  <a:schemeClr val="tx1"/>
-                </a:solidFill>
-                <a:latin typeface="+mj-lt"/>
-                <a:ea typeface="+mj-ea"/>
-                <a:cs typeface="+mj-cs"/>
-              </a:defRPr>
-            </a:lvl1pPr>
-          </a:lstStyle>
-          <a:p>
-            <a:r>
-              <a:rPr lang="en-US" sz="3200" b="1" dirty="0">
-                <a:latin typeface="Tahoma" panose="020B0604030504040204" pitchFamily="34" charset="0"/>
-                <a:ea typeface="Tahoma" panose="020B0604030504040204" pitchFamily="34" charset="0"/>
-                <a:cs typeface="Tahoma" panose="020B0604030504040204" pitchFamily="34" charset="0"/>
-              </a:rPr>
-              <a:t>If you feel unwell please let me know</a:t>
-            </a:r>
-            <a:endParaRPr lang="en-GB" sz="3200" b="1" dirty="0">
-              <a:latin typeface="Tahoma" panose="020B0604030504040204" pitchFamily="34" charset="0"/>
-              <a:ea typeface="Tahoma" panose="020B0604030504040204" pitchFamily="34" charset="0"/>
-              <a:cs typeface="Tahoma" panose="020B0604030504040204" pitchFamily="34" charset="0"/>
-            </a:endParaRPr>
-          </a:p>
-        </p:txBody>
-      </p:sp>
-      <p:sp>
-        <p:nvSpPr>
-          <p:cNvPr id="10" name="Content Placeholder 4"/>
-          <p:cNvSpPr txBox="1">
-            <a:spLocks/>
-          </p:cNvSpPr>
-          <p:nvPr/>
-        </p:nvSpPr>
-        <p:spPr>
-          <a:xfrm>
-            <a:off x="457200" y="3505200"/>
-            <a:ext cx="8229600" cy="2620963"/>
-          </a:xfrm>
-          <a:prstGeom prst="rect">
-            <a:avLst/>
-          </a:prstGeom>
-        </p:spPr>
-        <p:txBody>
-          <a:bodyPr vert="horz" lIns="91440" tIns="45720" rIns="91440" bIns="45720" rtlCol="0">
-            <a:normAutofit/>
-          </a:bodyPr>
-          <a:lstStyle>
-            <a:lvl1pPr marL="182880" indent="-182880" algn="l" defTabSz="914400" rtl="0" eaLnBrk="1" latinLnBrk="0" hangingPunct="1">
-              <a:lnSpc>
-                <a:spcPct val="90000"/>
-              </a:lnSpc>
-              <a:spcBef>
-                <a:spcPts val="1200"/>
-              </a:spcBef>
-              <a:buClr>
-                <a:schemeClr val="accent1"/>
-              </a:buClr>
-              <a:buSzPct val="85000"/>
-              <a:buFont typeface="Wingdings" pitchFamily="2" charset="2"/>
-              <a:buChar char="§"/>
-              <a:defRPr sz="2000" kern="1200">
-                <a:solidFill>
-                  <a:schemeClr val="tx1"/>
-                </a:solidFill>
-                <a:latin typeface="+mn-lt"/>
-                <a:ea typeface="+mn-ea"/>
-                <a:cs typeface="+mn-cs"/>
-              </a:defRPr>
-            </a:lvl1pPr>
-            <a:lvl2pPr marL="457200" indent="-182880" algn="l" defTabSz="914400" rtl="0" eaLnBrk="1" latinLnBrk="0" hangingPunct="1">
-              <a:lnSpc>
-                <a:spcPct val="90000"/>
-              </a:lnSpc>
-              <a:spcBef>
-                <a:spcPts val="400"/>
-              </a:spcBef>
-              <a:spcAft>
-                <a:spcPts val="200"/>
-              </a:spcAft>
-              <a:buClr>
-                <a:schemeClr val="accent1"/>
-              </a:buClr>
-              <a:buSzPct val="85000"/>
-              <a:buFont typeface="Wingdings" pitchFamily="2" charset="2"/>
-              <a:buChar char="§"/>
-              <a:defRPr sz="1800" kern="1200">
-                <a:solidFill>
-                  <a:schemeClr val="tx1"/>
-                </a:solidFill>
-                <a:latin typeface="+mn-lt"/>
-                <a:ea typeface="+mn-ea"/>
-                <a:cs typeface="+mn-cs"/>
-              </a:defRPr>
-            </a:lvl2pPr>
-            <a:lvl3pPr marL="731520" indent="-182880" algn="l" defTabSz="914400" rtl="0" eaLnBrk="1" latinLnBrk="0" hangingPunct="1">
-              <a:lnSpc>
-                <a:spcPct val="90000"/>
-              </a:lnSpc>
-              <a:spcBef>
-                <a:spcPts val="400"/>
-              </a:spcBef>
-              <a:spcAft>
-                <a:spcPts val="200"/>
-              </a:spcAft>
-              <a:buClr>
-                <a:schemeClr val="accent1"/>
-              </a:buClr>
-              <a:buSzPct val="85000"/>
-              <a:buFont typeface="Wingdings" pitchFamily="2" charset="2"/>
-              <a:buChar char="§"/>
-              <a:defRPr sz="1600" kern="1200">
-                <a:solidFill>
-                  <a:schemeClr val="tx1"/>
-                </a:solidFill>
-                <a:latin typeface="+mn-lt"/>
-                <a:ea typeface="+mn-ea"/>
-                <a:cs typeface="+mn-cs"/>
-              </a:defRPr>
-            </a:lvl3pPr>
-            <a:lvl4pPr marL="1005840" indent="-182880" algn="l" defTabSz="914400" rtl="0" eaLnBrk="1" latinLnBrk="0" hangingPunct="1">
-              <a:lnSpc>
-                <a:spcPct val="90000"/>
-              </a:lnSpc>
-              <a:spcBef>
-                <a:spcPts val="400"/>
-              </a:spcBef>
-              <a:spcAft>
-                <a:spcPts val="200"/>
-              </a:spcAft>
-              <a:buClr>
-                <a:schemeClr val="accent1"/>
-              </a:buClr>
-              <a:buSzPct val="85000"/>
-              <a:buFont typeface="Wingdings" pitchFamily="2" charset="2"/>
-              <a:buChar char="§"/>
-              <a:defRPr sz="1600" kern="1200">
-                <a:solidFill>
-                  <a:schemeClr val="tx1"/>
-                </a:solidFill>
-                <a:latin typeface="+mn-lt"/>
-                <a:ea typeface="+mn-ea"/>
-                <a:cs typeface="+mn-cs"/>
-              </a:defRPr>
-            </a:lvl4pPr>
-            <a:lvl5pPr marL="1280160" indent="-182880" algn="l" defTabSz="914400" rtl="0" eaLnBrk="1" latinLnBrk="0" hangingPunct="1">
-              <a:lnSpc>
-                <a:spcPct val="90000"/>
-              </a:lnSpc>
-              <a:spcBef>
-                <a:spcPts val="400"/>
-              </a:spcBef>
-              <a:spcAft>
-                <a:spcPts val="200"/>
-              </a:spcAft>
-              <a:buClr>
-                <a:schemeClr val="accent1"/>
-              </a:buClr>
-              <a:buSzPct val="85000"/>
-              <a:buFont typeface="Wingdings" pitchFamily="2" charset="2"/>
-              <a:buChar char="§"/>
-              <a:defRPr sz="1600" kern="1200">
-                <a:solidFill>
-                  <a:schemeClr val="tx1"/>
-                </a:solidFill>
-                <a:latin typeface="+mn-lt"/>
-                <a:ea typeface="+mn-ea"/>
-                <a:cs typeface="+mn-cs"/>
-              </a:defRPr>
-            </a:lvl5pPr>
-            <a:lvl6pPr marL="1600000" indent="-228600" algn="l" defTabSz="914400" rtl="0" eaLnBrk="1" latinLnBrk="0" hangingPunct="1">
-              <a:lnSpc>
-                <a:spcPct val="90000"/>
-              </a:lnSpc>
-              <a:spcBef>
-                <a:spcPts val="400"/>
-              </a:spcBef>
-              <a:spcAft>
-                <a:spcPts val="200"/>
-              </a:spcAft>
-              <a:buClr>
-                <a:schemeClr val="accent1"/>
-              </a:buClr>
-              <a:buSzPct val="85000"/>
-              <a:buFont typeface="Wingdings" pitchFamily="2" charset="2"/>
-              <a:buChar char="§"/>
-              <a:defRPr sz="1600" kern="1200">
-                <a:solidFill>
-                  <a:schemeClr val="tx1"/>
-                </a:solidFill>
-                <a:latin typeface="+mn-lt"/>
-                <a:ea typeface="+mn-ea"/>
-                <a:cs typeface="+mn-cs"/>
-              </a:defRPr>
-            </a:lvl6pPr>
-            <a:lvl7pPr marL="1900000" indent="-228600" algn="l" defTabSz="914400" rtl="0" eaLnBrk="1" latinLnBrk="0" hangingPunct="1">
-              <a:lnSpc>
-                <a:spcPct val="90000"/>
-              </a:lnSpc>
-              <a:spcBef>
-                <a:spcPts val="400"/>
-              </a:spcBef>
-              <a:spcAft>
-                <a:spcPts val="200"/>
-              </a:spcAft>
-              <a:buClr>
-                <a:schemeClr val="accent1"/>
-              </a:buClr>
-              <a:buSzPct val="85000"/>
-              <a:buFont typeface="Wingdings" pitchFamily="2" charset="2"/>
-              <a:buChar char="§"/>
-              <a:defRPr sz="1600" kern="1200">
-                <a:solidFill>
-                  <a:schemeClr val="tx1"/>
-                </a:solidFill>
-                <a:latin typeface="+mn-lt"/>
-                <a:ea typeface="+mn-ea"/>
-                <a:cs typeface="+mn-cs"/>
-              </a:defRPr>
-            </a:lvl7pPr>
-            <a:lvl8pPr marL="2200000" indent="-228600" algn="l" defTabSz="914400" rtl="0" eaLnBrk="1" latinLnBrk="0" hangingPunct="1">
-              <a:lnSpc>
-                <a:spcPct val="90000"/>
-              </a:lnSpc>
-              <a:spcBef>
-                <a:spcPts val="400"/>
-              </a:spcBef>
-              <a:spcAft>
-                <a:spcPts val="200"/>
-              </a:spcAft>
-              <a:buClr>
-                <a:schemeClr val="accent1"/>
-              </a:buClr>
-              <a:buSzPct val="85000"/>
-              <a:buFont typeface="Wingdings" pitchFamily="2" charset="2"/>
-              <a:buChar char="§"/>
-              <a:defRPr sz="1600" kern="1200">
-                <a:solidFill>
-                  <a:schemeClr val="tx1"/>
-                </a:solidFill>
-                <a:latin typeface="+mn-lt"/>
-                <a:ea typeface="+mn-ea"/>
-                <a:cs typeface="+mn-cs"/>
-              </a:defRPr>
-            </a:lvl8pPr>
-            <a:lvl9pPr marL="2500000" indent="-228600" algn="l" defTabSz="914400" rtl="0" eaLnBrk="1" latinLnBrk="0" hangingPunct="1">
-              <a:lnSpc>
-                <a:spcPct val="90000"/>
-              </a:lnSpc>
-              <a:spcBef>
-                <a:spcPts val="400"/>
-              </a:spcBef>
-              <a:spcAft>
-                <a:spcPts val="200"/>
-              </a:spcAft>
-              <a:buClr>
-                <a:schemeClr val="accent1"/>
-              </a:buClr>
-              <a:buSzPct val="85000"/>
-              <a:buFont typeface="Wingdings" pitchFamily="2" charset="2"/>
-              <a:buChar char="§"/>
-              <a:defRPr sz="1600" kern="1200">
-                <a:solidFill>
-                  <a:schemeClr val="tx1"/>
-                </a:solidFill>
-                <a:latin typeface="+mn-lt"/>
-                <a:ea typeface="+mn-ea"/>
-                <a:cs typeface="+mn-cs"/>
-              </a:defRPr>
-            </a:lvl9pPr>
-          </a:lstStyle>
-          <a:p>
-            <a:pPr lvl="1">
-              <a:buFont typeface="Arial" panose="020B0604020202020204" pitchFamily="34" charset="0"/>
-              <a:buChar char="•"/>
-            </a:pPr>
-            <a:r>
-              <a:rPr lang="en-US" sz="3600" dirty="0"/>
-              <a:t>Info about the building</a:t>
-            </a:r>
-          </a:p>
-          <a:p>
-            <a:pPr lvl="1">
-              <a:buFont typeface="Arial" panose="020B0604020202020204" pitchFamily="34" charset="0"/>
-              <a:buChar char="•"/>
-            </a:pPr>
-            <a:r>
-              <a:rPr lang="en-US" sz="3600" dirty="0"/>
-              <a:t>Careful with cables and drinks</a:t>
-            </a:r>
-          </a:p>
-          <a:p>
-            <a:pPr lvl="1">
-              <a:buFont typeface="Arial" panose="020B0604020202020204" pitchFamily="34" charset="0"/>
-              <a:buChar char="•"/>
-            </a:pPr>
-            <a:r>
-              <a:rPr lang="en-US" sz="3600" dirty="0"/>
-              <a:t>Get breaks away from the screen</a:t>
-            </a:r>
-          </a:p>
-          <a:p>
-            <a:pPr lvl="1">
-              <a:buFont typeface="Arial" panose="020B0604020202020204" pitchFamily="34" charset="0"/>
-              <a:buChar char="•"/>
-            </a:pPr>
-            <a:r>
-              <a:rPr lang="en-US" sz="3600" dirty="0"/>
-              <a:t>Make sure you comfortable</a:t>
-            </a:r>
-          </a:p>
-        </p:txBody>
-      </p:sp>
-    </p:spTree>
-    <p:extLst>
-      <p:ext uri="{BB962C8B-B14F-4D97-AF65-F5344CB8AC3E}">
-        <p14:creationId xmlns:p14="http://schemas.microsoft.com/office/powerpoint/2010/main" val="3154746951"/>
-      </p:ext>
-    </p:extLst>
-  </p:cSld>
-  <p:clrMapOvr>
-    <a:masterClrMapping/>
-  </p:clrMapOvr>
-  <mc:AlternateContent xmlns:mc="http://schemas.openxmlformats.org/markup-compatibility/2006" xmlns:p15="http://schemas.microsoft.com/office/powerpoint/2012/main">
-    <mc:Choice Requires="p15">
-      <p:transition xmlns:p14="http://schemas.microsoft.com/office/powerpoint/2010/main" spd="slow" p14:dur="2000">
-        <p15:prstTrans prst="crush"/>
-      </p:transition>
-    </mc:Choice>
-    <mc:Fallback xmlns="">
-      <p:transition spd="slow">
-        <p:fade/>
-      </p:transition>
-    </mc:Fallback>
-  </mc:AlternateContent>
-  <p:timing>
-    <p:tnLst>
-      <p:par>
-        <p:cTn id="1" dur="indefinite" restart="never" nodeType="tmRoot">
-          <p:childTnLst>
-            <p:seq concurrent="1" nextAc="seek">
-              <p:cTn id="2" dur="indefinite" nodeType="mainSeq">
-                <p:childTnLst>
-                  <p:par>
-                    <p:cTn id="3" fill="hold">
-                      <p:stCondLst>
-                        <p:cond delay="indefinite"/>
-                      </p:stCondLst>
-                      <p:childTnLst>
-                        <p:par>
-                          <p:cTn id="4" fill="hold">
-                            <p:stCondLst>
-                              <p:cond delay="0"/>
-                            </p:stCondLst>
-                            <p:childTnLst>
-                              <p:par>
-                                <p:cTn id="5" presetID="2" presetClass="entr" presetSubtype="4" fill="hold" grpId="0" nodeType="clickEffect">
-                                  <p:stCondLst>
-                                    <p:cond delay="0"/>
-                                  </p:stCondLst>
-                                  <p:childTnLst>
-                                    <p:set>
-                                      <p:cBhvr>
-                                        <p:cTn id="6" dur="1" fill="hold">
-                                          <p:stCondLst>
-                                            <p:cond delay="0"/>
-                                          </p:stCondLst>
-                                        </p:cTn>
-                                        <p:tgtEl>
-                                          <p:spTgt spid="8"/>
-                                        </p:tgtEl>
-                                        <p:attrNameLst>
-                                          <p:attrName>style.visibility</p:attrName>
-                                        </p:attrNameLst>
-                                      </p:cBhvr>
-                                      <p:to>
-                                        <p:strVal val="visible"/>
-                                      </p:to>
-                                    </p:set>
-                                    <p:anim calcmode="lin" valueType="num">
-                                      <p:cBhvr additive="base">
-                                        <p:cTn id="7" dur="500" fill="hold"/>
-                                        <p:tgtEl>
-                                          <p:spTgt spid="8"/>
-                                        </p:tgtEl>
-                                        <p:attrNameLst>
-                                          <p:attrName>ppt_x</p:attrName>
-                                        </p:attrNameLst>
-                                      </p:cBhvr>
-                                      <p:tavLst>
-                                        <p:tav tm="0">
-                                          <p:val>
-                                            <p:strVal val="#ppt_x"/>
-                                          </p:val>
-                                        </p:tav>
-                                        <p:tav tm="100000">
-                                          <p:val>
-                                            <p:strVal val="#ppt_x"/>
-                                          </p:val>
-                                        </p:tav>
-                                      </p:tavLst>
-                                    </p:anim>
-                                    <p:anim calcmode="lin" valueType="num">
-                                      <p:cBhvr additive="base">
-                                        <p:cTn id="8" dur="500" fill="hold"/>
-                                        <p:tgtEl>
-                                          <p:spTgt spid="8"/>
-                                        </p:tgtEl>
-                                        <p:attrNameLst>
-                                          <p:attrName>ppt_y</p:attrName>
-                                        </p:attrNameLst>
-                                      </p:cBhvr>
-                                      <p:tavLst>
-                                        <p:tav tm="0">
-                                          <p:val>
-                                            <p:strVal val="1+#ppt_h/2"/>
-                                          </p:val>
-                                        </p:tav>
-                                        <p:tav tm="100000">
-                                          <p:val>
-                                            <p:strVal val="#ppt_y"/>
-                                          </p:val>
-                                        </p:tav>
-                                      </p:tavLst>
-                                    </p:anim>
-                                  </p:childTnLst>
-                                </p:cTn>
-                              </p:par>
-                            </p:childTnLst>
-                          </p:cTn>
-                        </p:par>
-                      </p:childTnLst>
-                    </p:cTn>
-                  </p:par>
-                  <p:par>
-                    <p:cTn id="9" fill="hold">
-                      <p:stCondLst>
-                        <p:cond delay="indefinite"/>
-                      </p:stCondLst>
-                      <p:childTnLst>
-                        <p:par>
-                          <p:cTn id="10" fill="hold">
-                            <p:stCondLst>
-                              <p:cond delay="0"/>
-                            </p:stCondLst>
-                            <p:childTnLst>
-                              <p:par>
-                                <p:cTn id="11" presetID="2" presetClass="entr" presetSubtype="4" fill="hold" grpId="0" nodeType="clickEffect">
-                                  <p:stCondLst>
-                                    <p:cond delay="0"/>
-                                  </p:stCondLst>
-                                  <p:childTnLst>
-                                    <p:set>
-                                      <p:cBhvr>
-                                        <p:cTn id="12" dur="1" fill="hold">
-                                          <p:stCondLst>
-                                            <p:cond delay="0"/>
-                                          </p:stCondLst>
-                                        </p:cTn>
-                                        <p:tgtEl>
-                                          <p:spTgt spid="10">
-                                            <p:txEl>
-                                              <p:pRg st="0" end="0"/>
-                                            </p:txEl>
-                                          </p:spTgt>
-                                        </p:tgtEl>
-                                        <p:attrNameLst>
-                                          <p:attrName>style.visibility</p:attrName>
-                                        </p:attrNameLst>
-                                      </p:cBhvr>
-                                      <p:to>
-                                        <p:strVal val="visible"/>
-                                      </p:to>
-                                    </p:set>
-                                    <p:anim calcmode="lin" valueType="num">
-                                      <p:cBhvr additive="base">
-                                        <p:cTn id="13" dur="500" fill="hold"/>
-                                        <p:tgtEl>
-                                          <p:spTgt spid="10">
-                                            <p:txEl>
-                                              <p:pRg st="0" end="0"/>
-                                            </p:txEl>
-                                          </p:spTgt>
-                                        </p:tgtEl>
-                                        <p:attrNameLst>
-                                          <p:attrName>ppt_x</p:attrName>
-                                        </p:attrNameLst>
-                                      </p:cBhvr>
-                                      <p:tavLst>
-                                        <p:tav tm="0">
-                                          <p:val>
-                                            <p:strVal val="#ppt_x"/>
-                                          </p:val>
-                                        </p:tav>
-                                        <p:tav tm="100000">
-                                          <p:val>
-                                            <p:strVal val="#ppt_x"/>
-                                          </p:val>
-                                        </p:tav>
-                                      </p:tavLst>
-                                    </p:anim>
-                                    <p:anim calcmode="lin" valueType="num">
-                                      <p:cBhvr additive="base">
-                                        <p:cTn id="14" dur="500" fill="hold"/>
-                                        <p:tgtEl>
-                                          <p:spTgt spid="10">
-                                            <p:txEl>
-                                              <p:pRg st="0" end="0"/>
-                                            </p:txEl>
-                                          </p:spTgt>
-                                        </p:tgtEl>
-                                        <p:attrNameLst>
-                                          <p:attrName>ppt_y</p:attrName>
-                                        </p:attrNameLst>
-                                      </p:cBhvr>
-                                      <p:tavLst>
-                                        <p:tav tm="0">
-                                          <p:val>
-                                            <p:strVal val="1+#ppt_h/2"/>
-                                          </p:val>
-                                        </p:tav>
-                                        <p:tav tm="100000">
-                                          <p:val>
-                                            <p:strVal val="#ppt_y"/>
-                                          </p:val>
-                                        </p:tav>
-                                      </p:tavLst>
-                                    </p:anim>
-                                  </p:childTnLst>
-                                </p:cTn>
-                              </p:par>
-                              <p:par>
-                                <p:cTn id="15" presetID="2" presetClass="entr" presetSubtype="4" fill="hold" grpId="0" nodeType="withEffect">
-                                  <p:stCondLst>
-                                    <p:cond delay="0"/>
-                                  </p:stCondLst>
-                                  <p:childTnLst>
-                                    <p:set>
-                                      <p:cBhvr>
-                                        <p:cTn id="16" dur="1" fill="hold">
-                                          <p:stCondLst>
-                                            <p:cond delay="0"/>
-                                          </p:stCondLst>
-                                        </p:cTn>
-                                        <p:tgtEl>
-                                          <p:spTgt spid="10">
-                                            <p:txEl>
-                                              <p:pRg st="1" end="1"/>
-                                            </p:txEl>
-                                          </p:spTgt>
-                                        </p:tgtEl>
-                                        <p:attrNameLst>
-                                          <p:attrName>style.visibility</p:attrName>
-                                        </p:attrNameLst>
-                                      </p:cBhvr>
-                                      <p:to>
-                                        <p:strVal val="visible"/>
-                                      </p:to>
-                                    </p:set>
-                                    <p:anim calcmode="lin" valueType="num">
-                                      <p:cBhvr additive="base">
-                                        <p:cTn id="17" dur="500" fill="hold"/>
-                                        <p:tgtEl>
-                                          <p:spTgt spid="10">
-                                            <p:txEl>
-                                              <p:pRg st="1" end="1"/>
-                                            </p:txEl>
-                                          </p:spTgt>
-                                        </p:tgtEl>
-                                        <p:attrNameLst>
-                                          <p:attrName>ppt_x</p:attrName>
-                                        </p:attrNameLst>
-                                      </p:cBhvr>
-                                      <p:tavLst>
-                                        <p:tav tm="0">
-                                          <p:val>
-                                            <p:strVal val="#ppt_x"/>
-                                          </p:val>
-                                        </p:tav>
-                                        <p:tav tm="100000">
-                                          <p:val>
-                                            <p:strVal val="#ppt_x"/>
-                                          </p:val>
-                                        </p:tav>
-                                      </p:tavLst>
-                                    </p:anim>
-                                    <p:anim calcmode="lin" valueType="num">
-                                      <p:cBhvr additive="base">
-                                        <p:cTn id="18" dur="500" fill="hold"/>
-                                        <p:tgtEl>
-                                          <p:spTgt spid="10">
-                                            <p:txEl>
-                                              <p:pRg st="1" end="1"/>
-                                            </p:txEl>
-                                          </p:spTgt>
-                                        </p:tgtEl>
-                                        <p:attrNameLst>
-                                          <p:attrName>ppt_y</p:attrName>
-                                        </p:attrNameLst>
-                                      </p:cBhvr>
-                                      <p:tavLst>
-                                        <p:tav tm="0">
-                                          <p:val>
-                                            <p:strVal val="1+#ppt_h/2"/>
-                                          </p:val>
-                                        </p:tav>
-                                        <p:tav tm="100000">
-                                          <p:val>
-                                            <p:strVal val="#ppt_y"/>
-                                          </p:val>
-                                        </p:tav>
-                                      </p:tavLst>
-                                    </p:anim>
-                                  </p:childTnLst>
-                                </p:cTn>
-                              </p:par>
-                              <p:par>
-                                <p:cTn id="19" presetID="2" presetClass="entr" presetSubtype="4" fill="hold" grpId="0" nodeType="withEffect">
-                                  <p:stCondLst>
-                                    <p:cond delay="0"/>
-                                  </p:stCondLst>
-                                  <p:childTnLst>
-                                    <p:set>
-                                      <p:cBhvr>
-                                        <p:cTn id="20" dur="1" fill="hold">
-                                          <p:stCondLst>
-                                            <p:cond delay="0"/>
-                                          </p:stCondLst>
-                                        </p:cTn>
-                                        <p:tgtEl>
-                                          <p:spTgt spid="10">
-                                            <p:txEl>
-                                              <p:pRg st="2" end="2"/>
-                                            </p:txEl>
-                                          </p:spTgt>
-                                        </p:tgtEl>
-                                        <p:attrNameLst>
-                                          <p:attrName>style.visibility</p:attrName>
-                                        </p:attrNameLst>
-                                      </p:cBhvr>
-                                      <p:to>
-                                        <p:strVal val="visible"/>
-                                      </p:to>
-                                    </p:set>
-                                    <p:anim calcmode="lin" valueType="num">
-                                      <p:cBhvr additive="base">
-                                        <p:cTn id="21" dur="500" fill="hold"/>
-                                        <p:tgtEl>
-                                          <p:spTgt spid="10">
-                                            <p:txEl>
-                                              <p:pRg st="2" end="2"/>
-                                            </p:txEl>
-                                          </p:spTgt>
-                                        </p:tgtEl>
-                                        <p:attrNameLst>
-                                          <p:attrName>ppt_x</p:attrName>
-                                        </p:attrNameLst>
-                                      </p:cBhvr>
-                                      <p:tavLst>
-                                        <p:tav tm="0">
-                                          <p:val>
-                                            <p:strVal val="#ppt_x"/>
-                                          </p:val>
-                                        </p:tav>
-                                        <p:tav tm="100000">
-                                          <p:val>
-                                            <p:strVal val="#ppt_x"/>
-                                          </p:val>
-                                        </p:tav>
-                                      </p:tavLst>
-                                    </p:anim>
-                                    <p:anim calcmode="lin" valueType="num">
-                                      <p:cBhvr additive="base">
-                                        <p:cTn id="22" dur="500" fill="hold"/>
-                                        <p:tgtEl>
-                                          <p:spTgt spid="10">
-                                            <p:txEl>
-                                              <p:pRg st="2" end="2"/>
-                                            </p:txEl>
-                                          </p:spTgt>
-                                        </p:tgtEl>
-                                        <p:attrNameLst>
-                                          <p:attrName>ppt_y</p:attrName>
-                                        </p:attrNameLst>
-                                      </p:cBhvr>
-                                      <p:tavLst>
-                                        <p:tav tm="0">
-                                          <p:val>
-                                            <p:strVal val="1+#ppt_h/2"/>
-                                          </p:val>
-                                        </p:tav>
-                                        <p:tav tm="100000">
-                                          <p:val>
-                                            <p:strVal val="#ppt_y"/>
-                                          </p:val>
-                                        </p:tav>
-                                      </p:tavLst>
-                                    </p:anim>
-                                  </p:childTnLst>
-                                </p:cTn>
-                              </p:par>
-                              <p:par>
-                                <p:cTn id="23" presetID="2" presetClass="entr" presetSubtype="4" fill="hold" grpId="0" nodeType="withEffect">
-                                  <p:stCondLst>
-                                    <p:cond delay="0"/>
-                                  </p:stCondLst>
-                                  <p:childTnLst>
-                                    <p:set>
-                                      <p:cBhvr>
-                                        <p:cTn id="24" dur="1" fill="hold">
-                                          <p:stCondLst>
-                                            <p:cond delay="0"/>
-                                          </p:stCondLst>
-                                        </p:cTn>
-                                        <p:tgtEl>
-                                          <p:spTgt spid="10">
-                                            <p:txEl>
-                                              <p:pRg st="3" end="3"/>
-                                            </p:txEl>
-                                          </p:spTgt>
-                                        </p:tgtEl>
-                                        <p:attrNameLst>
-                                          <p:attrName>style.visibility</p:attrName>
-                                        </p:attrNameLst>
-                                      </p:cBhvr>
-                                      <p:to>
-                                        <p:strVal val="visible"/>
-                                      </p:to>
-                                    </p:set>
-                                    <p:anim calcmode="lin" valueType="num">
-                                      <p:cBhvr additive="base">
-                                        <p:cTn id="25" dur="500" fill="hold"/>
-                                        <p:tgtEl>
-                                          <p:spTgt spid="10">
-                                            <p:txEl>
-                                              <p:pRg st="3" end="3"/>
-                                            </p:txEl>
-                                          </p:spTgt>
-                                        </p:tgtEl>
-                                        <p:attrNameLst>
-                                          <p:attrName>ppt_x</p:attrName>
-                                        </p:attrNameLst>
-                                      </p:cBhvr>
-                                      <p:tavLst>
-                                        <p:tav tm="0">
-                                          <p:val>
-                                            <p:strVal val="#ppt_x"/>
-                                          </p:val>
-                                        </p:tav>
-                                        <p:tav tm="100000">
-                                          <p:val>
-                                            <p:strVal val="#ppt_x"/>
-                                          </p:val>
-                                        </p:tav>
-                                      </p:tavLst>
-                                    </p:anim>
-                                    <p:anim calcmode="lin" valueType="num">
-                                      <p:cBhvr additive="base">
-                                        <p:cTn id="26" dur="500" fill="hold"/>
-                                        <p:tgtEl>
-                                          <p:spTgt spid="10">
-                                            <p:txEl>
-                                              <p:pRg st="3" end="3"/>
-                                            </p:txEl>
-                                          </p:spTgt>
-                                        </p:tgtEl>
-                                        <p:attrNameLst>
-                                          <p:attrName>ppt_y</p:attrName>
-                                        </p:attrNameLst>
-                                      </p:cBhvr>
-                                      <p:tavLst>
-                                        <p:tav tm="0">
-                                          <p:val>
-                                            <p:strVal val="1+#ppt_h/2"/>
-                                          </p:val>
-                                        </p:tav>
-                                        <p:tav tm="100000">
-                                          <p:val>
-                                            <p:strVal val="#ppt_y"/>
-                                          </p:val>
-                                        </p:tav>
-                                      </p:tavLst>
-                                    </p:anim>
-                                  </p:childTnLst>
-                                </p:cTn>
-                              </p:par>
-                            </p:childTnLst>
-                          </p:cTn>
-                        </p:par>
-                      </p:childTnLst>
-                    </p:cTn>
-                  </p:par>
-                </p:childTnLst>
-              </p:cTn>
-              <p:prevCondLst>
-                <p:cond evt="onPrev" delay="0">
-                  <p:tgtEl>
-                    <p:sldTgt/>
-                  </p:tgtEl>
-                </p:cond>
-              </p:prevCondLst>
-              <p:nextCondLst>
-                <p:cond evt="onNext" delay="0">
-                  <p:tgtEl>
-                    <p:sldTgt/>
-                  </p:tgtEl>
-                </p:cond>
-              </p:nextCondLst>
-            </p:seq>
-          </p:childTnLst>
-        </p:cTn>
-      </p:par>
-    </p:tnLst>
-    <p:bldLst>
-      <p:bldP spid="8" grpId="0"/>
-      <p:bldP spid="10" grpId="0" build="p"/>
     </p:bldLst>
   </p:timing>
 </p:sld>
